--- a/Nirmalan sir/software architect.pptx
+++ b/Nirmalan sir/software architect.pptx
@@ -2,7 +2,7 @@
 <file path=ppt/presentation.xml><?xml version="1.0" encoding="utf-8"?>
 <p:presentation xmlns:a="http://schemas.openxmlformats.org/drawingml/2006/main" xmlns:r="http://schemas.openxmlformats.org/officeDocument/2006/relationships" xmlns:p="http://schemas.openxmlformats.org/presentationml/2006/main" saveSubsetFonts="1">
   <p:sldMasterIdLst>
-    <p:sldMasterId id="2147483690" r:id="rId1"/>
+    <p:sldMasterId id="2147483708" r:id="rId1"/>
   </p:sldMasterIdLst>
   <p:sldIdLst>
     <p:sldId id="256" r:id="rId2"/>
@@ -127,7 +127,7 @@
 </file>
 
 <file path=ppt/slideLayouts/slideLayout1.xml><?xml version="1.0" encoding="utf-8"?>
-<p:sldLayout xmlns:a="http://schemas.openxmlformats.org/drawingml/2006/main" xmlns:r="http://schemas.openxmlformats.org/officeDocument/2006/relationships" xmlns:p="http://schemas.openxmlformats.org/presentationml/2006/main" showMasterSp="0" type="title" preserve="1">
+<p:sldLayout xmlns:a="http://schemas.openxmlformats.org/drawingml/2006/main" xmlns:r="http://schemas.openxmlformats.org/officeDocument/2006/relationships" xmlns:p="http://schemas.openxmlformats.org/presentationml/2006/main" type="title" preserve="1">
   <p:cSld name="Title Slide">
     <p:spTree>
       <p:nvGrpSpPr>
@@ -155,19 +155,15 @@
         </p:nvSpPr>
         <p:spPr>
           <a:xfrm>
-            <a:off x="684212" y="685799"/>
-            <a:ext cx="8001000" cy="2971801"/>
+            <a:off x="1154955" y="1447800"/>
+            <a:ext cx="8825658" cy="3329581"/>
           </a:xfrm>
         </p:spPr>
         <p:txBody>
-          <a:bodyPr anchor="b">
-            <a:normAutofit/>
-          </a:bodyPr>
+          <a:bodyPr anchor="b"/>
           <a:lstStyle>
-            <a:lvl1pPr algn="l">
-              <a:defRPr sz="4800">
-                <a:effectLst/>
-              </a:defRPr>
+            <a:lvl1pPr>
+              <a:defRPr sz="7200"/>
             </a:lvl1pPr>
           </a:lstStyle>
           <a:p>
@@ -191,21 +187,20 @@
         </p:nvSpPr>
         <p:spPr>
           <a:xfrm>
-            <a:off x="684212" y="3843867"/>
-            <a:ext cx="6400800" cy="1947333"/>
+            <a:off x="1154955" y="4777380"/>
+            <a:ext cx="8825658" cy="861420"/>
           </a:xfrm>
         </p:spPr>
         <p:txBody>
-          <a:bodyPr anchor="t">
-            <a:normAutofit/>
-          </a:bodyPr>
+          <a:bodyPr anchor="t"/>
           <a:lstStyle>
             <a:lvl1pPr marL="0" indent="0" algn="l">
               <a:buNone/>
-              <a:defRPr sz="2100">
+              <a:defRPr cap="all">
                 <a:solidFill>
                   <a:schemeClr val="bg2">
-                    <a:lumMod val="75000"/>
+                    <a:lumMod val="40000"/>
+                    <a:lumOff val="60000"/>
                   </a:schemeClr>
                 </a:solidFill>
               </a:defRPr>
@@ -317,7 +312,7 @@
           <a:p>
             <a:fld id="{C6AC5E10-40A1-4D7D-A972-6C0C62CD8A70}" type="datetimeFigureOut">
               <a:rPr lang="en-US" smtClean="0"/>
-              <a:t>7/17/2024</a:t>
+              <a:t>7/18/2024</a:t>
             </a:fld>
             <a:endParaRPr lang="en-US"/>
           </a:p>
@@ -365,185 +360,10 @@
           </a:p>
         </p:txBody>
       </p:sp>
-      <p:cxnSp>
-        <p:nvCxnSpPr>
-          <p:cNvPr id="16" name="Straight Connector 15"/>
-          <p:cNvCxnSpPr/>
-          <p:nvPr/>
-        </p:nvCxnSpPr>
-        <p:spPr>
-          <a:xfrm flipH="1">
-            <a:off x="8228012" y="8467"/>
-            <a:ext cx="3810000" cy="3810000"/>
-          </a:xfrm>
-          <a:prstGeom prst="line">
-            <a:avLst/>
-          </a:prstGeom>
-          <a:ln w="12700">
-            <a:solidFill>
-              <a:schemeClr val="tx1"/>
-            </a:solidFill>
-          </a:ln>
-        </p:spPr>
-        <p:style>
-          <a:lnRef idx="2">
-            <a:schemeClr val="accent1"/>
-          </a:lnRef>
-          <a:fillRef idx="0">
-            <a:schemeClr val="accent1"/>
-          </a:fillRef>
-          <a:effectRef idx="1">
-            <a:schemeClr val="accent1"/>
-          </a:effectRef>
-          <a:fontRef idx="minor">
-            <a:schemeClr val="tx1"/>
-          </a:fontRef>
-        </p:style>
-      </p:cxnSp>
-      <p:cxnSp>
-        <p:nvCxnSpPr>
-          <p:cNvPr id="17" name="Straight Connector 16"/>
-          <p:cNvCxnSpPr/>
-          <p:nvPr/>
-        </p:nvCxnSpPr>
-        <p:spPr>
-          <a:xfrm flipH="1">
-            <a:off x="6108170" y="91545"/>
-            <a:ext cx="6080655" cy="6080655"/>
-          </a:xfrm>
-          <a:prstGeom prst="line">
-            <a:avLst/>
-          </a:prstGeom>
-          <a:ln w="12700">
-            <a:solidFill>
-              <a:schemeClr val="tx1"/>
-            </a:solidFill>
-          </a:ln>
-        </p:spPr>
-        <p:style>
-          <a:lnRef idx="2">
-            <a:schemeClr val="accent1"/>
-          </a:lnRef>
-          <a:fillRef idx="0">
-            <a:schemeClr val="accent1"/>
-          </a:fillRef>
-          <a:effectRef idx="1">
-            <a:schemeClr val="accent1"/>
-          </a:effectRef>
-          <a:fontRef idx="minor">
-            <a:schemeClr val="tx1"/>
-          </a:fontRef>
-        </p:style>
-      </p:cxnSp>
-      <p:cxnSp>
-        <p:nvCxnSpPr>
-          <p:cNvPr id="19" name="Straight Connector 18"/>
-          <p:cNvCxnSpPr/>
-          <p:nvPr/>
-        </p:nvCxnSpPr>
-        <p:spPr>
-          <a:xfrm flipH="1">
-            <a:off x="7235825" y="228600"/>
-            <a:ext cx="4953000" cy="4953000"/>
-          </a:xfrm>
-          <a:prstGeom prst="line">
-            <a:avLst/>
-          </a:prstGeom>
-          <a:ln w="12700">
-            <a:solidFill>
-              <a:schemeClr val="tx1"/>
-            </a:solidFill>
-          </a:ln>
-        </p:spPr>
-        <p:style>
-          <a:lnRef idx="2">
-            <a:schemeClr val="accent1"/>
-          </a:lnRef>
-          <a:fillRef idx="0">
-            <a:schemeClr val="accent1"/>
-          </a:fillRef>
-          <a:effectRef idx="1">
-            <a:schemeClr val="accent1"/>
-          </a:effectRef>
-          <a:fontRef idx="minor">
-            <a:schemeClr val="tx1"/>
-          </a:fontRef>
-        </p:style>
-      </p:cxnSp>
-      <p:cxnSp>
-        <p:nvCxnSpPr>
-          <p:cNvPr id="21" name="Straight Connector 20"/>
-          <p:cNvCxnSpPr/>
-          <p:nvPr/>
-        </p:nvCxnSpPr>
-        <p:spPr>
-          <a:xfrm flipH="1">
-            <a:off x="7335837" y="32278"/>
-            <a:ext cx="4852989" cy="4852989"/>
-          </a:xfrm>
-          <a:prstGeom prst="line">
-            <a:avLst/>
-          </a:prstGeom>
-          <a:ln w="31750">
-            <a:solidFill>
-              <a:schemeClr val="tx1"/>
-            </a:solidFill>
-          </a:ln>
-        </p:spPr>
-        <p:style>
-          <a:lnRef idx="2">
-            <a:schemeClr val="accent1"/>
-          </a:lnRef>
-          <a:fillRef idx="0">
-            <a:schemeClr val="accent1"/>
-          </a:fillRef>
-          <a:effectRef idx="1">
-            <a:schemeClr val="accent1"/>
-          </a:effectRef>
-          <a:fontRef idx="minor">
-            <a:schemeClr val="tx1"/>
-          </a:fontRef>
-        </p:style>
-      </p:cxnSp>
-      <p:cxnSp>
-        <p:nvCxnSpPr>
-          <p:cNvPr id="23" name="Straight Connector 22"/>
-          <p:cNvCxnSpPr/>
-          <p:nvPr/>
-        </p:nvCxnSpPr>
-        <p:spPr>
-          <a:xfrm flipH="1">
-            <a:off x="7845426" y="609601"/>
-            <a:ext cx="4343399" cy="4343399"/>
-          </a:xfrm>
-          <a:prstGeom prst="line">
-            <a:avLst/>
-          </a:prstGeom>
-          <a:ln w="31750">
-            <a:solidFill>
-              <a:schemeClr val="tx1"/>
-            </a:solidFill>
-          </a:ln>
-        </p:spPr>
-        <p:style>
-          <a:lnRef idx="2">
-            <a:schemeClr val="accent1"/>
-          </a:lnRef>
-          <a:fillRef idx="0">
-            <a:schemeClr val="accent1"/>
-          </a:fillRef>
-          <a:effectRef idx="1">
-            <a:schemeClr val="accent1"/>
-          </a:effectRef>
-          <a:fontRef idx="minor">
-            <a:schemeClr val="tx1"/>
-          </a:fontRef>
-        </p:style>
-      </p:cxnSp>
     </p:spTree>
     <p:extLst>
       <p:ext uri="{BB962C8B-B14F-4D97-AF65-F5344CB8AC3E}">
-        <p14:creationId xmlns:p14="http://schemas.microsoft.com/office/powerpoint/2010/main" val="1141064288"/>
+        <p14:creationId xmlns:p14="http://schemas.microsoft.com/office/powerpoint/2010/main" val="948839620"/>
       </p:ext>
     </p:extLst>
   </p:cSld>
@@ -580,53 +400,56 @@
             <p:ph type="title"/>
           </p:nvPr>
         </p:nvSpPr>
-        <p:spPr/>
-        <p:txBody>
-          <a:bodyPr/>
-          <a:lstStyle/>
-          <a:p>
-            <a:r>
-              <a:rPr lang="en-US"/>
-              <a:t>Click to edit Master title style</a:t>
-            </a:r>
-            <a:endParaRPr lang="en-US" dirty="0"/>
-          </a:p>
-        </p:txBody>
-      </p:sp>
-      <p:sp>
-        <p:nvSpPr>
-          <p:cNvPr id="17" name="Picture Placeholder 2"/>
-          <p:cNvSpPr>
-            <a:spLocks noGrp="1" noChangeAspect="1"/>
-          </p:cNvSpPr>
-          <p:nvPr>
-            <p:ph type="pic" idx="13"/>
-          </p:nvPr>
-        </p:nvSpPr>
         <p:spPr>
           <a:xfrm>
-            <a:off x="685800" y="533400"/>
-            <a:ext cx="10818812" cy="3124200"/>
+            <a:off x="1154956" y="4800587"/>
+            <a:ext cx="8825657" cy="566738"/>
           </a:xfrm>
-          <a:prstGeom prst="snip2DiagRect">
+        </p:spPr>
+        <p:txBody>
+          <a:bodyPr anchor="b">
+            <a:normAutofit/>
+          </a:bodyPr>
+          <a:lstStyle>
+            <a:lvl1pPr algn="l">
+              <a:defRPr sz="2400" b="0"/>
+            </a:lvl1pPr>
+          </a:lstStyle>
+          <a:p>
+            <a:r>
+              <a:rPr lang="en-US"/>
+              <a:t>Click to edit Master title style</a:t>
+            </a:r>
+            <a:endParaRPr lang="en-US" dirty="0"/>
+          </a:p>
+        </p:txBody>
+      </p:sp>
+      <p:sp>
+        <p:nvSpPr>
+          <p:cNvPr id="3" name="Picture Placeholder 2"/>
+          <p:cNvSpPr>
+            <a:spLocks noGrp="1" noChangeAspect="1"/>
+          </p:cNvSpPr>
+          <p:nvPr>
+            <p:ph type="pic" idx="1"/>
+          </p:nvPr>
+        </p:nvSpPr>
+        <p:spPr>
+          <a:xfrm>
+            <a:off x="1154955" y="685800"/>
+            <a:ext cx="8825658" cy="3640666"/>
+          </a:xfrm>
+          <a:prstGeom prst="roundRect">
             <a:avLst>
-              <a:gd name="adj1" fmla="val 10815"/>
-              <a:gd name="adj2" fmla="val 0"/>
+              <a:gd name="adj" fmla="val 1858"/>
             </a:avLst>
           </a:prstGeom>
-          <a:ln w="15875">
-            <a:solidFill>
-              <a:schemeClr val="tx1">
-                <a:alpha val="40000"/>
-              </a:schemeClr>
-            </a:solidFill>
-          </a:ln>
           <a:effectLst>
-            <a:innerShdw blurRad="57150" dist="38100" dir="14460000">
+            <a:outerShdw blurRad="50800" dist="50800" dir="5400000" algn="tl" rotWithShape="0">
               <a:srgbClr val="000000">
-                <a:alpha val="70000"/>
+                <a:alpha val="43000"/>
               </a:srgbClr>
-            </a:innerShdw>
+            </a:outerShdw>
           </a:effectLst>
         </p:spPr>
         <p:txBody>
@@ -682,50 +505,61 @@
       </p:sp>
       <p:sp>
         <p:nvSpPr>
-          <p:cNvPr id="16" name="Text Placeholder 9"/>
-          <p:cNvSpPr>
-            <a:spLocks noGrp="1"/>
-          </p:cNvSpPr>
-          <p:nvPr>
-            <p:ph type="body" sz="quarter" idx="14"/>
+          <p:cNvPr id="4" name="Text Placeholder 3"/>
+          <p:cNvSpPr>
+            <a:spLocks noGrp="1"/>
+          </p:cNvSpPr>
+          <p:nvPr>
+            <p:ph type="body" sz="half" idx="2"/>
           </p:nvPr>
         </p:nvSpPr>
         <p:spPr>
           <a:xfrm>
-            <a:off x="914402" y="3843867"/>
-            <a:ext cx="8304210" cy="457200"/>
+            <a:off x="1154956" y="5367325"/>
+            <a:ext cx="8825656" cy="493712"/>
           </a:xfrm>
         </p:spPr>
         <p:txBody>
-          <a:bodyPr anchor="t">
+          <a:bodyPr>
             <a:normAutofit/>
           </a:bodyPr>
           <a:lstStyle>
             <a:lvl1pPr marL="0" indent="0">
-              <a:buFontTx/>
-              <a:buNone/>
-              <a:defRPr sz="1600"/>
+              <a:buNone/>
+              <a:defRPr sz="1200"/>
             </a:lvl1pPr>
             <a:lvl2pPr marL="457200" indent="0">
-              <a:buFontTx/>
-              <a:buNone/>
-              <a:defRPr/>
+              <a:buNone/>
+              <a:defRPr sz="1200"/>
             </a:lvl2pPr>
             <a:lvl3pPr marL="914400" indent="0">
-              <a:buFontTx/>
-              <a:buNone/>
-              <a:defRPr/>
+              <a:buNone/>
+              <a:defRPr sz="1000"/>
             </a:lvl3pPr>
             <a:lvl4pPr marL="1371600" indent="0">
-              <a:buFontTx/>
-              <a:buNone/>
-              <a:defRPr/>
+              <a:buNone/>
+              <a:defRPr sz="900"/>
             </a:lvl4pPr>
             <a:lvl5pPr marL="1828800" indent="0">
-              <a:buFontTx/>
-              <a:buNone/>
-              <a:defRPr/>
+              <a:buNone/>
+              <a:defRPr sz="900"/>
             </a:lvl5pPr>
+            <a:lvl6pPr marL="2286000" indent="0">
+              <a:buNone/>
+              <a:defRPr sz="900"/>
+            </a:lvl6pPr>
+            <a:lvl7pPr marL="2743200" indent="0">
+              <a:buNone/>
+              <a:defRPr sz="900"/>
+            </a:lvl7pPr>
+            <a:lvl8pPr marL="3200400" indent="0">
+              <a:buNone/>
+              <a:defRPr sz="900"/>
+            </a:lvl8pPr>
+            <a:lvl9pPr marL="3657600" indent="0">
+              <a:buNone/>
+              <a:defRPr sz="900"/>
+            </a:lvl9pPr>
           </a:lstStyle>
           <a:p>
             <a:pPr lvl="0"/>
@@ -738,7 +572,7 @@
       </p:sp>
       <p:sp>
         <p:nvSpPr>
-          <p:cNvPr id="3" name="Date Placeholder 2"/>
+          <p:cNvPr id="5" name="Date Placeholder 4"/>
           <p:cNvSpPr>
             <a:spLocks noGrp="1"/>
           </p:cNvSpPr>
@@ -753,7 +587,7 @@
           <a:p>
             <a:fld id="{C6AC5E10-40A1-4D7D-A972-6C0C62CD8A70}" type="datetimeFigureOut">
               <a:rPr lang="en-US" smtClean="0"/>
-              <a:t>7/17/2024</a:t>
+              <a:t>7/18/2024</a:t>
             </a:fld>
             <a:endParaRPr lang="en-US"/>
           </a:p>
@@ -761,7 +595,7 @@
       </p:sp>
       <p:sp>
         <p:nvSpPr>
-          <p:cNvPr id="4" name="Footer Placeholder 3"/>
+          <p:cNvPr id="6" name="Footer Placeholder 5"/>
           <p:cNvSpPr>
             <a:spLocks noGrp="1"/>
           </p:cNvSpPr>
@@ -780,7 +614,7 @@
       </p:sp>
       <p:sp>
         <p:nvSpPr>
-          <p:cNvPr id="5" name="Slide Number Placeholder 4"/>
+          <p:cNvPr id="7" name="Slide Number Placeholder 6"/>
           <p:cNvSpPr>
             <a:spLocks noGrp="1"/>
           </p:cNvSpPr>
@@ -804,7 +638,7 @@
     </p:spTree>
     <p:extLst>
       <p:ext uri="{BB962C8B-B14F-4D97-AF65-F5344CB8AC3E}">
-        <p14:creationId xmlns:p14="http://schemas.microsoft.com/office/powerpoint/2010/main" val="1481323012"/>
+        <p14:creationId xmlns:p14="http://schemas.microsoft.com/office/powerpoint/2010/main" val="4294659365"/>
       </p:ext>
     </p:extLst>
   </p:cSld>
@@ -843,8 +677,40 @@
         </p:nvSpPr>
         <p:spPr>
           <a:xfrm>
-            <a:off x="684213" y="685800"/>
-            <a:ext cx="10058400" cy="2743200"/>
+            <a:off x="1154954" y="1447800"/>
+            <a:ext cx="8825659" cy="1981200"/>
+          </a:xfrm>
+        </p:spPr>
+        <p:txBody>
+          <a:bodyPr/>
+          <a:lstStyle>
+            <a:lvl1pPr>
+              <a:defRPr sz="4800"/>
+            </a:lvl1pPr>
+          </a:lstStyle>
+          <a:p>
+            <a:r>
+              <a:rPr lang="en-US"/>
+              <a:t>Click to edit Master title style</a:t>
+            </a:r>
+            <a:endParaRPr lang="en-US" dirty="0"/>
+          </a:p>
+        </p:txBody>
+      </p:sp>
+      <p:sp>
+        <p:nvSpPr>
+          <p:cNvPr id="8" name="Text Placeholder 3"/>
+          <p:cNvSpPr>
+            <a:spLocks noGrp="1"/>
+          </p:cNvSpPr>
+          <p:nvPr>
+            <p:ph type="body" sz="half" idx="2"/>
+          </p:nvPr>
+        </p:nvSpPr>
+        <p:spPr>
+          <a:xfrm>
+            <a:off x="1154954" y="3657600"/>
+            <a:ext cx="8825659" cy="2362200"/>
           </a:xfrm>
         </p:spPr>
         <p:txBody>
@@ -852,129 +718,41 @@
             <a:normAutofit/>
           </a:bodyPr>
           <a:lstStyle>
-            <a:lvl1pPr algn="l">
-              <a:defRPr sz="3200" b="0" cap="all"/>
-            </a:lvl1pPr>
-          </a:lstStyle>
-          <a:p>
-            <a:r>
-              <a:rPr lang="en-US"/>
-              <a:t>Click to edit Master title style</a:t>
-            </a:r>
-            <a:endParaRPr lang="en-US" dirty="0"/>
-          </a:p>
-        </p:txBody>
-      </p:sp>
-      <p:sp>
-        <p:nvSpPr>
-          <p:cNvPr id="3" name="Text Placeholder 2"/>
-          <p:cNvSpPr>
-            <a:spLocks noGrp="1"/>
-          </p:cNvSpPr>
-          <p:nvPr>
-            <p:ph type="body" idx="1"/>
-          </p:nvPr>
-        </p:nvSpPr>
-        <p:spPr>
-          <a:xfrm>
-            <a:off x="684212" y="4114800"/>
-            <a:ext cx="8535988" cy="1879600"/>
-          </a:xfrm>
-        </p:spPr>
-        <p:txBody>
-          <a:bodyPr anchor="ctr">
-            <a:normAutofit/>
-          </a:bodyPr>
-          <a:lstStyle>
-            <a:lvl1pPr marL="0" indent="0" algn="l">
-              <a:buNone/>
-              <a:defRPr sz="2000">
-                <a:solidFill>
-                  <a:schemeClr val="bg2">
-                    <a:lumMod val="75000"/>
-                  </a:schemeClr>
-                </a:solidFill>
-              </a:defRPr>
+            <a:lvl1pPr marL="0" indent="0">
+              <a:buNone/>
+              <a:defRPr sz="1800"/>
             </a:lvl1pPr>
             <a:lvl2pPr marL="457200" indent="0">
               <a:buNone/>
-              <a:defRPr sz="1800">
-                <a:solidFill>
-                  <a:schemeClr val="tx1">
-                    <a:tint val="75000"/>
-                  </a:schemeClr>
-                </a:solidFill>
-              </a:defRPr>
+              <a:defRPr sz="1200"/>
             </a:lvl2pPr>
             <a:lvl3pPr marL="914400" indent="0">
               <a:buNone/>
-              <a:defRPr sz="1600">
-                <a:solidFill>
-                  <a:schemeClr val="tx1">
-                    <a:tint val="75000"/>
-                  </a:schemeClr>
-                </a:solidFill>
-              </a:defRPr>
+              <a:defRPr sz="1000"/>
             </a:lvl3pPr>
             <a:lvl4pPr marL="1371600" indent="0">
               <a:buNone/>
-              <a:defRPr sz="1400">
-                <a:solidFill>
-                  <a:schemeClr val="tx1">
-                    <a:tint val="75000"/>
-                  </a:schemeClr>
-                </a:solidFill>
-              </a:defRPr>
+              <a:defRPr sz="900"/>
             </a:lvl4pPr>
             <a:lvl5pPr marL="1828800" indent="0">
               <a:buNone/>
-              <a:defRPr sz="1400">
-                <a:solidFill>
-                  <a:schemeClr val="tx1">
-                    <a:tint val="75000"/>
-                  </a:schemeClr>
-                </a:solidFill>
-              </a:defRPr>
+              <a:defRPr sz="900"/>
             </a:lvl5pPr>
             <a:lvl6pPr marL="2286000" indent="0">
               <a:buNone/>
-              <a:defRPr sz="1400">
-                <a:solidFill>
-                  <a:schemeClr val="tx1">
-                    <a:tint val="75000"/>
-                  </a:schemeClr>
-                </a:solidFill>
-              </a:defRPr>
+              <a:defRPr sz="900"/>
             </a:lvl6pPr>
             <a:lvl7pPr marL="2743200" indent="0">
               <a:buNone/>
-              <a:defRPr sz="1400">
-                <a:solidFill>
-                  <a:schemeClr val="tx1">
-                    <a:tint val="75000"/>
-                  </a:schemeClr>
-                </a:solidFill>
-              </a:defRPr>
+              <a:defRPr sz="900"/>
             </a:lvl7pPr>
             <a:lvl8pPr marL="3200400" indent="0">
               <a:buNone/>
-              <a:defRPr sz="1400">
-                <a:solidFill>
-                  <a:schemeClr val="tx1">
-                    <a:tint val="75000"/>
-                  </a:schemeClr>
-                </a:solidFill>
-              </a:defRPr>
+              <a:defRPr sz="900"/>
             </a:lvl8pPr>
             <a:lvl9pPr marL="3657600" indent="0">
               <a:buNone/>
-              <a:defRPr sz="1400">
-                <a:solidFill>
-                  <a:schemeClr val="tx1">
-                    <a:tint val="75000"/>
-                  </a:schemeClr>
-                </a:solidFill>
-              </a:defRPr>
+              <a:defRPr sz="900"/>
             </a:lvl9pPr>
           </a:lstStyle>
           <a:p>
@@ -1003,7 +781,7 @@
           <a:p>
             <a:fld id="{C6AC5E10-40A1-4D7D-A972-6C0C62CD8A70}" type="datetimeFigureOut">
               <a:rPr lang="en-US" smtClean="0"/>
-              <a:t>7/17/2024</a:t>
+              <a:t>7/18/2024</a:t>
             </a:fld>
             <a:endParaRPr lang="en-US"/>
           </a:p>
@@ -1054,7 +832,7 @@
     </p:spTree>
     <p:extLst>
       <p:ext uri="{BB962C8B-B14F-4D97-AF65-F5344CB8AC3E}">
-        <p14:creationId xmlns:p14="http://schemas.microsoft.com/office/powerpoint/2010/main" val="1137905461"/>
+        <p14:creationId xmlns:p14="http://schemas.microsoft.com/office/powerpoint/2010/main" val="2494213579"/>
       </p:ext>
     </p:extLst>
   </p:cSld>
@@ -1093,8 +871,119 @@
         </p:nvSpPr>
         <p:spPr>
           <a:xfrm>
-            <a:off x="1141411" y="685800"/>
-            <a:ext cx="9144001" cy="2743200"/>
+            <a:off x="1574801" y="1447800"/>
+            <a:ext cx="7999315" cy="2323374"/>
+          </a:xfrm>
+        </p:spPr>
+        <p:txBody>
+          <a:bodyPr/>
+          <a:lstStyle>
+            <a:lvl1pPr>
+              <a:defRPr sz="4800"/>
+            </a:lvl1pPr>
+          </a:lstStyle>
+          <a:p>
+            <a:r>
+              <a:rPr lang="en-US"/>
+              <a:t>Click to edit Master title style</a:t>
+            </a:r>
+            <a:endParaRPr lang="en-US" dirty="0"/>
+          </a:p>
+        </p:txBody>
+      </p:sp>
+      <p:sp>
+        <p:nvSpPr>
+          <p:cNvPr id="11" name="Text Placeholder 3"/>
+          <p:cNvSpPr>
+            <a:spLocks noGrp="1"/>
+          </p:cNvSpPr>
+          <p:nvPr>
+            <p:ph type="body" sz="half" idx="14"/>
+          </p:nvPr>
+        </p:nvSpPr>
+        <p:spPr>
+          <a:xfrm>
+            <a:off x="1930400" y="3771174"/>
+            <a:ext cx="7279649" cy="342174"/>
+          </a:xfrm>
+        </p:spPr>
+        <p:txBody>
+          <a:bodyPr vert="horz" lIns="91440" tIns="45720" rIns="91440" bIns="45720" rtlCol="0" anchor="t">
+            <a:normAutofit/>
+          </a:bodyPr>
+          <a:lstStyle>
+            <a:lvl1pPr marL="0" indent="0">
+              <a:buNone/>
+              <a:defRPr lang="en-US" sz="1400" b="0" i="0" kern="1200" cap="small" dirty="0">
+                <a:solidFill>
+                  <a:schemeClr val="bg2">
+                    <a:lumMod val="40000"/>
+                    <a:lumOff val="60000"/>
+                  </a:schemeClr>
+                </a:solidFill>
+                <a:latin typeface="+mj-lt"/>
+                <a:ea typeface="+mj-ea"/>
+                <a:cs typeface="+mj-cs"/>
+              </a:defRPr>
+            </a:lvl1pPr>
+            <a:lvl2pPr marL="457200" indent="0">
+              <a:buNone/>
+              <a:defRPr sz="1200"/>
+            </a:lvl2pPr>
+            <a:lvl3pPr marL="914400" indent="0">
+              <a:buNone/>
+              <a:defRPr sz="1000"/>
+            </a:lvl3pPr>
+            <a:lvl4pPr marL="1371600" indent="0">
+              <a:buNone/>
+              <a:defRPr sz="900"/>
+            </a:lvl4pPr>
+            <a:lvl5pPr marL="1828800" indent="0">
+              <a:buNone/>
+              <a:defRPr sz="900"/>
+            </a:lvl5pPr>
+            <a:lvl6pPr marL="2286000" indent="0">
+              <a:buNone/>
+              <a:defRPr sz="900"/>
+            </a:lvl6pPr>
+            <a:lvl7pPr marL="2743200" indent="0">
+              <a:buNone/>
+              <a:defRPr sz="900"/>
+            </a:lvl7pPr>
+            <a:lvl8pPr marL="3200400" indent="0">
+              <a:buNone/>
+              <a:defRPr sz="900"/>
+            </a:lvl8pPr>
+            <a:lvl9pPr marL="3657600" indent="0">
+              <a:buNone/>
+              <a:defRPr sz="900"/>
+            </a:lvl9pPr>
+          </a:lstStyle>
+          <a:p>
+            <a:pPr marL="0" lvl="0" indent="0">
+              <a:buNone/>
+            </a:pPr>
+            <a:r>
+              <a:rPr lang="en-US"/>
+              <a:t>Click to edit Master text styles</a:t>
+            </a:r>
+          </a:p>
+        </p:txBody>
+      </p:sp>
+      <p:sp>
+        <p:nvSpPr>
+          <p:cNvPr id="10" name="Text Placeholder 3"/>
+          <p:cNvSpPr>
+            <a:spLocks noGrp="1"/>
+          </p:cNvSpPr>
+          <p:nvPr>
+            <p:ph type="body" sz="half" idx="2"/>
+          </p:nvPr>
+        </p:nvSpPr>
+        <p:spPr>
+          <a:xfrm>
+            <a:off x="1154954" y="4350657"/>
+            <a:ext cx="8825659" cy="1676400"/>
           </a:xfrm>
         </p:spPr>
         <p:txBody>
@@ -1102,187 +991,41 @@
             <a:normAutofit/>
           </a:bodyPr>
           <a:lstStyle>
-            <a:lvl1pPr algn="l">
-              <a:defRPr sz="3200" b="0" cap="all">
-                <a:solidFill>
-                  <a:schemeClr val="tx1"/>
-                </a:solidFill>
-              </a:defRPr>
-            </a:lvl1pPr>
-          </a:lstStyle>
-          <a:p>
-            <a:r>
-              <a:rPr lang="en-US"/>
-              <a:t>Click to edit Master title style</a:t>
-            </a:r>
-            <a:endParaRPr lang="en-US" dirty="0"/>
-          </a:p>
-        </p:txBody>
-      </p:sp>
-      <p:sp>
-        <p:nvSpPr>
-          <p:cNvPr id="10" name="Text Placeholder 9"/>
-          <p:cNvSpPr>
-            <a:spLocks noGrp="1"/>
-          </p:cNvSpPr>
-          <p:nvPr>
-            <p:ph type="body" sz="quarter" idx="13"/>
-          </p:nvPr>
-        </p:nvSpPr>
-        <p:spPr>
-          <a:xfrm>
-            <a:off x="1446212" y="3429000"/>
-            <a:ext cx="8534400" cy="381000"/>
-          </a:xfrm>
-        </p:spPr>
-        <p:txBody>
-          <a:bodyPr anchor="ctr"/>
-          <a:lstStyle>
             <a:lvl1pPr marL="0" indent="0">
-              <a:buFontTx/>
-              <a:buNone/>
-              <a:defRPr/>
+              <a:buNone/>
+              <a:defRPr sz="1800"/>
             </a:lvl1pPr>
             <a:lvl2pPr marL="457200" indent="0">
-              <a:buFontTx/>
-              <a:buNone/>
-              <a:defRPr/>
+              <a:buNone/>
+              <a:defRPr sz="1200"/>
             </a:lvl2pPr>
             <a:lvl3pPr marL="914400" indent="0">
-              <a:buFontTx/>
-              <a:buNone/>
-              <a:defRPr/>
+              <a:buNone/>
+              <a:defRPr sz="1000"/>
             </a:lvl3pPr>
             <a:lvl4pPr marL="1371600" indent="0">
-              <a:buFontTx/>
-              <a:buNone/>
-              <a:defRPr/>
+              <a:buNone/>
+              <a:defRPr sz="900"/>
             </a:lvl4pPr>
             <a:lvl5pPr marL="1828800" indent="0">
-              <a:buFontTx/>
-              <a:buNone/>
-              <a:defRPr/>
-            </a:lvl5pPr>
-          </a:lstStyle>
-          <a:p>
-            <a:pPr lvl="0"/>
-            <a:r>
-              <a:rPr lang="en-US"/>
-              <a:t>Click to edit Master text styles</a:t>
-            </a:r>
-          </a:p>
-        </p:txBody>
-      </p:sp>
-      <p:sp>
-        <p:nvSpPr>
-          <p:cNvPr id="3" name="Text Placeholder 2"/>
-          <p:cNvSpPr>
-            <a:spLocks noGrp="1"/>
-          </p:cNvSpPr>
-          <p:nvPr>
-            <p:ph type="body" idx="1"/>
-          </p:nvPr>
-        </p:nvSpPr>
-        <p:spPr>
-          <a:xfrm>
-            <a:off x="684213" y="4301067"/>
-            <a:ext cx="8534400" cy="1684865"/>
-          </a:xfrm>
-        </p:spPr>
-        <p:txBody>
-          <a:bodyPr anchor="ctr">
-            <a:normAutofit/>
-          </a:bodyPr>
-          <a:lstStyle>
-            <a:lvl1pPr marL="0" indent="0" algn="l">
-              <a:buNone/>
-              <a:defRPr sz="2000">
-                <a:solidFill>
-                  <a:schemeClr val="bg2">
-                    <a:lumMod val="75000"/>
-                  </a:schemeClr>
-                </a:solidFill>
-              </a:defRPr>
-            </a:lvl1pPr>
-            <a:lvl2pPr marL="457200" indent="0">
-              <a:buNone/>
-              <a:defRPr sz="1800">
-                <a:solidFill>
-                  <a:schemeClr val="tx1">
-                    <a:tint val="75000"/>
-                  </a:schemeClr>
-                </a:solidFill>
-              </a:defRPr>
-            </a:lvl2pPr>
-            <a:lvl3pPr marL="914400" indent="0">
-              <a:buNone/>
-              <a:defRPr sz="1600">
-                <a:solidFill>
-                  <a:schemeClr val="tx1">
-                    <a:tint val="75000"/>
-                  </a:schemeClr>
-                </a:solidFill>
-              </a:defRPr>
-            </a:lvl3pPr>
-            <a:lvl4pPr marL="1371600" indent="0">
-              <a:buNone/>
-              <a:defRPr sz="1400">
-                <a:solidFill>
-                  <a:schemeClr val="tx1">
-                    <a:tint val="75000"/>
-                  </a:schemeClr>
-                </a:solidFill>
-              </a:defRPr>
-            </a:lvl4pPr>
-            <a:lvl5pPr marL="1828800" indent="0">
-              <a:buNone/>
-              <a:defRPr sz="1400">
-                <a:solidFill>
-                  <a:schemeClr val="tx1">
-                    <a:tint val="75000"/>
-                  </a:schemeClr>
-                </a:solidFill>
-              </a:defRPr>
+              <a:buNone/>
+              <a:defRPr sz="900"/>
             </a:lvl5pPr>
             <a:lvl6pPr marL="2286000" indent="0">
               <a:buNone/>
-              <a:defRPr sz="1400">
-                <a:solidFill>
-                  <a:schemeClr val="tx1">
-                    <a:tint val="75000"/>
-                  </a:schemeClr>
-                </a:solidFill>
-              </a:defRPr>
+              <a:defRPr sz="900"/>
             </a:lvl6pPr>
             <a:lvl7pPr marL="2743200" indent="0">
               <a:buNone/>
-              <a:defRPr sz="1400">
-                <a:solidFill>
-                  <a:schemeClr val="tx1">
-                    <a:tint val="75000"/>
-                  </a:schemeClr>
-                </a:solidFill>
-              </a:defRPr>
+              <a:defRPr sz="900"/>
             </a:lvl7pPr>
             <a:lvl8pPr marL="3200400" indent="0">
               <a:buNone/>
-              <a:defRPr sz="1400">
-                <a:solidFill>
-                  <a:schemeClr val="tx1">
-                    <a:tint val="75000"/>
-                  </a:schemeClr>
-                </a:solidFill>
-              </a:defRPr>
+              <a:defRPr sz="900"/>
             </a:lvl8pPr>
             <a:lvl9pPr marL="3657600" indent="0">
               <a:buNone/>
-              <a:defRPr sz="1400">
-                <a:solidFill>
-                  <a:schemeClr val="tx1">
-                    <a:tint val="75000"/>
-                  </a:schemeClr>
-                </a:solidFill>
-              </a:defRPr>
+              <a:defRPr sz="900"/>
             </a:lvl9pPr>
           </a:lstStyle>
           <a:p>
@@ -1311,7 +1054,7 @@
           <a:p>
             <a:fld id="{C6AC5E10-40A1-4D7D-A972-6C0C62CD8A70}" type="datetimeFigureOut">
               <a:rPr lang="en-US" smtClean="0"/>
-              <a:t>7/17/2024</a:t>
+              <a:t>7/18/2024</a:t>
             </a:fld>
             <a:endParaRPr lang="en-US"/>
           </a:p>
@@ -1361,33 +1104,46 @@
       </p:sp>
       <p:sp>
         <p:nvSpPr>
-          <p:cNvPr id="14" name="TextBox 13"/>
+          <p:cNvPr id="12" name="TextBox 11"/>
           <p:cNvSpPr txBox="1"/>
           <p:nvPr/>
         </p:nvSpPr>
         <p:spPr>
           <a:xfrm>
-            <a:off x="531812" y="812222"/>
-            <a:ext cx="609600" cy="584776"/>
+            <a:off x="898295" y="971253"/>
+            <a:ext cx="801912" cy="1969770"/>
           </a:xfrm>
           <a:prstGeom prst="rect">
             <a:avLst/>
           </a:prstGeom>
+          <a:noFill/>
         </p:spPr>
         <p:txBody>
-          <a:bodyPr vert="horz" lIns="91440" tIns="45720" rIns="91440" bIns="45720" rtlCol="0" anchor="ctr">
-            <a:noAutofit/>
+          <a:bodyPr wrap="square" rtlCol="0">
+            <a:spAutoFit/>
           </a:bodyPr>
-          <a:lstStyle/>
+          <a:lstStyle>
+            <a:defPPr>
+              <a:defRPr lang="en-US"/>
+            </a:defPPr>
+            <a:lvl1pPr algn="r">
+              <a:defRPr sz="12200" b="0" i="0">
+                <a:solidFill>
+                  <a:schemeClr val="bg2">
+                    <a:lumMod val="40000"/>
+                    <a:lumOff val="60000"/>
+                  </a:schemeClr>
+                </a:solidFill>
+                <a:latin typeface="Arial"/>
+                <a:ea typeface="+mj-ea"/>
+                <a:cs typeface="+mj-cs"/>
+              </a:defRPr>
+            </a:lvl1pPr>
+          </a:lstStyle>
           <a:p>
             <a:pPr lvl="0"/>
             <a:r>
-              <a:rPr lang="en-US" sz="8000" dirty="0">
-                <a:solidFill>
-                  <a:schemeClr val="tx1"/>
-                </a:solidFill>
-                <a:effectLst/>
-              </a:rPr>
+              <a:rPr lang="en-US" dirty="0"/>
               <a:t>“</a:t>
             </a:r>
           </a:p>
@@ -1401,27 +1157,40 @@
         </p:nvSpPr>
         <p:spPr>
           <a:xfrm>
-            <a:off x="10285412" y="2768601"/>
-            <a:ext cx="609600" cy="584776"/>
+            <a:off x="9330490" y="2613787"/>
+            <a:ext cx="801912" cy="1969770"/>
           </a:xfrm>
           <a:prstGeom prst="rect">
             <a:avLst/>
           </a:prstGeom>
+          <a:noFill/>
         </p:spPr>
         <p:txBody>
-          <a:bodyPr vert="horz" lIns="91440" tIns="45720" rIns="91440" bIns="45720" rtlCol="0" anchor="ctr">
-            <a:noAutofit/>
+          <a:bodyPr wrap="square" rtlCol="0">
+            <a:spAutoFit/>
           </a:bodyPr>
-          <a:lstStyle/>
-          <a:p>
-            <a:pPr lvl="0" algn="r"/>
-            <a:r>
-              <a:rPr lang="en-US" sz="8000" dirty="0">
+          <a:lstStyle>
+            <a:defPPr>
+              <a:defRPr lang="en-US"/>
+            </a:defPPr>
+            <a:lvl1pPr algn="r">
+              <a:defRPr sz="12200" b="0" i="0">
                 <a:solidFill>
-                  <a:schemeClr val="tx1"/>
+                  <a:schemeClr val="bg2">
+                    <a:lumMod val="40000"/>
+                    <a:lumOff val="60000"/>
+                  </a:schemeClr>
                 </a:solidFill>
-                <a:effectLst/>
-              </a:rPr>
+                <a:latin typeface="Arial"/>
+                <a:ea typeface="+mj-ea"/>
+                <a:cs typeface="+mj-cs"/>
+              </a:defRPr>
+            </a:lvl1pPr>
+          </a:lstStyle>
+          <a:p>
+            <a:pPr lvl="0"/>
+            <a:r>
+              <a:rPr lang="en-US" dirty="0"/>
               <a:t>”</a:t>
             </a:r>
           </a:p>
@@ -1430,7 +1199,7 @@
     </p:spTree>
     <p:extLst>
       <p:ext uri="{BB962C8B-B14F-4D97-AF65-F5344CB8AC3E}">
-        <p14:creationId xmlns:p14="http://schemas.microsoft.com/office/powerpoint/2010/main" val="318581211"/>
+        <p14:creationId xmlns:p14="http://schemas.microsoft.com/office/powerpoint/2010/main" val="3236973476"/>
       </p:ext>
     </p:extLst>
   </p:cSld>
@@ -1469,17 +1238,15 @@
         </p:nvSpPr>
         <p:spPr>
           <a:xfrm>
-            <a:off x="684212" y="3429000"/>
-            <a:ext cx="8534400" cy="1697400"/>
+            <a:off x="1154954" y="3124201"/>
+            <a:ext cx="8825660" cy="1653180"/>
           </a:xfrm>
         </p:spPr>
         <p:txBody>
-          <a:bodyPr anchor="b">
-            <a:normAutofit/>
-          </a:bodyPr>
+          <a:bodyPr anchor="b"/>
           <a:lstStyle>
             <a:lvl1pPr algn="l">
-              <a:defRPr sz="3200" b="0" cap="all"/>
+              <a:defRPr sz="4000" b="0" cap="none"/>
             </a:lvl1pPr>
           </a:lstStyle>
           <a:p>
@@ -1503,21 +1270,20 @@
         </p:nvSpPr>
         <p:spPr>
           <a:xfrm>
-            <a:off x="684211" y="5132981"/>
-            <a:ext cx="8535990" cy="860400"/>
+            <a:off x="1154954" y="4777381"/>
+            <a:ext cx="8825659" cy="860400"/>
           </a:xfrm>
         </p:spPr>
         <p:txBody>
-          <a:bodyPr anchor="t">
-            <a:normAutofit/>
-          </a:bodyPr>
+          <a:bodyPr anchor="t"/>
           <a:lstStyle>
             <a:lvl1pPr marL="0" indent="0" algn="l">
               <a:buNone/>
-              <a:defRPr sz="2000">
+              <a:defRPr sz="2000" cap="none">
                 <a:solidFill>
                   <a:schemeClr val="bg2">
-                    <a:lumMod val="75000"/>
+                    <a:lumMod val="40000"/>
+                    <a:lumOff val="60000"/>
                   </a:schemeClr>
                 </a:solidFill>
               </a:defRPr>
@@ -1629,7 +1395,7 @@
           <a:p>
             <a:fld id="{C6AC5E10-40A1-4D7D-A972-6C0C62CD8A70}" type="datetimeFigureOut">
               <a:rPr lang="en-US" smtClean="0"/>
-              <a:t>7/17/2024</a:t>
+              <a:t>7/18/2024</a:t>
             </a:fld>
             <a:endParaRPr lang="en-US"/>
           </a:p>
@@ -1680,7 +1446,7 @@
     </p:spTree>
     <p:extLst>
       <p:ext uri="{BB962C8B-B14F-4D97-AF65-F5344CB8AC3E}">
-        <p14:creationId xmlns:p14="http://schemas.microsoft.com/office/powerpoint/2010/main" val="1882864385"/>
+        <p14:creationId xmlns:p14="http://schemas.microsoft.com/office/powerpoint/2010/main" val="49903361"/>
       </p:ext>
     </p:extLst>
   </p:cSld>
@@ -1692,7 +1458,7 @@
 
 <file path=ppt/slideLayouts/slideLayout14.xml><?xml version="1.0" encoding="utf-8"?>
 <p:sldLayout xmlns:a="http://schemas.openxmlformats.org/drawingml/2006/main" xmlns:r="http://schemas.openxmlformats.org/officeDocument/2006/relationships" xmlns:p="http://schemas.openxmlformats.org/presentationml/2006/main" preserve="1">
-  <p:cSld name="Quote Name Card">
+  <p:cSld name="3 Column">
     <p:spTree>
       <p:nvGrpSpPr>
         <p:cNvPr id="1" name=""/>
@@ -1717,192 +1483,368 @@
             <p:ph type="title"/>
           </p:nvPr>
         </p:nvSpPr>
+        <p:spPr/>
+        <p:txBody>
+          <a:bodyPr/>
+          <a:lstStyle>
+            <a:lvl1pPr>
+              <a:defRPr sz="4200"/>
+            </a:lvl1pPr>
+          </a:lstStyle>
+          <a:p>
+            <a:r>
+              <a:rPr lang="en-US"/>
+              <a:t>Click to edit Master title style</a:t>
+            </a:r>
+            <a:endParaRPr lang="en-US" dirty="0"/>
+          </a:p>
+        </p:txBody>
+      </p:sp>
+      <p:sp>
+        <p:nvSpPr>
+          <p:cNvPr id="3" name="Text Placeholder 2"/>
+          <p:cNvSpPr>
+            <a:spLocks noGrp="1"/>
+          </p:cNvSpPr>
+          <p:nvPr>
+            <p:ph type="body" idx="1"/>
+          </p:nvPr>
+        </p:nvSpPr>
         <p:spPr>
           <a:xfrm>
-            <a:off x="1141413" y="685800"/>
-            <a:ext cx="9144000" cy="2743200"/>
+            <a:off x="632947" y="1981200"/>
+            <a:ext cx="2946866" cy="576262"/>
           </a:xfrm>
         </p:spPr>
         <p:txBody>
-          <a:bodyPr anchor="ctr">
-            <a:normAutofit/>
+          <a:bodyPr anchor="b">
+            <a:noAutofit/>
           </a:bodyPr>
           <a:lstStyle>
-            <a:lvl1pPr algn="l">
-              <a:defRPr sz="3200" b="0" cap="all">
-                <a:solidFill>
-                  <a:schemeClr val="tx1"/>
-                </a:solidFill>
-              </a:defRPr>
-            </a:lvl1pPr>
-          </a:lstStyle>
-          <a:p>
-            <a:r>
-              <a:rPr lang="en-US"/>
-              <a:t>Click to edit Master title style</a:t>
-            </a:r>
-            <a:endParaRPr lang="en-US" dirty="0"/>
-          </a:p>
-        </p:txBody>
-      </p:sp>
-      <p:sp>
-        <p:nvSpPr>
-          <p:cNvPr id="10" name="Text Placeholder 9"/>
-          <p:cNvSpPr>
-            <a:spLocks noGrp="1"/>
-          </p:cNvSpPr>
-          <p:nvPr>
-            <p:ph type="body" sz="quarter" idx="13"/>
-          </p:nvPr>
-        </p:nvSpPr>
-        <p:spPr>
-          <a:xfrm>
-            <a:off x="684212" y="3928534"/>
-            <a:ext cx="8534401" cy="1049866"/>
-          </a:xfrm>
-        </p:spPr>
-        <p:txBody>
-          <a:bodyPr vert="horz" lIns="91440" tIns="45720" rIns="91440" bIns="45720" rtlCol="0" anchor="b">
-            <a:normAutofit/>
-          </a:bodyPr>
-          <a:lstStyle>
-            <a:lvl1pPr>
-              <a:buNone/>
-              <a:defRPr lang="en-US" sz="2400" b="0" cap="all" dirty="0">
-                <a:ln w="3175" cmpd="sng">
-                  <a:noFill/>
-                </a:ln>
-                <a:solidFill>
-                  <a:schemeClr val="tx1"/>
-                </a:solidFill>
-                <a:effectLst/>
-              </a:defRPr>
-            </a:lvl1pPr>
-          </a:lstStyle>
-          <a:p>
-            <a:pPr marL="0" lvl="0">
-              <a:spcBef>
-                <a:spcPct val="0"/>
-              </a:spcBef>
-              <a:buNone/>
-            </a:pPr>
-            <a:r>
-              <a:rPr lang="en-US"/>
-              <a:t>Click to edit Master text styles</a:t>
-            </a:r>
-          </a:p>
-        </p:txBody>
-      </p:sp>
-      <p:sp>
-        <p:nvSpPr>
-          <p:cNvPr id="3" name="Text Placeholder 2"/>
-          <p:cNvSpPr>
-            <a:spLocks noGrp="1"/>
-          </p:cNvSpPr>
-          <p:nvPr>
-            <p:ph type="body" idx="1"/>
-          </p:nvPr>
-        </p:nvSpPr>
-        <p:spPr>
-          <a:xfrm>
-            <a:off x="684211" y="4978400"/>
-            <a:ext cx="8534401" cy="1016000"/>
-          </a:xfrm>
-        </p:spPr>
-        <p:txBody>
-          <a:bodyPr anchor="t">
-            <a:normAutofit/>
-          </a:bodyPr>
-          <a:lstStyle>
-            <a:lvl1pPr marL="0" indent="0" algn="l">
-              <a:buNone/>
-              <a:defRPr sz="1800">
+            <a:lvl1pPr marL="0" indent="0">
+              <a:buNone/>
+              <a:defRPr sz="2400" b="0">
                 <a:solidFill>
                   <a:schemeClr val="bg2">
-                    <a:lumMod val="75000"/>
+                    <a:lumMod val="40000"/>
+                    <a:lumOff val="60000"/>
                   </a:schemeClr>
                 </a:solidFill>
               </a:defRPr>
             </a:lvl1pPr>
             <a:lvl2pPr marL="457200" indent="0">
               <a:buNone/>
-              <a:defRPr sz="1800">
+              <a:defRPr sz="2000" b="1"/>
+            </a:lvl2pPr>
+            <a:lvl3pPr marL="914400" indent="0">
+              <a:buNone/>
+              <a:defRPr sz="1800" b="1"/>
+            </a:lvl3pPr>
+            <a:lvl4pPr marL="1371600" indent="0">
+              <a:buNone/>
+              <a:defRPr sz="1600" b="1"/>
+            </a:lvl4pPr>
+            <a:lvl5pPr marL="1828800" indent="0">
+              <a:buNone/>
+              <a:defRPr sz="1600" b="1"/>
+            </a:lvl5pPr>
+            <a:lvl6pPr marL="2286000" indent="0">
+              <a:buNone/>
+              <a:defRPr sz="1600" b="1"/>
+            </a:lvl6pPr>
+            <a:lvl7pPr marL="2743200" indent="0">
+              <a:buNone/>
+              <a:defRPr sz="1600" b="1"/>
+            </a:lvl7pPr>
+            <a:lvl8pPr marL="3200400" indent="0">
+              <a:buNone/>
+              <a:defRPr sz="1600" b="1"/>
+            </a:lvl8pPr>
+            <a:lvl9pPr marL="3657600" indent="0">
+              <a:buNone/>
+              <a:defRPr sz="1600" b="1"/>
+            </a:lvl9pPr>
+          </a:lstStyle>
+          <a:p>
+            <a:pPr lvl="0"/>
+            <a:r>
+              <a:rPr lang="en-US"/>
+              <a:t>Click to edit Master text styles</a:t>
+            </a:r>
+          </a:p>
+        </p:txBody>
+      </p:sp>
+      <p:sp>
+        <p:nvSpPr>
+          <p:cNvPr id="16" name="Text Placeholder 3"/>
+          <p:cNvSpPr>
+            <a:spLocks noGrp="1"/>
+          </p:cNvSpPr>
+          <p:nvPr>
+            <p:ph type="body" sz="half" idx="15"/>
+          </p:nvPr>
+        </p:nvSpPr>
+        <p:spPr>
+          <a:xfrm>
+            <a:off x="652463" y="2667000"/>
+            <a:ext cx="2927350" cy="3589338"/>
+          </a:xfrm>
+        </p:spPr>
+        <p:txBody>
+          <a:bodyPr anchor="t">
+            <a:normAutofit/>
+          </a:bodyPr>
+          <a:lstStyle>
+            <a:lvl1pPr marL="0" indent="0">
+              <a:buNone/>
+              <a:defRPr sz="1400"/>
+            </a:lvl1pPr>
+            <a:lvl2pPr marL="457200" indent="0">
+              <a:buNone/>
+              <a:defRPr sz="1200"/>
+            </a:lvl2pPr>
+            <a:lvl3pPr marL="914400" indent="0">
+              <a:buNone/>
+              <a:defRPr sz="1000"/>
+            </a:lvl3pPr>
+            <a:lvl4pPr marL="1371600" indent="0">
+              <a:buNone/>
+              <a:defRPr sz="900"/>
+            </a:lvl4pPr>
+            <a:lvl5pPr marL="1828800" indent="0">
+              <a:buNone/>
+              <a:defRPr sz="900"/>
+            </a:lvl5pPr>
+            <a:lvl6pPr marL="2286000" indent="0">
+              <a:buNone/>
+              <a:defRPr sz="900"/>
+            </a:lvl6pPr>
+            <a:lvl7pPr marL="2743200" indent="0">
+              <a:buNone/>
+              <a:defRPr sz="900"/>
+            </a:lvl7pPr>
+            <a:lvl8pPr marL="3200400" indent="0">
+              <a:buNone/>
+              <a:defRPr sz="900"/>
+            </a:lvl8pPr>
+            <a:lvl9pPr marL="3657600" indent="0">
+              <a:buNone/>
+              <a:defRPr sz="900"/>
+            </a:lvl9pPr>
+          </a:lstStyle>
+          <a:p>
+            <a:pPr lvl="0"/>
+            <a:r>
+              <a:rPr lang="en-US"/>
+              <a:t>Click to edit Master text styles</a:t>
+            </a:r>
+          </a:p>
+        </p:txBody>
+      </p:sp>
+      <p:sp>
+        <p:nvSpPr>
+          <p:cNvPr id="5" name="Text Placeholder 4"/>
+          <p:cNvSpPr>
+            <a:spLocks noGrp="1"/>
+          </p:cNvSpPr>
+          <p:nvPr>
+            <p:ph type="body" sz="quarter" idx="3"/>
+          </p:nvPr>
+        </p:nvSpPr>
+        <p:spPr>
+          <a:xfrm>
+            <a:off x="3883659" y="1981200"/>
+            <a:ext cx="2936241" cy="576262"/>
+          </a:xfrm>
+        </p:spPr>
+        <p:txBody>
+          <a:bodyPr anchor="b">
+            <a:noAutofit/>
+          </a:bodyPr>
+          <a:lstStyle>
+            <a:lvl1pPr marL="0" indent="0">
+              <a:buNone/>
+              <a:defRPr sz="2400" b="0">
                 <a:solidFill>
-                  <a:schemeClr val="tx1">
-                    <a:tint val="75000"/>
+                  <a:schemeClr val="bg2">
+                    <a:lumMod val="40000"/>
+                    <a:lumOff val="60000"/>
                   </a:schemeClr>
                 </a:solidFill>
               </a:defRPr>
+            </a:lvl1pPr>
+            <a:lvl2pPr marL="457200" indent="0">
+              <a:buNone/>
+              <a:defRPr sz="2000" b="1"/>
             </a:lvl2pPr>
             <a:lvl3pPr marL="914400" indent="0">
               <a:buNone/>
-              <a:defRPr sz="1600">
+              <a:defRPr sz="1800" b="1"/>
+            </a:lvl3pPr>
+            <a:lvl4pPr marL="1371600" indent="0">
+              <a:buNone/>
+              <a:defRPr sz="1600" b="1"/>
+            </a:lvl4pPr>
+            <a:lvl5pPr marL="1828800" indent="0">
+              <a:buNone/>
+              <a:defRPr sz="1600" b="1"/>
+            </a:lvl5pPr>
+            <a:lvl6pPr marL="2286000" indent="0">
+              <a:buNone/>
+              <a:defRPr sz="1600" b="1"/>
+            </a:lvl6pPr>
+            <a:lvl7pPr marL="2743200" indent="0">
+              <a:buNone/>
+              <a:defRPr sz="1600" b="1"/>
+            </a:lvl7pPr>
+            <a:lvl8pPr marL="3200400" indent="0">
+              <a:buNone/>
+              <a:defRPr sz="1600" b="1"/>
+            </a:lvl8pPr>
+            <a:lvl9pPr marL="3657600" indent="0">
+              <a:buNone/>
+              <a:defRPr sz="1600" b="1"/>
+            </a:lvl9pPr>
+          </a:lstStyle>
+          <a:p>
+            <a:pPr lvl="0"/>
+            <a:r>
+              <a:rPr lang="en-US"/>
+              <a:t>Click to edit Master text styles</a:t>
+            </a:r>
+          </a:p>
+        </p:txBody>
+      </p:sp>
+      <p:sp>
+        <p:nvSpPr>
+          <p:cNvPr id="19" name="Text Placeholder 3"/>
+          <p:cNvSpPr>
+            <a:spLocks noGrp="1"/>
+          </p:cNvSpPr>
+          <p:nvPr>
+            <p:ph type="body" sz="half" idx="16"/>
+          </p:nvPr>
+        </p:nvSpPr>
+        <p:spPr>
+          <a:xfrm>
+            <a:off x="3873106" y="2667000"/>
+            <a:ext cx="2946794" cy="3589338"/>
+          </a:xfrm>
+        </p:spPr>
+        <p:txBody>
+          <a:bodyPr anchor="t">
+            <a:normAutofit/>
+          </a:bodyPr>
+          <a:lstStyle>
+            <a:lvl1pPr marL="0" indent="0">
+              <a:buNone/>
+              <a:defRPr sz="1400"/>
+            </a:lvl1pPr>
+            <a:lvl2pPr marL="457200" indent="0">
+              <a:buNone/>
+              <a:defRPr sz="1200"/>
+            </a:lvl2pPr>
+            <a:lvl3pPr marL="914400" indent="0">
+              <a:buNone/>
+              <a:defRPr sz="1000"/>
+            </a:lvl3pPr>
+            <a:lvl4pPr marL="1371600" indent="0">
+              <a:buNone/>
+              <a:defRPr sz="900"/>
+            </a:lvl4pPr>
+            <a:lvl5pPr marL="1828800" indent="0">
+              <a:buNone/>
+              <a:defRPr sz="900"/>
+            </a:lvl5pPr>
+            <a:lvl6pPr marL="2286000" indent="0">
+              <a:buNone/>
+              <a:defRPr sz="900"/>
+            </a:lvl6pPr>
+            <a:lvl7pPr marL="2743200" indent="0">
+              <a:buNone/>
+              <a:defRPr sz="900"/>
+            </a:lvl7pPr>
+            <a:lvl8pPr marL="3200400" indent="0">
+              <a:buNone/>
+              <a:defRPr sz="900"/>
+            </a:lvl8pPr>
+            <a:lvl9pPr marL="3657600" indent="0">
+              <a:buNone/>
+              <a:defRPr sz="900"/>
+            </a:lvl9pPr>
+          </a:lstStyle>
+          <a:p>
+            <a:pPr lvl="0"/>
+            <a:r>
+              <a:rPr lang="en-US"/>
+              <a:t>Click to edit Master text styles</a:t>
+            </a:r>
+          </a:p>
+        </p:txBody>
+      </p:sp>
+      <p:sp>
+        <p:nvSpPr>
+          <p:cNvPr id="14" name="Text Placeholder 4"/>
+          <p:cNvSpPr>
+            <a:spLocks noGrp="1"/>
+          </p:cNvSpPr>
+          <p:nvPr>
+            <p:ph type="body" sz="quarter" idx="13"/>
+          </p:nvPr>
+        </p:nvSpPr>
+        <p:spPr>
+          <a:xfrm>
+            <a:off x="7124700" y="1981200"/>
+            <a:ext cx="2932113" cy="576262"/>
+          </a:xfrm>
+        </p:spPr>
+        <p:txBody>
+          <a:bodyPr anchor="b">
+            <a:noAutofit/>
+          </a:bodyPr>
+          <a:lstStyle>
+            <a:lvl1pPr marL="0" indent="0">
+              <a:buNone/>
+              <a:defRPr sz="2400" b="0">
                 <a:solidFill>
-                  <a:schemeClr val="tx1">
-                    <a:tint val="75000"/>
+                  <a:schemeClr val="bg2">
+                    <a:lumMod val="40000"/>
+                    <a:lumOff val="60000"/>
                   </a:schemeClr>
                 </a:solidFill>
               </a:defRPr>
+            </a:lvl1pPr>
+            <a:lvl2pPr marL="457200" indent="0">
+              <a:buNone/>
+              <a:defRPr sz="2000" b="1"/>
+            </a:lvl2pPr>
+            <a:lvl3pPr marL="914400" indent="0">
+              <a:buNone/>
+              <a:defRPr sz="1800" b="1"/>
             </a:lvl3pPr>
             <a:lvl4pPr marL="1371600" indent="0">
               <a:buNone/>
-              <a:defRPr sz="1400">
-                <a:solidFill>
-                  <a:schemeClr val="tx1">
-                    <a:tint val="75000"/>
-                  </a:schemeClr>
-                </a:solidFill>
-              </a:defRPr>
+              <a:defRPr sz="1600" b="1"/>
             </a:lvl4pPr>
             <a:lvl5pPr marL="1828800" indent="0">
               <a:buNone/>
-              <a:defRPr sz="1400">
-                <a:solidFill>
-                  <a:schemeClr val="tx1">
-                    <a:tint val="75000"/>
-                  </a:schemeClr>
-                </a:solidFill>
-              </a:defRPr>
+              <a:defRPr sz="1600" b="1"/>
             </a:lvl5pPr>
             <a:lvl6pPr marL="2286000" indent="0">
               <a:buNone/>
-              <a:defRPr sz="1400">
-                <a:solidFill>
-                  <a:schemeClr val="tx1">
-                    <a:tint val="75000"/>
-                  </a:schemeClr>
-                </a:solidFill>
-              </a:defRPr>
+              <a:defRPr sz="1600" b="1"/>
             </a:lvl6pPr>
             <a:lvl7pPr marL="2743200" indent="0">
               <a:buNone/>
-              <a:defRPr sz="1400">
-                <a:solidFill>
-                  <a:schemeClr val="tx1">
-                    <a:tint val="75000"/>
-                  </a:schemeClr>
-                </a:solidFill>
-              </a:defRPr>
+              <a:defRPr sz="1600" b="1"/>
             </a:lvl7pPr>
             <a:lvl8pPr marL="3200400" indent="0">
               <a:buNone/>
-              <a:defRPr sz="1400">
-                <a:solidFill>
-                  <a:schemeClr val="tx1">
-                    <a:tint val="75000"/>
-                  </a:schemeClr>
-                </a:solidFill>
-              </a:defRPr>
+              <a:defRPr sz="1600" b="1"/>
             </a:lvl8pPr>
             <a:lvl9pPr marL="3657600" indent="0">
               <a:buNone/>
-              <a:defRPr sz="1400">
-                <a:solidFill>
-                  <a:schemeClr val="tx1">
-                    <a:tint val="75000"/>
-                  </a:schemeClr>
-                </a:solidFill>
-              </a:defRPr>
+              <a:defRPr sz="1600" b="1"/>
             </a:lvl9pPr>
           </a:lstStyle>
           <a:p>
@@ -1916,7 +1858,152 @@
       </p:sp>
       <p:sp>
         <p:nvSpPr>
-          <p:cNvPr id="4" name="Date Placeholder 3"/>
+          <p:cNvPr id="20" name="Text Placeholder 3"/>
+          <p:cNvSpPr>
+            <a:spLocks noGrp="1"/>
+          </p:cNvSpPr>
+          <p:nvPr>
+            <p:ph type="body" sz="half" idx="17"/>
+          </p:nvPr>
+        </p:nvSpPr>
+        <p:spPr>
+          <a:xfrm>
+            <a:off x="7124700" y="2667000"/>
+            <a:ext cx="2932113" cy="3589338"/>
+          </a:xfrm>
+        </p:spPr>
+        <p:txBody>
+          <a:bodyPr anchor="t">
+            <a:normAutofit/>
+          </a:bodyPr>
+          <a:lstStyle>
+            <a:lvl1pPr marL="0" indent="0">
+              <a:buNone/>
+              <a:defRPr sz="1400"/>
+            </a:lvl1pPr>
+            <a:lvl2pPr marL="457200" indent="0">
+              <a:buNone/>
+              <a:defRPr sz="1200"/>
+            </a:lvl2pPr>
+            <a:lvl3pPr marL="914400" indent="0">
+              <a:buNone/>
+              <a:defRPr sz="1000"/>
+            </a:lvl3pPr>
+            <a:lvl4pPr marL="1371600" indent="0">
+              <a:buNone/>
+              <a:defRPr sz="900"/>
+            </a:lvl4pPr>
+            <a:lvl5pPr marL="1828800" indent="0">
+              <a:buNone/>
+              <a:defRPr sz="900"/>
+            </a:lvl5pPr>
+            <a:lvl6pPr marL="2286000" indent="0">
+              <a:buNone/>
+              <a:defRPr sz="900"/>
+            </a:lvl6pPr>
+            <a:lvl7pPr marL="2743200" indent="0">
+              <a:buNone/>
+              <a:defRPr sz="900"/>
+            </a:lvl7pPr>
+            <a:lvl8pPr marL="3200400" indent="0">
+              <a:buNone/>
+              <a:defRPr sz="900"/>
+            </a:lvl8pPr>
+            <a:lvl9pPr marL="3657600" indent="0">
+              <a:buNone/>
+              <a:defRPr sz="900"/>
+            </a:lvl9pPr>
+          </a:lstStyle>
+          <a:p>
+            <a:pPr lvl="0"/>
+            <a:r>
+              <a:rPr lang="en-US"/>
+              <a:t>Click to edit Master text styles</a:t>
+            </a:r>
+          </a:p>
+        </p:txBody>
+      </p:sp>
+      <p:cxnSp>
+        <p:nvCxnSpPr>
+          <p:cNvPr id="17" name="Straight Connector 16"/>
+          <p:cNvCxnSpPr/>
+          <p:nvPr/>
+        </p:nvCxnSpPr>
+        <p:spPr>
+          <a:xfrm>
+            <a:off x="3726142" y="2133600"/>
+            <a:ext cx="0" cy="3962400"/>
+          </a:xfrm>
+          <a:prstGeom prst="line">
+            <a:avLst/>
+          </a:prstGeom>
+          <a:ln w="12700" cmpd="sng">
+            <a:solidFill>
+              <a:schemeClr val="bg2">
+                <a:lumMod val="40000"/>
+                <a:lumOff val="60000"/>
+                <a:alpha val="40000"/>
+              </a:schemeClr>
+            </a:solidFill>
+          </a:ln>
+        </p:spPr>
+        <p:style>
+          <a:lnRef idx="2">
+            <a:schemeClr val="accent1"/>
+          </a:lnRef>
+          <a:fillRef idx="0">
+            <a:schemeClr val="accent1"/>
+          </a:fillRef>
+          <a:effectRef idx="1">
+            <a:schemeClr val="accent1"/>
+          </a:effectRef>
+          <a:fontRef idx="minor">
+            <a:schemeClr val="tx1"/>
+          </a:fontRef>
+        </p:style>
+      </p:cxnSp>
+      <p:cxnSp>
+        <p:nvCxnSpPr>
+          <p:cNvPr id="18" name="Straight Connector 17"/>
+          <p:cNvCxnSpPr/>
+          <p:nvPr/>
+        </p:nvCxnSpPr>
+        <p:spPr>
+          <a:xfrm>
+            <a:off x="6962227" y="2133600"/>
+            <a:ext cx="0" cy="3966882"/>
+          </a:xfrm>
+          <a:prstGeom prst="line">
+            <a:avLst/>
+          </a:prstGeom>
+          <a:ln w="12700" cmpd="sng">
+            <a:solidFill>
+              <a:schemeClr val="bg2">
+                <a:lumMod val="40000"/>
+                <a:lumOff val="60000"/>
+                <a:alpha val="40000"/>
+              </a:schemeClr>
+            </a:solidFill>
+          </a:ln>
+        </p:spPr>
+        <p:style>
+          <a:lnRef idx="2">
+            <a:schemeClr val="accent1"/>
+          </a:lnRef>
+          <a:fillRef idx="0">
+            <a:schemeClr val="accent1"/>
+          </a:fillRef>
+          <a:effectRef idx="1">
+            <a:schemeClr val="accent1"/>
+          </a:effectRef>
+          <a:fontRef idx="minor">
+            <a:schemeClr val="tx1"/>
+          </a:fontRef>
+        </p:style>
+      </p:cxnSp>
+      <p:sp>
+        <p:nvSpPr>
+          <p:cNvPr id="7" name="Date Placeholder 3"/>
           <p:cNvSpPr>
             <a:spLocks noGrp="1"/>
           </p:cNvSpPr>
@@ -1931,7 +2018,7 @@
           <a:p>
             <a:fld id="{C6AC5E10-40A1-4D7D-A972-6C0C62CD8A70}" type="datetimeFigureOut">
               <a:rPr lang="en-US" smtClean="0"/>
-              <a:t>7/17/2024</a:t>
+              <a:t>7/18/2024</a:t>
             </a:fld>
             <a:endParaRPr lang="en-US"/>
           </a:p>
@@ -1939,7 +2026,7 @@
       </p:sp>
       <p:sp>
         <p:nvSpPr>
-          <p:cNvPr id="5" name="Footer Placeholder 4"/>
+          <p:cNvPr id="4" name="Footer Placeholder 4"/>
           <p:cNvSpPr>
             <a:spLocks noGrp="1"/>
           </p:cNvSpPr>
@@ -1979,78 +2066,10 @@
           </a:p>
         </p:txBody>
       </p:sp>
-      <p:sp>
-        <p:nvSpPr>
-          <p:cNvPr id="11" name="TextBox 10"/>
-          <p:cNvSpPr txBox="1"/>
-          <p:nvPr/>
-        </p:nvSpPr>
-        <p:spPr>
-          <a:xfrm>
-            <a:off x="531812" y="812222"/>
-            <a:ext cx="609600" cy="584776"/>
-          </a:xfrm>
-          <a:prstGeom prst="rect">
-            <a:avLst/>
-          </a:prstGeom>
-        </p:spPr>
-        <p:txBody>
-          <a:bodyPr vert="horz" lIns="91440" tIns="45720" rIns="91440" bIns="45720" rtlCol="0" anchor="ctr">
-            <a:noAutofit/>
-          </a:bodyPr>
-          <a:lstStyle/>
-          <a:p>
-            <a:pPr lvl="0"/>
-            <a:r>
-              <a:rPr lang="en-US" sz="8000" dirty="0">
-                <a:solidFill>
-                  <a:schemeClr val="tx1"/>
-                </a:solidFill>
-                <a:effectLst/>
-              </a:rPr>
-              <a:t>“</a:t>
-            </a:r>
-          </a:p>
-        </p:txBody>
-      </p:sp>
-      <p:sp>
-        <p:nvSpPr>
-          <p:cNvPr id="12" name="TextBox 11"/>
-          <p:cNvSpPr txBox="1"/>
-          <p:nvPr/>
-        </p:nvSpPr>
-        <p:spPr>
-          <a:xfrm>
-            <a:off x="10285412" y="2768601"/>
-            <a:ext cx="609600" cy="584776"/>
-          </a:xfrm>
-          <a:prstGeom prst="rect">
-            <a:avLst/>
-          </a:prstGeom>
-        </p:spPr>
-        <p:txBody>
-          <a:bodyPr vert="horz" lIns="91440" tIns="45720" rIns="91440" bIns="45720" rtlCol="0" anchor="ctr">
-            <a:noAutofit/>
-          </a:bodyPr>
-          <a:lstStyle/>
-          <a:p>
-            <a:pPr lvl="0" algn="r"/>
-            <a:r>
-              <a:rPr lang="en-US" sz="8000" dirty="0">
-                <a:solidFill>
-                  <a:schemeClr val="tx1"/>
-                </a:solidFill>
-                <a:effectLst/>
-              </a:rPr>
-              <a:t>”</a:t>
-            </a:r>
-          </a:p>
-        </p:txBody>
-      </p:sp>
     </p:spTree>
     <p:extLst>
       <p:ext uri="{BB962C8B-B14F-4D97-AF65-F5344CB8AC3E}">
-        <p14:creationId xmlns:p14="http://schemas.microsoft.com/office/powerpoint/2010/main" val="3476833284"/>
+        <p14:creationId xmlns:p14="http://schemas.microsoft.com/office/powerpoint/2010/main" val="3673875420"/>
       </p:ext>
     </p:extLst>
   </p:cSld>
@@ -2062,7 +2081,7 @@
 
 <file path=ppt/slideLayouts/slideLayout15.xml><?xml version="1.0" encoding="utf-8"?>
 <p:sldLayout xmlns:a="http://schemas.openxmlformats.org/drawingml/2006/main" xmlns:r="http://schemas.openxmlformats.org/officeDocument/2006/relationships" xmlns:p="http://schemas.openxmlformats.org/presentationml/2006/main" preserve="1">
-  <p:cSld name="True or False">
+  <p:cSld name="3 Picture Column">
     <p:spTree>
       <p:nvGrpSpPr>
         <p:cNvPr id="1" name=""/>
@@ -2087,189 +2106,526 @@
             <p:ph type="title"/>
           </p:nvPr>
         </p:nvSpPr>
+        <p:spPr/>
+        <p:txBody>
+          <a:bodyPr/>
+          <a:lstStyle>
+            <a:lvl1pPr>
+              <a:defRPr sz="4200"/>
+            </a:lvl1pPr>
+          </a:lstStyle>
+          <a:p>
+            <a:r>
+              <a:rPr lang="en-US"/>
+              <a:t>Click to edit Master title style</a:t>
+            </a:r>
+            <a:endParaRPr lang="en-US" dirty="0"/>
+          </a:p>
+        </p:txBody>
+      </p:sp>
+      <p:sp>
+        <p:nvSpPr>
+          <p:cNvPr id="3" name="Text Placeholder 2"/>
+          <p:cNvSpPr>
+            <a:spLocks noGrp="1"/>
+          </p:cNvSpPr>
+          <p:nvPr>
+            <p:ph type="body" idx="1"/>
+          </p:nvPr>
+        </p:nvSpPr>
         <p:spPr>
           <a:xfrm>
-            <a:off x="684213" y="685800"/>
-            <a:ext cx="10058400" cy="2743200"/>
+            <a:off x="652463" y="4250949"/>
+            <a:ext cx="2940050" cy="576262"/>
           </a:xfrm>
         </p:spPr>
         <p:txBody>
-          <a:bodyPr vert="horz" lIns="91440" tIns="45720" rIns="91440" bIns="45720" rtlCol="0" anchor="ctr">
-            <a:normAutofit/>
+          <a:bodyPr anchor="b">
+            <a:noAutofit/>
           </a:bodyPr>
           <a:lstStyle>
-            <a:lvl1pPr>
-              <a:defRPr lang="en-US" b="0" dirty="0"/>
-            </a:lvl1pPr>
-          </a:lstStyle>
-          <a:p>
-            <a:pPr marL="0" lvl="0"/>
-            <a:r>
-              <a:rPr lang="en-US"/>
-              <a:t>Click to edit Master title style</a:t>
-            </a:r>
-            <a:endParaRPr lang="en-US" dirty="0"/>
-          </a:p>
-        </p:txBody>
-      </p:sp>
-      <p:sp>
-        <p:nvSpPr>
-          <p:cNvPr id="10" name="Text Placeholder 9"/>
-          <p:cNvSpPr>
-            <a:spLocks noGrp="1"/>
-          </p:cNvSpPr>
-          <p:nvPr>
-            <p:ph type="body" sz="quarter" idx="13"/>
-          </p:nvPr>
-        </p:nvSpPr>
-        <p:spPr>
-          <a:xfrm>
-            <a:off x="684212" y="3928534"/>
-            <a:ext cx="8534400" cy="838200"/>
-          </a:xfrm>
-        </p:spPr>
-        <p:txBody>
-          <a:bodyPr vert="horz" lIns="91440" tIns="45720" rIns="91440" bIns="45720" rtlCol="0" anchor="b">
-            <a:normAutofit/>
-          </a:bodyPr>
-          <a:lstStyle>
-            <a:lvl1pPr>
-              <a:buNone/>
-              <a:defRPr lang="en-US" sz="2400" b="0" cap="all" dirty="0">
-                <a:ln w="3175" cmpd="sng">
-                  <a:noFill/>
-                </a:ln>
-                <a:solidFill>
-                  <a:schemeClr val="tx1"/>
-                </a:solidFill>
-                <a:effectLst/>
-              </a:defRPr>
-            </a:lvl1pPr>
-          </a:lstStyle>
-          <a:p>
-            <a:pPr marL="0" lvl="0">
-              <a:spcBef>
-                <a:spcPct val="0"/>
-              </a:spcBef>
-              <a:buNone/>
-            </a:pPr>
-            <a:r>
-              <a:rPr lang="en-US"/>
-              <a:t>Click to edit Master text styles</a:t>
-            </a:r>
-          </a:p>
-        </p:txBody>
-      </p:sp>
-      <p:sp>
-        <p:nvSpPr>
-          <p:cNvPr id="3" name="Text Placeholder 2"/>
-          <p:cNvSpPr>
-            <a:spLocks noGrp="1"/>
-          </p:cNvSpPr>
-          <p:nvPr>
-            <p:ph type="body" idx="1"/>
-          </p:nvPr>
-        </p:nvSpPr>
-        <p:spPr>
-          <a:xfrm>
-            <a:off x="684211" y="4766732"/>
-            <a:ext cx="8534401" cy="1227667"/>
-          </a:xfrm>
-        </p:spPr>
-        <p:txBody>
-          <a:bodyPr anchor="t">
-            <a:normAutofit/>
-          </a:bodyPr>
-          <a:lstStyle>
-            <a:lvl1pPr marL="0" indent="0" algn="l">
-              <a:buNone/>
-              <a:defRPr sz="1800">
+            <a:lvl1pPr marL="0" indent="0">
+              <a:buNone/>
+              <a:defRPr sz="2400" b="0">
                 <a:solidFill>
                   <a:schemeClr val="bg2">
-                    <a:lumMod val="75000"/>
+                    <a:lumMod val="40000"/>
+                    <a:lumOff val="60000"/>
                   </a:schemeClr>
                 </a:solidFill>
               </a:defRPr>
             </a:lvl1pPr>
             <a:lvl2pPr marL="457200" indent="0">
               <a:buNone/>
-              <a:defRPr sz="1800">
+              <a:defRPr sz="2000" b="1"/>
+            </a:lvl2pPr>
+            <a:lvl3pPr marL="914400" indent="0">
+              <a:buNone/>
+              <a:defRPr sz="1800" b="1"/>
+            </a:lvl3pPr>
+            <a:lvl4pPr marL="1371600" indent="0">
+              <a:buNone/>
+              <a:defRPr sz="1600" b="1"/>
+            </a:lvl4pPr>
+            <a:lvl5pPr marL="1828800" indent="0">
+              <a:buNone/>
+              <a:defRPr sz="1600" b="1"/>
+            </a:lvl5pPr>
+            <a:lvl6pPr marL="2286000" indent="0">
+              <a:buNone/>
+              <a:defRPr sz="1600" b="1"/>
+            </a:lvl6pPr>
+            <a:lvl7pPr marL="2743200" indent="0">
+              <a:buNone/>
+              <a:defRPr sz="1600" b="1"/>
+            </a:lvl7pPr>
+            <a:lvl8pPr marL="3200400" indent="0">
+              <a:buNone/>
+              <a:defRPr sz="1600" b="1"/>
+            </a:lvl8pPr>
+            <a:lvl9pPr marL="3657600" indent="0">
+              <a:buNone/>
+              <a:defRPr sz="1600" b="1"/>
+            </a:lvl9pPr>
+          </a:lstStyle>
+          <a:p>
+            <a:pPr lvl="0"/>
+            <a:r>
+              <a:rPr lang="en-US"/>
+              <a:t>Click to edit Master text styles</a:t>
+            </a:r>
+          </a:p>
+        </p:txBody>
+      </p:sp>
+      <p:sp>
+        <p:nvSpPr>
+          <p:cNvPr id="29" name="Picture Placeholder 2"/>
+          <p:cNvSpPr>
+            <a:spLocks noGrp="1" noChangeAspect="1"/>
+          </p:cNvSpPr>
+          <p:nvPr>
+            <p:ph type="pic" idx="15"/>
+          </p:nvPr>
+        </p:nvSpPr>
+        <p:spPr>
+          <a:xfrm>
+            <a:off x="652463" y="2209800"/>
+            <a:ext cx="2940050" cy="1524000"/>
+          </a:xfrm>
+          <a:prstGeom prst="roundRect">
+            <a:avLst>
+              <a:gd name="adj" fmla="val 1858"/>
+            </a:avLst>
+          </a:prstGeom>
+          <a:effectLst>
+            <a:outerShdw blurRad="50800" dist="50800" dir="5400000" algn="tl" rotWithShape="0">
+              <a:srgbClr val="000000">
+                <a:alpha val="43000"/>
+              </a:srgbClr>
+            </a:outerShdw>
+          </a:effectLst>
+        </p:spPr>
+        <p:txBody>
+          <a:bodyPr anchor="t">
+            <a:normAutofit/>
+          </a:bodyPr>
+          <a:lstStyle>
+            <a:lvl1pPr marL="0" indent="0" algn="ctr">
+              <a:buNone/>
+              <a:defRPr sz="1600"/>
+            </a:lvl1pPr>
+            <a:lvl2pPr marL="457200" indent="0">
+              <a:buNone/>
+              <a:defRPr sz="1600"/>
+            </a:lvl2pPr>
+            <a:lvl3pPr marL="914400" indent="0">
+              <a:buNone/>
+              <a:defRPr sz="1600"/>
+            </a:lvl3pPr>
+            <a:lvl4pPr marL="1371600" indent="0">
+              <a:buNone/>
+              <a:defRPr sz="1600"/>
+            </a:lvl4pPr>
+            <a:lvl5pPr marL="1828800" indent="0">
+              <a:buNone/>
+              <a:defRPr sz="1600"/>
+            </a:lvl5pPr>
+            <a:lvl6pPr marL="2286000" indent="0">
+              <a:buNone/>
+              <a:defRPr sz="1600"/>
+            </a:lvl6pPr>
+            <a:lvl7pPr marL="2743200" indent="0">
+              <a:buNone/>
+              <a:defRPr sz="1600"/>
+            </a:lvl7pPr>
+            <a:lvl8pPr marL="3200400" indent="0">
+              <a:buNone/>
+              <a:defRPr sz="1600"/>
+            </a:lvl8pPr>
+            <a:lvl9pPr marL="3657600" indent="0">
+              <a:buNone/>
+              <a:defRPr sz="1600"/>
+            </a:lvl9pPr>
+          </a:lstStyle>
+          <a:p>
+            <a:r>
+              <a:rPr lang="en-US"/>
+              <a:t>Click icon to add picture</a:t>
+            </a:r>
+            <a:endParaRPr lang="en-US" dirty="0"/>
+          </a:p>
+        </p:txBody>
+      </p:sp>
+      <p:sp>
+        <p:nvSpPr>
+          <p:cNvPr id="22" name="Text Placeholder 3"/>
+          <p:cNvSpPr>
+            <a:spLocks noGrp="1"/>
+          </p:cNvSpPr>
+          <p:nvPr>
+            <p:ph type="body" sz="half" idx="18"/>
+          </p:nvPr>
+        </p:nvSpPr>
+        <p:spPr>
+          <a:xfrm>
+            <a:off x="652463" y="4827211"/>
+            <a:ext cx="2940050" cy="659189"/>
+          </a:xfrm>
+        </p:spPr>
+        <p:txBody>
+          <a:bodyPr anchor="t">
+            <a:normAutofit/>
+          </a:bodyPr>
+          <a:lstStyle>
+            <a:lvl1pPr marL="0" indent="0">
+              <a:buNone/>
+              <a:defRPr sz="1400"/>
+            </a:lvl1pPr>
+            <a:lvl2pPr marL="457200" indent="0">
+              <a:buNone/>
+              <a:defRPr sz="1200"/>
+            </a:lvl2pPr>
+            <a:lvl3pPr marL="914400" indent="0">
+              <a:buNone/>
+              <a:defRPr sz="1000"/>
+            </a:lvl3pPr>
+            <a:lvl4pPr marL="1371600" indent="0">
+              <a:buNone/>
+              <a:defRPr sz="900"/>
+            </a:lvl4pPr>
+            <a:lvl5pPr marL="1828800" indent="0">
+              <a:buNone/>
+              <a:defRPr sz="900"/>
+            </a:lvl5pPr>
+            <a:lvl6pPr marL="2286000" indent="0">
+              <a:buNone/>
+              <a:defRPr sz="900"/>
+            </a:lvl6pPr>
+            <a:lvl7pPr marL="2743200" indent="0">
+              <a:buNone/>
+              <a:defRPr sz="900"/>
+            </a:lvl7pPr>
+            <a:lvl8pPr marL="3200400" indent="0">
+              <a:buNone/>
+              <a:defRPr sz="900"/>
+            </a:lvl8pPr>
+            <a:lvl9pPr marL="3657600" indent="0">
+              <a:buNone/>
+              <a:defRPr sz="900"/>
+            </a:lvl9pPr>
+          </a:lstStyle>
+          <a:p>
+            <a:pPr lvl="0"/>
+            <a:r>
+              <a:rPr lang="en-US"/>
+              <a:t>Click to edit Master text styles</a:t>
+            </a:r>
+          </a:p>
+        </p:txBody>
+      </p:sp>
+      <p:sp>
+        <p:nvSpPr>
+          <p:cNvPr id="5" name="Text Placeholder 4"/>
+          <p:cNvSpPr>
+            <a:spLocks noGrp="1"/>
+          </p:cNvSpPr>
+          <p:nvPr>
+            <p:ph type="body" sz="quarter" idx="3"/>
+          </p:nvPr>
+        </p:nvSpPr>
+        <p:spPr>
+          <a:xfrm>
+            <a:off x="3889375" y="4250949"/>
+            <a:ext cx="2930525" cy="576262"/>
+          </a:xfrm>
+        </p:spPr>
+        <p:txBody>
+          <a:bodyPr anchor="b">
+            <a:noAutofit/>
+          </a:bodyPr>
+          <a:lstStyle>
+            <a:lvl1pPr marL="0" indent="0">
+              <a:buNone/>
+              <a:defRPr sz="2400" b="0">
                 <a:solidFill>
-                  <a:schemeClr val="tx1">
-                    <a:tint val="75000"/>
+                  <a:schemeClr val="bg2">
+                    <a:lumMod val="40000"/>
+                    <a:lumOff val="60000"/>
                   </a:schemeClr>
                 </a:solidFill>
               </a:defRPr>
+            </a:lvl1pPr>
+            <a:lvl2pPr marL="457200" indent="0">
+              <a:buNone/>
+              <a:defRPr sz="2000" b="1"/>
             </a:lvl2pPr>
             <a:lvl3pPr marL="914400" indent="0">
               <a:buNone/>
-              <a:defRPr sz="1600">
+              <a:defRPr sz="1800" b="1"/>
+            </a:lvl3pPr>
+            <a:lvl4pPr marL="1371600" indent="0">
+              <a:buNone/>
+              <a:defRPr sz="1600" b="1"/>
+            </a:lvl4pPr>
+            <a:lvl5pPr marL="1828800" indent="0">
+              <a:buNone/>
+              <a:defRPr sz="1600" b="1"/>
+            </a:lvl5pPr>
+            <a:lvl6pPr marL="2286000" indent="0">
+              <a:buNone/>
+              <a:defRPr sz="1600" b="1"/>
+            </a:lvl6pPr>
+            <a:lvl7pPr marL="2743200" indent="0">
+              <a:buNone/>
+              <a:defRPr sz="1600" b="1"/>
+            </a:lvl7pPr>
+            <a:lvl8pPr marL="3200400" indent="0">
+              <a:buNone/>
+              <a:defRPr sz="1600" b="1"/>
+            </a:lvl8pPr>
+            <a:lvl9pPr marL="3657600" indent="0">
+              <a:buNone/>
+              <a:defRPr sz="1600" b="1"/>
+            </a:lvl9pPr>
+          </a:lstStyle>
+          <a:p>
+            <a:pPr lvl="0"/>
+            <a:r>
+              <a:rPr lang="en-US"/>
+              <a:t>Click to edit Master text styles</a:t>
+            </a:r>
+          </a:p>
+        </p:txBody>
+      </p:sp>
+      <p:sp>
+        <p:nvSpPr>
+          <p:cNvPr id="30" name="Picture Placeholder 2"/>
+          <p:cNvSpPr>
+            <a:spLocks noGrp="1" noChangeAspect="1"/>
+          </p:cNvSpPr>
+          <p:nvPr>
+            <p:ph type="pic" idx="21"/>
+          </p:nvPr>
+        </p:nvSpPr>
+        <p:spPr>
+          <a:xfrm>
+            <a:off x="3889374" y="2209800"/>
+            <a:ext cx="2930525" cy="1524000"/>
+          </a:xfrm>
+          <a:prstGeom prst="roundRect">
+            <a:avLst>
+              <a:gd name="adj" fmla="val 1858"/>
+            </a:avLst>
+          </a:prstGeom>
+          <a:effectLst>
+            <a:outerShdw blurRad="50800" dist="50800" dir="5400000" algn="tl" rotWithShape="0">
+              <a:srgbClr val="000000">
+                <a:alpha val="43000"/>
+              </a:srgbClr>
+            </a:outerShdw>
+          </a:effectLst>
+        </p:spPr>
+        <p:txBody>
+          <a:bodyPr anchor="t">
+            <a:normAutofit/>
+          </a:bodyPr>
+          <a:lstStyle>
+            <a:lvl1pPr marL="0" indent="0" algn="ctr">
+              <a:buNone/>
+              <a:defRPr sz="1600"/>
+            </a:lvl1pPr>
+            <a:lvl2pPr marL="457200" indent="0">
+              <a:buNone/>
+              <a:defRPr sz="1600"/>
+            </a:lvl2pPr>
+            <a:lvl3pPr marL="914400" indent="0">
+              <a:buNone/>
+              <a:defRPr sz="1600"/>
+            </a:lvl3pPr>
+            <a:lvl4pPr marL="1371600" indent="0">
+              <a:buNone/>
+              <a:defRPr sz="1600"/>
+            </a:lvl4pPr>
+            <a:lvl5pPr marL="1828800" indent="0">
+              <a:buNone/>
+              <a:defRPr sz="1600"/>
+            </a:lvl5pPr>
+            <a:lvl6pPr marL="2286000" indent="0">
+              <a:buNone/>
+              <a:defRPr sz="1600"/>
+            </a:lvl6pPr>
+            <a:lvl7pPr marL="2743200" indent="0">
+              <a:buNone/>
+              <a:defRPr sz="1600"/>
+            </a:lvl7pPr>
+            <a:lvl8pPr marL="3200400" indent="0">
+              <a:buNone/>
+              <a:defRPr sz="1600"/>
+            </a:lvl8pPr>
+            <a:lvl9pPr marL="3657600" indent="0">
+              <a:buNone/>
+              <a:defRPr sz="1600"/>
+            </a:lvl9pPr>
+          </a:lstStyle>
+          <a:p>
+            <a:r>
+              <a:rPr lang="en-US"/>
+              <a:t>Click icon to add picture</a:t>
+            </a:r>
+            <a:endParaRPr lang="en-US" dirty="0"/>
+          </a:p>
+        </p:txBody>
+      </p:sp>
+      <p:sp>
+        <p:nvSpPr>
+          <p:cNvPr id="23" name="Text Placeholder 3"/>
+          <p:cNvSpPr>
+            <a:spLocks noGrp="1"/>
+          </p:cNvSpPr>
+          <p:nvPr>
+            <p:ph type="body" sz="half" idx="19"/>
+          </p:nvPr>
+        </p:nvSpPr>
+        <p:spPr>
+          <a:xfrm>
+            <a:off x="3888022" y="4827210"/>
+            <a:ext cx="2934406" cy="659189"/>
+          </a:xfrm>
+        </p:spPr>
+        <p:txBody>
+          <a:bodyPr anchor="t">
+            <a:normAutofit/>
+          </a:bodyPr>
+          <a:lstStyle>
+            <a:lvl1pPr marL="0" indent="0">
+              <a:buNone/>
+              <a:defRPr sz="1400"/>
+            </a:lvl1pPr>
+            <a:lvl2pPr marL="457200" indent="0">
+              <a:buNone/>
+              <a:defRPr sz="1200"/>
+            </a:lvl2pPr>
+            <a:lvl3pPr marL="914400" indent="0">
+              <a:buNone/>
+              <a:defRPr sz="1000"/>
+            </a:lvl3pPr>
+            <a:lvl4pPr marL="1371600" indent="0">
+              <a:buNone/>
+              <a:defRPr sz="900"/>
+            </a:lvl4pPr>
+            <a:lvl5pPr marL="1828800" indent="0">
+              <a:buNone/>
+              <a:defRPr sz="900"/>
+            </a:lvl5pPr>
+            <a:lvl6pPr marL="2286000" indent="0">
+              <a:buNone/>
+              <a:defRPr sz="900"/>
+            </a:lvl6pPr>
+            <a:lvl7pPr marL="2743200" indent="0">
+              <a:buNone/>
+              <a:defRPr sz="900"/>
+            </a:lvl7pPr>
+            <a:lvl8pPr marL="3200400" indent="0">
+              <a:buNone/>
+              <a:defRPr sz="900"/>
+            </a:lvl8pPr>
+            <a:lvl9pPr marL="3657600" indent="0">
+              <a:buNone/>
+              <a:defRPr sz="900"/>
+            </a:lvl9pPr>
+          </a:lstStyle>
+          <a:p>
+            <a:pPr lvl="0"/>
+            <a:r>
+              <a:rPr lang="en-US"/>
+              <a:t>Click to edit Master text styles</a:t>
+            </a:r>
+          </a:p>
+        </p:txBody>
+      </p:sp>
+      <p:sp>
+        <p:nvSpPr>
+          <p:cNvPr id="14" name="Text Placeholder 4"/>
+          <p:cNvSpPr>
+            <a:spLocks noGrp="1"/>
+          </p:cNvSpPr>
+          <p:nvPr>
+            <p:ph type="body" sz="quarter" idx="13"/>
+          </p:nvPr>
+        </p:nvSpPr>
+        <p:spPr>
+          <a:xfrm>
+            <a:off x="7124700" y="4250949"/>
+            <a:ext cx="2932113" cy="576262"/>
+          </a:xfrm>
+        </p:spPr>
+        <p:txBody>
+          <a:bodyPr anchor="b">
+            <a:noAutofit/>
+          </a:bodyPr>
+          <a:lstStyle>
+            <a:lvl1pPr marL="0" indent="0">
+              <a:buNone/>
+              <a:defRPr sz="2400" b="0">
                 <a:solidFill>
-                  <a:schemeClr val="tx1">
-                    <a:tint val="75000"/>
+                  <a:schemeClr val="bg2">
+                    <a:lumMod val="40000"/>
+                    <a:lumOff val="60000"/>
                   </a:schemeClr>
                 </a:solidFill>
               </a:defRPr>
+            </a:lvl1pPr>
+            <a:lvl2pPr marL="457200" indent="0">
+              <a:buNone/>
+              <a:defRPr sz="2000" b="1"/>
+            </a:lvl2pPr>
+            <a:lvl3pPr marL="914400" indent="0">
+              <a:buNone/>
+              <a:defRPr sz="1800" b="1"/>
             </a:lvl3pPr>
             <a:lvl4pPr marL="1371600" indent="0">
               <a:buNone/>
-              <a:defRPr sz="1400">
-                <a:solidFill>
-                  <a:schemeClr val="tx1">
-                    <a:tint val="75000"/>
-                  </a:schemeClr>
-                </a:solidFill>
-              </a:defRPr>
+              <a:defRPr sz="1600" b="1"/>
             </a:lvl4pPr>
             <a:lvl5pPr marL="1828800" indent="0">
               <a:buNone/>
-              <a:defRPr sz="1400">
-                <a:solidFill>
-                  <a:schemeClr val="tx1">
-                    <a:tint val="75000"/>
-                  </a:schemeClr>
-                </a:solidFill>
-              </a:defRPr>
+              <a:defRPr sz="1600" b="1"/>
             </a:lvl5pPr>
             <a:lvl6pPr marL="2286000" indent="0">
               <a:buNone/>
-              <a:defRPr sz="1400">
-                <a:solidFill>
-                  <a:schemeClr val="tx1">
-                    <a:tint val="75000"/>
-                  </a:schemeClr>
-                </a:solidFill>
-              </a:defRPr>
+              <a:defRPr sz="1600" b="1"/>
             </a:lvl6pPr>
             <a:lvl7pPr marL="2743200" indent="0">
               <a:buNone/>
-              <a:defRPr sz="1400">
-                <a:solidFill>
-                  <a:schemeClr val="tx1">
-                    <a:tint val="75000"/>
-                  </a:schemeClr>
-                </a:solidFill>
-              </a:defRPr>
+              <a:defRPr sz="1600" b="1"/>
             </a:lvl7pPr>
             <a:lvl8pPr marL="3200400" indent="0">
               <a:buNone/>
-              <a:defRPr sz="1400">
-                <a:solidFill>
-                  <a:schemeClr val="tx1">
-                    <a:tint val="75000"/>
-                  </a:schemeClr>
-                </a:solidFill>
-              </a:defRPr>
+              <a:defRPr sz="1600" b="1"/>
             </a:lvl8pPr>
             <a:lvl9pPr marL="3657600" indent="0">
               <a:buNone/>
-              <a:defRPr sz="1400">
-                <a:solidFill>
-                  <a:schemeClr val="tx1">
-                    <a:tint val="75000"/>
-                  </a:schemeClr>
-                </a:solidFill>
-              </a:defRPr>
+              <a:defRPr sz="1600" b="1"/>
             </a:lvl9pPr>
           </a:lstStyle>
           <a:p>
@@ -2283,7 +2639,231 @@
       </p:sp>
       <p:sp>
         <p:nvSpPr>
-          <p:cNvPr id="4" name="Date Placeholder 3"/>
+          <p:cNvPr id="31" name="Picture Placeholder 2"/>
+          <p:cNvSpPr>
+            <a:spLocks noGrp="1" noChangeAspect="1"/>
+          </p:cNvSpPr>
+          <p:nvPr>
+            <p:ph type="pic" idx="22"/>
+          </p:nvPr>
+        </p:nvSpPr>
+        <p:spPr>
+          <a:xfrm>
+            <a:off x="7124699" y="2209800"/>
+            <a:ext cx="2932113" cy="1524000"/>
+          </a:xfrm>
+          <a:prstGeom prst="roundRect">
+            <a:avLst>
+              <a:gd name="adj" fmla="val 1858"/>
+            </a:avLst>
+          </a:prstGeom>
+          <a:effectLst>
+            <a:outerShdw blurRad="50800" dist="50800" dir="5400000" algn="tl" rotWithShape="0">
+              <a:srgbClr val="000000">
+                <a:alpha val="43000"/>
+              </a:srgbClr>
+            </a:outerShdw>
+          </a:effectLst>
+        </p:spPr>
+        <p:txBody>
+          <a:bodyPr anchor="t">
+            <a:normAutofit/>
+          </a:bodyPr>
+          <a:lstStyle>
+            <a:lvl1pPr marL="0" indent="0" algn="ctr">
+              <a:buNone/>
+              <a:defRPr sz="1600"/>
+            </a:lvl1pPr>
+            <a:lvl2pPr marL="457200" indent="0">
+              <a:buNone/>
+              <a:defRPr sz="1600"/>
+            </a:lvl2pPr>
+            <a:lvl3pPr marL="914400" indent="0">
+              <a:buNone/>
+              <a:defRPr sz="1600"/>
+            </a:lvl3pPr>
+            <a:lvl4pPr marL="1371600" indent="0">
+              <a:buNone/>
+              <a:defRPr sz="1600"/>
+            </a:lvl4pPr>
+            <a:lvl5pPr marL="1828800" indent="0">
+              <a:buNone/>
+              <a:defRPr sz="1600"/>
+            </a:lvl5pPr>
+            <a:lvl6pPr marL="2286000" indent="0">
+              <a:buNone/>
+              <a:defRPr sz="1600"/>
+            </a:lvl6pPr>
+            <a:lvl7pPr marL="2743200" indent="0">
+              <a:buNone/>
+              <a:defRPr sz="1600"/>
+            </a:lvl7pPr>
+            <a:lvl8pPr marL="3200400" indent="0">
+              <a:buNone/>
+              <a:defRPr sz="1600"/>
+            </a:lvl8pPr>
+            <a:lvl9pPr marL="3657600" indent="0">
+              <a:buNone/>
+              <a:defRPr sz="1600"/>
+            </a:lvl9pPr>
+          </a:lstStyle>
+          <a:p>
+            <a:r>
+              <a:rPr lang="en-US"/>
+              <a:t>Click icon to add picture</a:t>
+            </a:r>
+            <a:endParaRPr lang="en-US" dirty="0"/>
+          </a:p>
+        </p:txBody>
+      </p:sp>
+      <p:sp>
+        <p:nvSpPr>
+          <p:cNvPr id="24" name="Text Placeholder 3"/>
+          <p:cNvSpPr>
+            <a:spLocks noGrp="1"/>
+          </p:cNvSpPr>
+          <p:nvPr>
+            <p:ph type="body" sz="half" idx="20"/>
+          </p:nvPr>
+        </p:nvSpPr>
+        <p:spPr>
+          <a:xfrm>
+            <a:off x="7124575" y="4827208"/>
+            <a:ext cx="2935997" cy="659189"/>
+          </a:xfrm>
+        </p:spPr>
+        <p:txBody>
+          <a:bodyPr anchor="t">
+            <a:normAutofit/>
+          </a:bodyPr>
+          <a:lstStyle>
+            <a:lvl1pPr marL="0" indent="0">
+              <a:buNone/>
+              <a:defRPr sz="1400"/>
+            </a:lvl1pPr>
+            <a:lvl2pPr marL="457200" indent="0">
+              <a:buNone/>
+              <a:defRPr sz="1200"/>
+            </a:lvl2pPr>
+            <a:lvl3pPr marL="914400" indent="0">
+              <a:buNone/>
+              <a:defRPr sz="1000"/>
+            </a:lvl3pPr>
+            <a:lvl4pPr marL="1371600" indent="0">
+              <a:buNone/>
+              <a:defRPr sz="900"/>
+            </a:lvl4pPr>
+            <a:lvl5pPr marL="1828800" indent="0">
+              <a:buNone/>
+              <a:defRPr sz="900"/>
+            </a:lvl5pPr>
+            <a:lvl6pPr marL="2286000" indent="0">
+              <a:buNone/>
+              <a:defRPr sz="900"/>
+            </a:lvl6pPr>
+            <a:lvl7pPr marL="2743200" indent="0">
+              <a:buNone/>
+              <a:defRPr sz="900"/>
+            </a:lvl7pPr>
+            <a:lvl8pPr marL="3200400" indent="0">
+              <a:buNone/>
+              <a:defRPr sz="900"/>
+            </a:lvl8pPr>
+            <a:lvl9pPr marL="3657600" indent="0">
+              <a:buNone/>
+              <a:defRPr sz="900"/>
+            </a:lvl9pPr>
+          </a:lstStyle>
+          <a:p>
+            <a:pPr lvl="0"/>
+            <a:r>
+              <a:rPr lang="en-US"/>
+              <a:t>Click to edit Master text styles</a:t>
+            </a:r>
+          </a:p>
+        </p:txBody>
+      </p:sp>
+      <p:cxnSp>
+        <p:nvCxnSpPr>
+          <p:cNvPr id="19" name="Straight Connector 18"/>
+          <p:cNvCxnSpPr/>
+          <p:nvPr/>
+        </p:nvCxnSpPr>
+        <p:spPr>
+          <a:xfrm>
+            <a:off x="3726142" y="2133600"/>
+            <a:ext cx="0" cy="3962400"/>
+          </a:xfrm>
+          <a:prstGeom prst="line">
+            <a:avLst/>
+          </a:prstGeom>
+          <a:ln w="12700" cmpd="sng">
+            <a:solidFill>
+              <a:schemeClr val="bg2">
+                <a:lumMod val="40000"/>
+                <a:lumOff val="60000"/>
+                <a:alpha val="40000"/>
+              </a:schemeClr>
+            </a:solidFill>
+          </a:ln>
+        </p:spPr>
+        <p:style>
+          <a:lnRef idx="2">
+            <a:schemeClr val="accent1"/>
+          </a:lnRef>
+          <a:fillRef idx="0">
+            <a:schemeClr val="accent1"/>
+          </a:fillRef>
+          <a:effectRef idx="1">
+            <a:schemeClr val="accent1"/>
+          </a:effectRef>
+          <a:fontRef idx="minor">
+            <a:schemeClr val="tx1"/>
+          </a:fontRef>
+        </p:style>
+      </p:cxnSp>
+      <p:cxnSp>
+        <p:nvCxnSpPr>
+          <p:cNvPr id="20" name="Straight Connector 19"/>
+          <p:cNvCxnSpPr/>
+          <p:nvPr/>
+        </p:nvCxnSpPr>
+        <p:spPr>
+          <a:xfrm>
+            <a:off x="6962227" y="2133600"/>
+            <a:ext cx="0" cy="3966882"/>
+          </a:xfrm>
+          <a:prstGeom prst="line">
+            <a:avLst/>
+          </a:prstGeom>
+          <a:ln w="12700" cmpd="sng">
+            <a:solidFill>
+              <a:schemeClr val="bg2">
+                <a:lumMod val="40000"/>
+                <a:lumOff val="60000"/>
+                <a:alpha val="40000"/>
+              </a:schemeClr>
+            </a:solidFill>
+          </a:ln>
+        </p:spPr>
+        <p:style>
+          <a:lnRef idx="2">
+            <a:schemeClr val="accent1"/>
+          </a:lnRef>
+          <a:fillRef idx="0">
+            <a:schemeClr val="accent1"/>
+          </a:fillRef>
+          <a:effectRef idx="1">
+            <a:schemeClr val="accent1"/>
+          </a:effectRef>
+          <a:fontRef idx="minor">
+            <a:schemeClr val="tx1"/>
+          </a:fontRef>
+        </p:style>
+      </p:cxnSp>
+      <p:sp>
+        <p:nvSpPr>
+          <p:cNvPr id="7" name="Date Placeholder 3"/>
           <p:cNvSpPr>
             <a:spLocks noGrp="1"/>
           </p:cNvSpPr>
@@ -2298,7 +2878,7 @@
           <a:p>
             <a:fld id="{C6AC5E10-40A1-4D7D-A972-6C0C62CD8A70}" type="datetimeFigureOut">
               <a:rPr lang="en-US" smtClean="0"/>
-              <a:t>7/17/2024</a:t>
+              <a:t>7/18/2024</a:t>
             </a:fld>
             <a:endParaRPr lang="en-US"/>
           </a:p>
@@ -2306,7 +2886,7 @@
       </p:sp>
       <p:sp>
         <p:nvSpPr>
-          <p:cNvPr id="5" name="Footer Placeholder 4"/>
+          <p:cNvPr id="4" name="Footer Placeholder 4"/>
           <p:cNvSpPr>
             <a:spLocks noGrp="1"/>
           </p:cNvSpPr>
@@ -2349,7 +2929,7 @@
     </p:spTree>
     <p:extLst>
       <p:ext uri="{BB962C8B-B14F-4D97-AF65-F5344CB8AC3E}">
-        <p14:creationId xmlns:p14="http://schemas.microsoft.com/office/powerpoint/2010/main" val="3074269334"/>
+        <p14:creationId xmlns:p14="http://schemas.microsoft.com/office/powerpoint/2010/main" val="359665411"/>
       </p:ext>
     </p:extLst>
   </p:cSld>
@@ -2389,11 +2969,7 @@
         <p:spPr/>
         <p:txBody>
           <a:bodyPr/>
-          <a:lstStyle>
-            <a:lvl1pPr algn="l">
-              <a:defRPr/>
-            </a:lvl1pPr>
-          </a:lstStyle>
+          <a:lstStyle/>
           <a:p>
             <a:r>
               <a:rPr lang="en-US"/>
@@ -2415,7 +2991,7 @@
         </p:nvSpPr>
         <p:spPr/>
         <p:txBody>
-          <a:bodyPr vert="eaVert" anchor="t"/>
+          <a:bodyPr vert="eaVert" anchor="t" anchorCtr="0"/>
           <a:lstStyle/>
           <a:p>
             <a:pPr lvl="0"/>
@@ -2472,7 +3048,7 @@
           <a:p>
             <a:fld id="{C6AC5E10-40A1-4D7D-A972-6C0C62CD8A70}" type="datetimeFigureOut">
               <a:rPr lang="en-US" smtClean="0"/>
-              <a:t>7/17/2024</a:t>
+              <a:t>7/18/2024</a:t>
             </a:fld>
             <a:endParaRPr lang="en-US"/>
           </a:p>
@@ -2523,7 +3099,7 @@
     </p:spTree>
     <p:extLst>
       <p:ext uri="{BB962C8B-B14F-4D97-AF65-F5344CB8AC3E}">
-        <p14:creationId xmlns:p14="http://schemas.microsoft.com/office/powerpoint/2010/main" val="2695304435"/>
+        <p14:creationId xmlns:p14="http://schemas.microsoft.com/office/powerpoint/2010/main" val="3928909173"/>
       </p:ext>
     </p:extLst>
   </p:cSld>
@@ -2562,42 +3138,42 @@
         </p:nvSpPr>
         <p:spPr>
           <a:xfrm>
-            <a:off x="8685212" y="685800"/>
-            <a:ext cx="2057400" cy="4572000"/>
+            <a:off x="8304212" y="430213"/>
+            <a:ext cx="1752601" cy="5826125"/>
           </a:xfrm>
         </p:spPr>
         <p:txBody>
+          <a:bodyPr vert="eaVert" anchor="b" anchorCtr="0"/>
+          <a:lstStyle/>
+          <a:p>
+            <a:r>
+              <a:rPr lang="en-US"/>
+              <a:t>Click to edit Master title style</a:t>
+            </a:r>
+            <a:endParaRPr lang="en-US" dirty="0"/>
+          </a:p>
+        </p:txBody>
+      </p:sp>
+      <p:sp>
+        <p:nvSpPr>
+          <p:cNvPr id="3" name="Vertical Text Placeholder 2"/>
+          <p:cNvSpPr>
+            <a:spLocks noGrp="1"/>
+          </p:cNvSpPr>
+          <p:nvPr>
+            <p:ph type="body" orient="vert" idx="1"/>
+          </p:nvPr>
+        </p:nvSpPr>
+        <p:spPr>
+          <a:xfrm>
+            <a:off x="652463" y="887414"/>
+            <a:ext cx="7423149" cy="5368924"/>
+          </a:xfrm>
+        </p:spPr>
+        <p:txBody>
           <a:bodyPr vert="eaVert"/>
           <a:lstStyle/>
           <a:p>
-            <a:r>
-              <a:rPr lang="en-US"/>
-              <a:t>Click to edit Master title style</a:t>
-            </a:r>
-            <a:endParaRPr lang="en-US" dirty="0"/>
-          </a:p>
-        </p:txBody>
-      </p:sp>
-      <p:sp>
-        <p:nvSpPr>
-          <p:cNvPr id="3" name="Vertical Text Placeholder 2"/>
-          <p:cNvSpPr>
-            <a:spLocks noGrp="1"/>
-          </p:cNvSpPr>
-          <p:nvPr>
-            <p:ph type="body" orient="vert" idx="1"/>
-          </p:nvPr>
-        </p:nvSpPr>
-        <p:spPr>
-          <a:xfrm>
-            <a:off x="685800" y="685800"/>
-            <a:ext cx="7823200" cy="5308600"/>
-          </a:xfrm>
-        </p:spPr>
-        <p:txBody>
-          <a:bodyPr vert="eaVert" anchor="t"/>
-          <a:lstStyle/>
-          <a:p>
             <a:pPr lvl="0"/>
             <a:r>
               <a:rPr lang="en-US"/>
@@ -2652,7 +3228,7 @@
           <a:p>
             <a:fld id="{C6AC5E10-40A1-4D7D-A972-6C0C62CD8A70}" type="datetimeFigureOut">
               <a:rPr lang="en-US" smtClean="0"/>
-              <a:t>7/17/2024</a:t>
+              <a:t>7/18/2024</a:t>
             </a:fld>
             <a:endParaRPr lang="en-US"/>
           </a:p>
@@ -2703,7 +3279,7 @@
     </p:spTree>
     <p:extLst>
       <p:ext uri="{BB962C8B-B14F-4D97-AF65-F5344CB8AC3E}">
-        <p14:creationId xmlns:p14="http://schemas.microsoft.com/office/powerpoint/2010/main" val="3063655516"/>
+        <p14:creationId xmlns:p14="http://schemas.microsoft.com/office/powerpoint/2010/main" val="2606340026"/>
       </p:ext>
     </p:extLst>
   </p:cSld>
@@ -2765,64 +3341,64 @@
         </p:nvSpPr>
         <p:spPr/>
         <p:txBody>
-          <a:bodyPr anchor="ctr"/>
-          <a:lstStyle/>
-          <a:p>
-            <a:pPr lvl="0"/>
-            <a:r>
-              <a:rPr lang="en-US"/>
-              <a:t>Click to edit Master text styles</a:t>
-            </a:r>
-          </a:p>
-          <a:p>
-            <a:pPr lvl="1"/>
-            <a:r>
-              <a:rPr lang="en-US"/>
-              <a:t>Second level</a:t>
-            </a:r>
-          </a:p>
-          <a:p>
-            <a:pPr lvl="2"/>
-            <a:r>
-              <a:rPr lang="en-US"/>
-              <a:t>Third level</a:t>
-            </a:r>
-          </a:p>
-          <a:p>
-            <a:pPr lvl="3"/>
-            <a:r>
-              <a:rPr lang="en-US"/>
-              <a:t>Fourth level</a:t>
-            </a:r>
-          </a:p>
-          <a:p>
-            <a:pPr lvl="4"/>
-            <a:r>
-              <a:rPr lang="en-US"/>
-              <a:t>Fifth level</a:t>
-            </a:r>
-            <a:endParaRPr lang="en-US" dirty="0"/>
-          </a:p>
-        </p:txBody>
-      </p:sp>
-      <p:sp>
-        <p:nvSpPr>
-          <p:cNvPr id="4" name="Date Placeholder 3"/>
-          <p:cNvSpPr>
-            <a:spLocks noGrp="1"/>
-          </p:cNvSpPr>
-          <p:nvPr>
-            <p:ph type="dt" sz="half" idx="10"/>
-          </p:nvPr>
-        </p:nvSpPr>
-        <p:spPr/>
-        <p:txBody>
           <a:bodyPr/>
           <a:lstStyle/>
           <a:p>
+            <a:pPr lvl="0"/>
+            <a:r>
+              <a:rPr lang="en-US"/>
+              <a:t>Click to edit Master text styles</a:t>
+            </a:r>
+          </a:p>
+          <a:p>
+            <a:pPr lvl="1"/>
+            <a:r>
+              <a:rPr lang="en-US"/>
+              <a:t>Second level</a:t>
+            </a:r>
+          </a:p>
+          <a:p>
+            <a:pPr lvl="2"/>
+            <a:r>
+              <a:rPr lang="en-US"/>
+              <a:t>Third level</a:t>
+            </a:r>
+          </a:p>
+          <a:p>
+            <a:pPr lvl="3"/>
+            <a:r>
+              <a:rPr lang="en-US"/>
+              <a:t>Fourth level</a:t>
+            </a:r>
+          </a:p>
+          <a:p>
+            <a:pPr lvl="4"/>
+            <a:r>
+              <a:rPr lang="en-US"/>
+              <a:t>Fifth level</a:t>
+            </a:r>
+            <a:endParaRPr lang="en-US" dirty="0"/>
+          </a:p>
+        </p:txBody>
+      </p:sp>
+      <p:sp>
+        <p:nvSpPr>
+          <p:cNvPr id="7" name="Date Placeholder 3"/>
+          <p:cNvSpPr>
+            <a:spLocks noGrp="1"/>
+          </p:cNvSpPr>
+          <p:nvPr>
+            <p:ph type="dt" sz="half" idx="10"/>
+          </p:nvPr>
+        </p:nvSpPr>
+        <p:spPr/>
+        <p:txBody>
+          <a:bodyPr/>
+          <a:lstStyle/>
+          <a:p>
             <a:fld id="{C6AC5E10-40A1-4D7D-A972-6C0C62CD8A70}" type="datetimeFigureOut">
               <a:rPr lang="en-US" smtClean="0"/>
-              <a:t>7/17/2024</a:t>
+              <a:t>7/18/2024</a:t>
             </a:fld>
             <a:endParaRPr lang="en-US"/>
           </a:p>
@@ -2873,7 +3449,7 @@
     </p:spTree>
     <p:extLst>
       <p:ext uri="{BB962C8B-B14F-4D97-AF65-F5344CB8AC3E}">
-        <p14:creationId xmlns:p14="http://schemas.microsoft.com/office/powerpoint/2010/main" val="4154691544"/>
+        <p14:creationId xmlns:p14="http://schemas.microsoft.com/office/powerpoint/2010/main" val="2155962341"/>
       </p:ext>
     </p:extLst>
   </p:cSld>
@@ -2912,17 +3488,15 @@
         </p:nvSpPr>
         <p:spPr>
           <a:xfrm>
-            <a:off x="684211" y="2006600"/>
-            <a:ext cx="8534401" cy="2281600"/>
+            <a:off x="1154956" y="2861733"/>
+            <a:ext cx="8825657" cy="1915647"/>
           </a:xfrm>
         </p:spPr>
         <p:txBody>
-          <a:bodyPr anchor="b">
-            <a:normAutofit/>
-          </a:bodyPr>
+          <a:bodyPr anchor="b"/>
           <a:lstStyle>
             <a:lvl1pPr algn="l">
-              <a:defRPr sz="3600" b="0" cap="all"/>
+              <a:defRPr sz="4000" b="0" cap="none"/>
             </a:lvl1pPr>
           </a:lstStyle>
           <a:p>
@@ -2946,21 +3520,20 @@
         </p:nvSpPr>
         <p:spPr>
           <a:xfrm>
-            <a:off x="684213" y="4495800"/>
-            <a:ext cx="8534400" cy="1498600"/>
+            <a:off x="1154955" y="4777381"/>
+            <a:ext cx="8825658" cy="860400"/>
           </a:xfrm>
         </p:spPr>
         <p:txBody>
-          <a:bodyPr anchor="t">
-            <a:normAutofit/>
-          </a:bodyPr>
+          <a:bodyPr anchor="t"/>
           <a:lstStyle>
             <a:lvl1pPr marL="0" indent="0" algn="l">
               <a:buNone/>
-              <a:defRPr sz="1800">
+              <a:defRPr sz="2000" cap="all">
                 <a:solidFill>
                   <a:schemeClr val="bg2">
-                    <a:lumMod val="75000"/>
+                    <a:lumMod val="40000"/>
+                    <a:lumOff val="60000"/>
                   </a:schemeClr>
                 </a:solidFill>
               </a:defRPr>
@@ -3072,7 +3645,7 @@
           <a:p>
             <a:fld id="{C6AC5E10-40A1-4D7D-A972-6C0C62CD8A70}" type="datetimeFigureOut">
               <a:rPr lang="en-US" smtClean="0"/>
-              <a:t>7/17/2024</a:t>
+              <a:t>7/18/2024</a:t>
             </a:fld>
             <a:endParaRPr lang="en-US"/>
           </a:p>
@@ -3123,7 +3696,7 @@
     </p:spTree>
     <p:extLst>
       <p:ext uri="{BB962C8B-B14F-4D97-AF65-F5344CB8AC3E}">
-        <p14:creationId xmlns:p14="http://schemas.microsoft.com/office/powerpoint/2010/main" val="2836969050"/>
+        <p14:creationId xmlns:p14="http://schemas.microsoft.com/office/powerpoint/2010/main" val="790531261"/>
       </p:ext>
     </p:extLst>
   </p:cSld>
@@ -3185,15 +3758,43 @@
         </p:nvSpPr>
         <p:spPr>
           <a:xfrm>
-            <a:off x="684211" y="685800"/>
-            <a:ext cx="4937655" cy="3615267"/>
+            <a:off x="1103312" y="2060575"/>
+            <a:ext cx="4396339" cy="4195763"/>
           </a:xfrm>
         </p:spPr>
         <p:txBody>
           <a:bodyPr>
             <a:normAutofit/>
           </a:bodyPr>
-          <a:lstStyle/>
+          <a:lstStyle>
+            <a:lvl1pPr>
+              <a:defRPr sz="1800"/>
+            </a:lvl1pPr>
+            <a:lvl2pPr>
+              <a:defRPr sz="1600"/>
+            </a:lvl2pPr>
+            <a:lvl3pPr>
+              <a:defRPr sz="1400"/>
+            </a:lvl3pPr>
+            <a:lvl4pPr>
+              <a:defRPr sz="1200"/>
+            </a:lvl4pPr>
+            <a:lvl5pPr>
+              <a:defRPr sz="1200"/>
+            </a:lvl5pPr>
+            <a:lvl6pPr>
+              <a:defRPr sz="1200"/>
+            </a:lvl6pPr>
+            <a:lvl7pPr>
+              <a:defRPr sz="1200"/>
+            </a:lvl7pPr>
+            <a:lvl8pPr>
+              <a:defRPr sz="1200"/>
+            </a:lvl8pPr>
+            <a:lvl9pPr>
+              <a:defRPr sz="1200"/>
+            </a:lvl9pPr>
+          </a:lstStyle>
           <a:p>
             <a:pPr lvl="0"/>
             <a:r>
@@ -3244,15 +3845,43 @@
         </p:nvSpPr>
         <p:spPr>
           <a:xfrm>
-            <a:off x="5808133" y="685801"/>
-            <a:ext cx="4934479" cy="3615266"/>
+            <a:off x="5654493" y="2056092"/>
+            <a:ext cx="4396341" cy="4200245"/>
           </a:xfrm>
         </p:spPr>
         <p:txBody>
           <a:bodyPr>
             <a:normAutofit/>
           </a:bodyPr>
-          <a:lstStyle/>
+          <a:lstStyle>
+            <a:lvl1pPr>
+              <a:defRPr sz="1800"/>
+            </a:lvl1pPr>
+            <a:lvl2pPr>
+              <a:defRPr sz="1600"/>
+            </a:lvl2pPr>
+            <a:lvl3pPr>
+              <a:defRPr sz="1400"/>
+            </a:lvl3pPr>
+            <a:lvl4pPr>
+              <a:defRPr sz="1200"/>
+            </a:lvl4pPr>
+            <a:lvl5pPr>
+              <a:defRPr sz="1200"/>
+            </a:lvl5pPr>
+            <a:lvl6pPr>
+              <a:defRPr sz="1200"/>
+            </a:lvl6pPr>
+            <a:lvl7pPr>
+              <a:defRPr sz="1200"/>
+            </a:lvl7pPr>
+            <a:lvl8pPr>
+              <a:defRPr sz="1200"/>
+            </a:lvl8pPr>
+            <a:lvl9pPr>
+              <a:defRPr sz="1200"/>
+            </a:lvl9pPr>
+          </a:lstStyle>
           <a:p>
             <a:pPr lvl="0"/>
             <a:r>
@@ -3308,7 +3937,7 @@
           <a:p>
             <a:fld id="{C6AC5E10-40A1-4D7D-A972-6C0C62CD8A70}" type="datetimeFigureOut">
               <a:rPr lang="en-US" smtClean="0"/>
-              <a:t>7/17/2024</a:t>
+              <a:t>7/18/2024</a:t>
             </a:fld>
             <a:endParaRPr lang="en-US"/>
           </a:p>
@@ -3359,7 +3988,7 @@
     </p:spTree>
     <p:extLst>
       <p:ext uri="{BB962C8B-B14F-4D97-AF65-F5344CB8AC3E}">
-        <p14:creationId xmlns:p14="http://schemas.microsoft.com/office/powerpoint/2010/main" val="1242339339"/>
+        <p14:creationId xmlns:p14="http://schemas.microsoft.com/office/powerpoint/2010/main" val="2125160178"/>
       </p:ext>
     </p:extLst>
   </p:cSld>
@@ -3425,8 +4054,8 @@
         </p:nvSpPr>
         <p:spPr>
           <a:xfrm>
-            <a:off x="972080" y="685800"/>
-            <a:ext cx="4649787" cy="576262"/>
+            <a:off x="1103313" y="1905000"/>
+            <a:ext cx="4396338" cy="576262"/>
           </a:xfrm>
         </p:spPr>
         <p:txBody>
@@ -3436,9 +4065,12 @@
           <a:lstStyle>
             <a:lvl1pPr marL="0" indent="0">
               <a:buNone/>
-              <a:defRPr sz="2800" b="0">
+              <a:defRPr sz="2400" b="0">
                 <a:solidFill>
-                  <a:schemeClr val="tx1"/>
+                  <a:schemeClr val="bg2">
+                    <a:lumMod val="40000"/>
+                    <a:lumOff val="60000"/>
+                  </a:schemeClr>
                 </a:solidFill>
               </a:defRPr>
             </a:lvl1pPr>
@@ -3496,15 +4128,43 @@
         </p:nvSpPr>
         <p:spPr>
           <a:xfrm>
-            <a:off x="684211" y="1270529"/>
-            <a:ext cx="4937655" cy="3030538"/>
+            <a:off x="1103312" y="2514600"/>
+            <a:ext cx="4396339" cy="3741738"/>
           </a:xfrm>
         </p:spPr>
         <p:txBody>
-          <a:bodyPr anchor="t">
+          <a:bodyPr>
             <a:normAutofit/>
           </a:bodyPr>
-          <a:lstStyle/>
+          <a:lstStyle>
+            <a:lvl1pPr>
+              <a:defRPr sz="1800"/>
+            </a:lvl1pPr>
+            <a:lvl2pPr>
+              <a:defRPr sz="1600"/>
+            </a:lvl2pPr>
+            <a:lvl3pPr>
+              <a:defRPr sz="1400"/>
+            </a:lvl3pPr>
+            <a:lvl4pPr>
+              <a:defRPr sz="1200"/>
+            </a:lvl4pPr>
+            <a:lvl5pPr>
+              <a:defRPr sz="1200"/>
+            </a:lvl5pPr>
+            <a:lvl6pPr>
+              <a:defRPr sz="1200"/>
+            </a:lvl6pPr>
+            <a:lvl7pPr>
+              <a:defRPr sz="1200"/>
+            </a:lvl7pPr>
+            <a:lvl8pPr>
+              <a:defRPr sz="1200"/>
+            </a:lvl8pPr>
+            <a:lvl9pPr>
+              <a:defRPr sz="1200"/>
+            </a:lvl9pPr>
+          </a:lstStyle>
           <a:p>
             <a:pPr lvl="0"/>
             <a:r>
@@ -3555,8 +4215,8 @@
         </p:nvSpPr>
         <p:spPr>
           <a:xfrm>
-            <a:off x="6079066" y="685800"/>
-            <a:ext cx="4665134" cy="576262"/>
+            <a:off x="5654495" y="1905000"/>
+            <a:ext cx="4396339" cy="576262"/>
           </a:xfrm>
         </p:spPr>
         <p:txBody>
@@ -3566,9 +4226,12 @@
           <a:lstStyle>
             <a:lvl1pPr marL="0" indent="0">
               <a:buNone/>
-              <a:defRPr sz="2800" b="0">
+              <a:defRPr sz="2400" b="0">
                 <a:solidFill>
-                  <a:schemeClr val="tx1"/>
+                  <a:schemeClr val="bg2">
+                    <a:lumMod val="40000"/>
+                    <a:lumOff val="60000"/>
+                  </a:schemeClr>
                 </a:solidFill>
               </a:defRPr>
             </a:lvl1pPr>
@@ -3626,15 +4289,43 @@
         </p:nvSpPr>
         <p:spPr>
           <a:xfrm>
-            <a:off x="5806545" y="1262062"/>
-            <a:ext cx="4929188" cy="3030538"/>
+            <a:off x="5654495" y="2514600"/>
+            <a:ext cx="4396339" cy="3741738"/>
           </a:xfrm>
         </p:spPr>
         <p:txBody>
-          <a:bodyPr anchor="t">
+          <a:bodyPr>
             <a:normAutofit/>
           </a:bodyPr>
-          <a:lstStyle/>
+          <a:lstStyle>
+            <a:lvl1pPr>
+              <a:defRPr sz="1800"/>
+            </a:lvl1pPr>
+            <a:lvl2pPr>
+              <a:defRPr sz="1600"/>
+            </a:lvl2pPr>
+            <a:lvl3pPr>
+              <a:defRPr sz="1400"/>
+            </a:lvl3pPr>
+            <a:lvl4pPr>
+              <a:defRPr sz="1200"/>
+            </a:lvl4pPr>
+            <a:lvl5pPr>
+              <a:defRPr sz="1200"/>
+            </a:lvl5pPr>
+            <a:lvl6pPr>
+              <a:defRPr sz="1200"/>
+            </a:lvl6pPr>
+            <a:lvl7pPr>
+              <a:defRPr sz="1200"/>
+            </a:lvl7pPr>
+            <a:lvl8pPr>
+              <a:defRPr sz="1200"/>
+            </a:lvl8pPr>
+            <a:lvl9pPr>
+              <a:defRPr sz="1200"/>
+            </a:lvl9pPr>
+          </a:lstStyle>
           <a:p>
             <a:pPr lvl="0"/>
             <a:r>
@@ -3690,7 +4381,7 @@
           <a:p>
             <a:fld id="{C6AC5E10-40A1-4D7D-A972-6C0C62CD8A70}" type="datetimeFigureOut">
               <a:rPr lang="en-US" smtClean="0"/>
-              <a:t>7/17/2024</a:t>
+              <a:t>7/18/2024</a:t>
             </a:fld>
             <a:endParaRPr lang="en-US"/>
           </a:p>
@@ -3741,7 +4432,7 @@
     </p:spTree>
     <p:extLst>
       <p:ext uri="{BB962C8B-B14F-4D97-AF65-F5344CB8AC3E}">
-        <p14:creationId xmlns:p14="http://schemas.microsoft.com/office/powerpoint/2010/main" val="274904015"/>
+        <p14:creationId xmlns:p14="http://schemas.microsoft.com/office/powerpoint/2010/main" val="3532818741"/>
       </p:ext>
     </p:extLst>
   </p:cSld>
@@ -3793,7 +4484,7 @@
       </p:sp>
       <p:sp>
         <p:nvSpPr>
-          <p:cNvPr id="3" name="Date Placeholder 2"/>
+          <p:cNvPr id="7" name="Date Placeholder 2"/>
           <p:cNvSpPr>
             <a:spLocks noGrp="1"/>
           </p:cNvSpPr>
@@ -3808,7 +4499,7 @@
           <a:p>
             <a:fld id="{C6AC5E10-40A1-4D7D-A972-6C0C62CD8A70}" type="datetimeFigureOut">
               <a:rPr lang="en-US" smtClean="0"/>
-              <a:t>7/17/2024</a:t>
+              <a:t>7/18/2024</a:t>
             </a:fld>
             <a:endParaRPr lang="en-US"/>
           </a:p>
@@ -3816,7 +4507,7 @@
       </p:sp>
       <p:sp>
         <p:nvSpPr>
-          <p:cNvPr id="4" name="Footer Placeholder 3"/>
+          <p:cNvPr id="5" name="Footer Placeholder 3"/>
           <p:cNvSpPr>
             <a:spLocks noGrp="1"/>
           </p:cNvSpPr>
@@ -3835,7 +4526,7 @@
       </p:sp>
       <p:sp>
         <p:nvSpPr>
-          <p:cNvPr id="5" name="Slide Number Placeholder 4"/>
+          <p:cNvPr id="6" name="Slide Number Placeholder 4"/>
           <p:cNvSpPr>
             <a:spLocks noGrp="1"/>
           </p:cNvSpPr>
@@ -3859,7 +4550,7 @@
     </p:spTree>
     <p:extLst>
       <p:ext uri="{BB962C8B-B14F-4D97-AF65-F5344CB8AC3E}">
-        <p14:creationId xmlns:p14="http://schemas.microsoft.com/office/powerpoint/2010/main" val="1064265615"/>
+        <p14:creationId xmlns:p14="http://schemas.microsoft.com/office/powerpoint/2010/main" val="2903193128"/>
       </p:ext>
     </p:extLst>
   </p:cSld>
@@ -3888,7 +4579,7 @@
       </p:grpSpPr>
       <p:sp>
         <p:nvSpPr>
-          <p:cNvPr id="2" name="Date Placeholder 1"/>
+          <p:cNvPr id="7" name="Date Placeholder 1"/>
           <p:cNvSpPr>
             <a:spLocks noGrp="1"/>
           </p:cNvSpPr>
@@ -3903,7 +4594,7 @@
           <a:p>
             <a:fld id="{C6AC5E10-40A1-4D7D-A972-6C0C62CD8A70}" type="datetimeFigureOut">
               <a:rPr lang="en-US" smtClean="0"/>
-              <a:t>7/17/2024</a:t>
+              <a:t>7/18/2024</a:t>
             </a:fld>
             <a:endParaRPr lang="en-US"/>
           </a:p>
@@ -3911,7 +4602,7 @@
       </p:sp>
       <p:sp>
         <p:nvSpPr>
-          <p:cNvPr id="3" name="Footer Placeholder 2"/>
+          <p:cNvPr id="5" name="Footer Placeholder 2"/>
           <p:cNvSpPr>
             <a:spLocks noGrp="1"/>
           </p:cNvSpPr>
@@ -3930,7 +4621,7 @@
       </p:sp>
       <p:sp>
         <p:nvSpPr>
-          <p:cNvPr id="4" name="Slide Number Placeholder 3"/>
+          <p:cNvPr id="6" name="Slide Number Placeholder 3"/>
           <p:cNvSpPr>
             <a:spLocks noGrp="1"/>
           </p:cNvSpPr>
@@ -3954,7 +4645,7 @@
     </p:spTree>
     <p:extLst>
       <p:ext uri="{BB962C8B-B14F-4D97-AF65-F5344CB8AC3E}">
-        <p14:creationId xmlns:p14="http://schemas.microsoft.com/office/powerpoint/2010/main" val="3994566178"/>
+        <p14:creationId xmlns:p14="http://schemas.microsoft.com/office/powerpoint/2010/main" val="207444439"/>
       </p:ext>
     </p:extLst>
   </p:cSld>
@@ -3993,14 +4684,12 @@
         </p:nvSpPr>
         <p:spPr>
           <a:xfrm>
-            <a:off x="7085012" y="685800"/>
-            <a:ext cx="3657600" cy="1371600"/>
+            <a:off x="1154953" y="1447800"/>
+            <a:ext cx="3401064" cy="1447800"/>
           </a:xfrm>
         </p:spPr>
         <p:txBody>
-          <a:bodyPr anchor="b">
-            <a:normAutofit/>
-          </a:bodyPr>
+          <a:bodyPr anchor="b"/>
           <a:lstStyle>
             <a:lvl1pPr algn="l">
               <a:defRPr sz="2400" b="0"/>
@@ -4027,15 +4716,43 @@
         </p:nvSpPr>
         <p:spPr>
           <a:xfrm>
-            <a:off x="684212" y="685800"/>
-            <a:ext cx="5943601" cy="5308600"/>
+            <a:off x="4784616" y="1447800"/>
+            <a:ext cx="5195997" cy="4572000"/>
           </a:xfrm>
         </p:spPr>
         <p:txBody>
           <a:bodyPr anchor="ctr">
             <a:normAutofit/>
           </a:bodyPr>
-          <a:lstStyle/>
+          <a:lstStyle>
+            <a:lvl1pPr>
+              <a:defRPr sz="2000"/>
+            </a:lvl1pPr>
+            <a:lvl2pPr>
+              <a:defRPr sz="1800"/>
+            </a:lvl2pPr>
+            <a:lvl3pPr>
+              <a:defRPr sz="1600"/>
+            </a:lvl3pPr>
+            <a:lvl4pPr>
+              <a:defRPr sz="1400"/>
+            </a:lvl4pPr>
+            <a:lvl5pPr>
+              <a:defRPr sz="1400"/>
+            </a:lvl5pPr>
+            <a:lvl6pPr>
+              <a:defRPr sz="1400"/>
+            </a:lvl6pPr>
+            <a:lvl7pPr>
+              <a:defRPr sz="1400"/>
+            </a:lvl7pPr>
+            <a:lvl8pPr>
+              <a:defRPr sz="1400"/>
+            </a:lvl8pPr>
+            <a:lvl9pPr>
+              <a:defRPr sz="1400"/>
+            </a:lvl9pPr>
+          </a:lstStyle>
           <a:p>
             <a:pPr lvl="0"/>
             <a:r>
@@ -4086,18 +4803,16 @@
         </p:nvSpPr>
         <p:spPr>
           <a:xfrm>
-            <a:off x="7085012" y="2209799"/>
-            <a:ext cx="3657600" cy="2091267"/>
+            <a:off x="1154953" y="3129280"/>
+            <a:ext cx="3401063" cy="2895599"/>
           </a:xfrm>
         </p:spPr>
         <p:txBody>
-          <a:bodyPr anchor="t">
-            <a:normAutofit/>
-          </a:bodyPr>
+          <a:bodyPr/>
           <a:lstStyle>
             <a:lvl1pPr marL="0" indent="0">
               <a:buNone/>
-              <a:defRPr sz="1600"/>
+              <a:defRPr sz="1400"/>
             </a:lvl1pPr>
             <a:lvl2pPr marL="457200" indent="0">
               <a:buNone/>
@@ -4143,7 +4858,7 @@
       </p:sp>
       <p:sp>
         <p:nvSpPr>
-          <p:cNvPr id="5" name="Date Placeholder 4"/>
+          <p:cNvPr id="7" name="Date Placeholder 4"/>
           <p:cNvSpPr>
             <a:spLocks noGrp="1"/>
           </p:cNvSpPr>
@@ -4158,7 +4873,7 @@
           <a:p>
             <a:fld id="{C6AC5E10-40A1-4D7D-A972-6C0C62CD8A70}" type="datetimeFigureOut">
               <a:rPr lang="en-US" smtClean="0"/>
-              <a:t>7/17/2024</a:t>
+              <a:t>7/18/2024</a:t>
             </a:fld>
             <a:endParaRPr lang="en-US"/>
           </a:p>
@@ -4166,7 +4881,7 @@
       </p:sp>
       <p:sp>
         <p:nvSpPr>
-          <p:cNvPr id="6" name="Footer Placeholder 5"/>
+          <p:cNvPr id="5" name="Footer Placeholder 5"/>
           <p:cNvSpPr>
             <a:spLocks noGrp="1"/>
           </p:cNvSpPr>
@@ -4185,7 +4900,7 @@
       </p:sp>
       <p:sp>
         <p:nvSpPr>
-          <p:cNvPr id="7" name="Slide Number Placeholder 6"/>
+          <p:cNvPr id="6" name="Slide Number Placeholder 6"/>
           <p:cNvSpPr>
             <a:spLocks noGrp="1"/>
           </p:cNvSpPr>
@@ -4209,7 +4924,7 @@
     </p:spTree>
     <p:extLst>
       <p:ext uri="{BB962C8B-B14F-4D97-AF65-F5344CB8AC3E}">
-        <p14:creationId xmlns:p14="http://schemas.microsoft.com/office/powerpoint/2010/main" val="2620953560"/>
+        <p14:creationId xmlns:p14="http://schemas.microsoft.com/office/powerpoint/2010/main" val="3374719605"/>
       </p:ext>
     </p:extLst>
   </p:cSld>
@@ -4248,8 +4963,8 @@
         </p:nvSpPr>
         <p:spPr>
           <a:xfrm>
-            <a:off x="4722812" y="1447800"/>
-            <a:ext cx="6019800" cy="1143000"/>
+            <a:off x="1153907" y="1854192"/>
+            <a:ext cx="5092906" cy="1574808"/>
           </a:xfrm>
         </p:spPr>
         <p:txBody>
@@ -4258,7 +4973,7 @@
           </a:bodyPr>
           <a:lstStyle>
             <a:lvl1pPr algn="l">
-              <a:defRPr sz="2800" b="0"/>
+              <a:defRPr sz="3600" b="0"/>
             </a:lvl1pPr>
           </a:lstStyle>
           <a:p>
@@ -4272,7 +4987,7 @@
       </p:sp>
       <p:sp>
         <p:nvSpPr>
-          <p:cNvPr id="14" name="Picture Placeholder 2"/>
+          <p:cNvPr id="3" name="Picture Placeholder 2"/>
           <p:cNvSpPr>
             <a:spLocks noGrp="1" noChangeAspect="1"/>
           </p:cNvSpPr>
@@ -4282,28 +4997,20 @@
         </p:nvSpPr>
         <p:spPr>
           <a:xfrm>
-            <a:off x="989012" y="914400"/>
-            <a:ext cx="3280974" cy="4572000"/>
+            <a:off x="6949546" y="1143000"/>
+            <a:ext cx="3200400" cy="4572000"/>
           </a:xfrm>
-          <a:prstGeom prst="snip2DiagRect">
+          <a:prstGeom prst="roundRect">
             <a:avLst>
-              <a:gd name="adj1" fmla="val 10815"/>
-              <a:gd name="adj2" fmla="val 0"/>
+              <a:gd name="adj" fmla="val 1858"/>
             </a:avLst>
           </a:prstGeom>
-          <a:ln w="15875">
-            <a:solidFill>
-              <a:schemeClr val="tx1">
-                <a:alpha val="40000"/>
-              </a:schemeClr>
-            </a:solidFill>
-          </a:ln>
           <a:effectLst>
-            <a:innerShdw blurRad="57150" dist="38100" dir="14460000">
+            <a:outerShdw blurRad="50800" dist="50800" dir="5400000" algn="tl" rotWithShape="0">
               <a:srgbClr val="000000">
-                <a:alpha val="70000"/>
+                <a:alpha val="43000"/>
               </a:srgbClr>
-            </a:innerShdw>
+            </a:outerShdw>
           </a:effectLst>
         </p:spPr>
         <p:txBody>
@@ -4369,18 +5076,18 @@
         </p:nvSpPr>
         <p:spPr>
           <a:xfrm>
-            <a:off x="4722812" y="2777066"/>
-            <a:ext cx="6021388" cy="2048933"/>
+            <a:off x="1154954" y="3657600"/>
+            <a:ext cx="5084979" cy="1371600"/>
           </a:xfrm>
         </p:spPr>
         <p:txBody>
-          <a:bodyPr anchor="t">
+          <a:bodyPr>
             <a:normAutofit/>
           </a:bodyPr>
           <a:lstStyle>
             <a:lvl1pPr marL="0" indent="0">
               <a:buNone/>
-              <a:defRPr sz="1800"/>
+              <a:defRPr sz="1400"/>
             </a:lvl1pPr>
             <a:lvl2pPr marL="457200" indent="0">
               <a:buNone/>
@@ -4441,7 +5148,7 @@
           <a:p>
             <a:fld id="{C6AC5E10-40A1-4D7D-A972-6C0C62CD8A70}" type="datetimeFigureOut">
               <a:rPr lang="en-US" smtClean="0"/>
-              <a:t>7/17/2024</a:t>
+              <a:t>7/18/2024</a:t>
             </a:fld>
             <a:endParaRPr lang="en-US"/>
           </a:p>
@@ -4492,7 +5199,7 @@
     </p:spTree>
     <p:extLst>
       <p:ext uri="{BB962C8B-B14F-4D97-AF65-F5344CB8AC3E}">
-        <p14:creationId xmlns:p14="http://schemas.microsoft.com/office/powerpoint/2010/main" val="4285594546"/>
+        <p14:creationId xmlns:p14="http://schemas.microsoft.com/office/powerpoint/2010/main" val="1447569650"/>
       </p:ext>
     </p:extLst>
   </p:cSld>
@@ -4506,7 +5213,7 @@
 <p:sldMaster xmlns:a="http://schemas.openxmlformats.org/drawingml/2006/main" xmlns:r="http://schemas.openxmlformats.org/officeDocument/2006/relationships" xmlns:p="http://schemas.openxmlformats.org/presentationml/2006/main">
   <p:cSld>
     <p:bg>
-      <p:bgRef idx="1002">
+      <p:bgRef idx="1003">
         <a:schemeClr val="bg2"/>
       </p:bgRef>
     </p:bg>
@@ -4524,405 +5231,425 @@
           <a:chExt cx="0" cy="0"/>
         </a:xfrm>
       </p:grpSpPr>
-      <p:grpSp>
-        <p:nvGrpSpPr>
-          <p:cNvPr id="7" name="Group 6"/>
-          <p:cNvGrpSpPr/>
+      <p:pic>
+        <p:nvPicPr>
+          <p:cNvPr id="8" name="Picture 7"/>
+          <p:cNvPicPr>
+            <a:picLocks noChangeAspect="1"/>
+          </p:cNvPicPr>
           <p:nvPr/>
-        </p:nvGrpSpPr>
-        <p:grpSpPr>
-          <a:xfrm>
-            <a:off x="9206969" y="2963333"/>
-            <a:ext cx="2981858" cy="3208867"/>
-            <a:chOff x="9206969" y="2963333"/>
-            <a:chExt cx="2981858" cy="3208867"/>
-          </a:xfrm>
-        </p:grpSpPr>
-        <p:cxnSp>
-          <p:nvCxnSpPr>
-            <p:cNvPr id="8" name="Straight Connector 7"/>
-            <p:cNvCxnSpPr/>
-            <p:nvPr/>
-          </p:nvCxnSpPr>
-          <p:spPr>
-            <a:xfrm flipH="1">
-              <a:off x="11276012" y="2963333"/>
-              <a:ext cx="912814" cy="912812"/>
-            </a:xfrm>
-            <a:prstGeom prst="line">
-              <a:avLst/>
-            </a:prstGeom>
-            <a:ln w="9525">
-              <a:solidFill>
-                <a:schemeClr val="tx1"/>
-              </a:solidFill>
-            </a:ln>
-          </p:spPr>
-          <p:style>
-            <a:lnRef idx="2">
-              <a:schemeClr val="accent1"/>
-            </a:lnRef>
-            <a:fillRef idx="0">
-              <a:schemeClr val="accent1"/>
-            </a:fillRef>
-            <a:effectRef idx="1">
-              <a:schemeClr val="accent1"/>
-            </a:effectRef>
-            <a:fontRef idx="minor">
-              <a:schemeClr val="tx1"/>
-            </a:fontRef>
-          </p:style>
-        </p:cxnSp>
-        <p:cxnSp>
-          <p:nvCxnSpPr>
-            <p:cNvPr id="9" name="Straight Connector 8"/>
-            <p:cNvCxnSpPr/>
-            <p:nvPr/>
-          </p:nvCxnSpPr>
-          <p:spPr>
-            <a:xfrm flipH="1">
-              <a:off x="9206969" y="3190344"/>
-              <a:ext cx="2981857" cy="2981856"/>
-            </a:xfrm>
-            <a:prstGeom prst="line">
-              <a:avLst/>
-            </a:prstGeom>
-            <a:ln w="9525">
-              <a:solidFill>
-                <a:schemeClr val="tx1"/>
-              </a:solidFill>
-            </a:ln>
-          </p:spPr>
-          <p:style>
-            <a:lnRef idx="2">
-              <a:schemeClr val="accent1"/>
-            </a:lnRef>
-            <a:fillRef idx="0">
-              <a:schemeClr val="accent1"/>
-            </a:fillRef>
-            <a:effectRef idx="1">
-              <a:schemeClr val="accent1"/>
-            </a:effectRef>
-            <a:fontRef idx="minor">
-              <a:schemeClr val="tx1"/>
-            </a:fontRef>
-          </p:style>
-        </p:cxnSp>
-        <p:cxnSp>
-          <p:nvCxnSpPr>
-            <p:cNvPr id="10" name="Straight Connector 9"/>
-            <p:cNvCxnSpPr/>
-            <p:nvPr/>
-          </p:nvCxnSpPr>
-          <p:spPr>
-            <a:xfrm flipH="1">
-              <a:off x="10292292" y="3285067"/>
-              <a:ext cx="1896534" cy="1896533"/>
-            </a:xfrm>
-            <a:prstGeom prst="line">
-              <a:avLst/>
-            </a:prstGeom>
-            <a:ln w="9525">
-              <a:solidFill>
-                <a:schemeClr val="tx1"/>
-              </a:solidFill>
-            </a:ln>
-          </p:spPr>
-          <p:style>
-            <a:lnRef idx="2">
-              <a:schemeClr val="accent1"/>
-            </a:lnRef>
-            <a:fillRef idx="0">
-              <a:schemeClr val="accent1"/>
-            </a:fillRef>
-            <a:effectRef idx="1">
-              <a:schemeClr val="accent1"/>
-            </a:effectRef>
-            <a:fontRef idx="minor">
-              <a:schemeClr val="tx1"/>
-            </a:fontRef>
-          </p:style>
-        </p:cxnSp>
-        <p:cxnSp>
-          <p:nvCxnSpPr>
-            <p:cNvPr id="11" name="Straight Connector 10"/>
-            <p:cNvCxnSpPr/>
-            <p:nvPr/>
-          </p:nvCxnSpPr>
-          <p:spPr>
-            <a:xfrm flipH="1">
-              <a:off x="10443103" y="3131080"/>
-              <a:ext cx="1745722" cy="1745720"/>
-            </a:xfrm>
-            <a:prstGeom prst="line">
-              <a:avLst/>
-            </a:prstGeom>
-            <a:ln w="28575">
-              <a:solidFill>
-                <a:schemeClr val="tx1"/>
-              </a:solidFill>
-            </a:ln>
-          </p:spPr>
-          <p:style>
-            <a:lnRef idx="2">
-              <a:schemeClr val="accent1"/>
-            </a:lnRef>
-            <a:fillRef idx="0">
-              <a:schemeClr val="accent1"/>
-            </a:fillRef>
-            <a:effectRef idx="1">
-              <a:schemeClr val="accent1"/>
-            </a:effectRef>
-            <a:fontRef idx="minor">
-              <a:schemeClr val="tx1"/>
-            </a:fontRef>
-          </p:style>
-        </p:cxnSp>
-        <p:cxnSp>
-          <p:nvCxnSpPr>
-            <p:cNvPr id="12" name="Straight Connector 11"/>
-            <p:cNvCxnSpPr/>
-            <p:nvPr/>
-          </p:nvCxnSpPr>
-          <p:spPr>
-            <a:xfrm flipH="1">
-              <a:off x="10918826" y="3683001"/>
-              <a:ext cx="1270001" cy="1269999"/>
-            </a:xfrm>
-            <a:prstGeom prst="line">
-              <a:avLst/>
-            </a:prstGeom>
-            <a:ln w="28575">
-              <a:solidFill>
-                <a:schemeClr val="tx1"/>
-              </a:solidFill>
-            </a:ln>
-          </p:spPr>
-          <p:style>
-            <a:lnRef idx="2">
-              <a:schemeClr val="accent1"/>
-            </a:lnRef>
-            <a:fillRef idx="0">
-              <a:schemeClr val="accent1"/>
-            </a:fillRef>
-            <a:effectRef idx="1">
-              <a:schemeClr val="accent1"/>
-            </a:effectRef>
-            <a:fontRef idx="minor">
-              <a:schemeClr val="tx1"/>
-            </a:fontRef>
-          </p:style>
-        </p:cxnSp>
-      </p:grpSp>
-      <p:sp>
-        <p:nvSpPr>
-          <p:cNvPr id="2" name="Title Placeholder 1"/>
-          <p:cNvSpPr>
-            <a:spLocks noGrp="1"/>
-          </p:cNvSpPr>
-          <p:nvPr>
-            <p:ph type="title"/>
-          </p:nvPr>
-        </p:nvSpPr>
+        </p:nvPicPr>
+        <p:blipFill rotWithShape="1">
+          <a:blip r:embed="rId19">
+            <a:extLst>
+              <a:ext uri="{28A0092B-C50C-407E-A947-70E740481C1C}">
+                <a14:useLocalDpi xmlns:a14="http://schemas.microsoft.com/office/drawing/2010/main" val="0"/>
+              </a:ext>
+            </a:extLst>
+          </a:blip>
+          <a:srcRect l="3613"/>
+          <a:stretch/>
+        </p:blipFill>
         <p:spPr>
           <a:xfrm>
-            <a:off x="684212" y="4487332"/>
-            <a:ext cx="8534400" cy="1507067"/>
-          </a:xfrm>
-          <a:prstGeom prst="rect">
-            <a:avLst/>
-          </a:prstGeom>
-          <a:effectLst/>
-        </p:spPr>
-        <p:txBody>
-          <a:bodyPr vert="horz" lIns="91440" tIns="45720" rIns="91440" bIns="45720" rtlCol="0" anchor="ctr">
-            <a:normAutofit/>
-          </a:bodyPr>
-          <a:lstStyle/>
-          <a:p>
-            <a:r>
-              <a:rPr lang="en-US"/>
-              <a:t>Click to edit Master title style</a:t>
-            </a:r>
-            <a:endParaRPr lang="en-US" dirty="0"/>
-          </a:p>
-        </p:txBody>
-      </p:sp>
-      <p:sp>
-        <p:nvSpPr>
-          <p:cNvPr id="3" name="Text Placeholder 2"/>
-          <p:cNvSpPr>
-            <a:spLocks noGrp="1"/>
-          </p:cNvSpPr>
-          <p:nvPr>
-            <p:ph type="body" idx="1"/>
-          </p:nvPr>
-        </p:nvSpPr>
-        <p:spPr>
-          <a:xfrm>
-            <a:off x="684212" y="685800"/>
-            <a:ext cx="8534400" cy="3615267"/>
+            <a:off x="0" y="2669685"/>
+            <a:ext cx="4037012" cy="4188315"/>
           </a:xfrm>
           <a:prstGeom prst="rect">
             <a:avLst/>
           </a:prstGeom>
         </p:spPr>
-        <p:txBody>
-          <a:bodyPr vert="horz" lIns="91440" tIns="45720" rIns="91440" bIns="45720" rtlCol="0" anchor="ctr">
-            <a:normAutofit/>
-          </a:bodyPr>
-          <a:lstStyle/>
-          <a:p>
-            <a:pPr lvl="0"/>
-            <a:r>
-              <a:rPr lang="en-US"/>
-              <a:t>Click to edit Master text styles</a:t>
-            </a:r>
-          </a:p>
-          <a:p>
-            <a:pPr lvl="1"/>
-            <a:r>
-              <a:rPr lang="en-US"/>
-              <a:t>Second level</a:t>
-            </a:r>
-          </a:p>
-          <a:p>
-            <a:pPr lvl="2"/>
-            <a:r>
-              <a:rPr lang="en-US"/>
-              <a:t>Third level</a:t>
-            </a:r>
-          </a:p>
-          <a:p>
-            <a:pPr lvl="3"/>
-            <a:r>
-              <a:rPr lang="en-US"/>
-              <a:t>Fourth level</a:t>
-            </a:r>
-          </a:p>
-          <a:p>
-            <a:pPr lvl="4"/>
-            <a:r>
-              <a:rPr lang="en-US"/>
-              <a:t>Fifth level</a:t>
-            </a:r>
-            <a:endParaRPr lang="en-US" dirty="0"/>
-          </a:p>
-        </p:txBody>
-      </p:sp>
-      <p:sp>
-        <p:nvSpPr>
-          <p:cNvPr id="4" name="Date Placeholder 3"/>
-          <p:cNvSpPr>
-            <a:spLocks noGrp="1"/>
-          </p:cNvSpPr>
-          <p:nvPr>
-            <p:ph type="dt" sz="half" idx="2"/>
-          </p:nvPr>
-        </p:nvSpPr>
+      </p:pic>
+      <p:pic>
+        <p:nvPicPr>
+          <p:cNvPr id="7" name="Picture 6"/>
+          <p:cNvPicPr>
+            <a:picLocks noChangeAspect="1"/>
+          </p:cNvPicPr>
+          <p:nvPr/>
+        </p:nvPicPr>
+        <p:blipFill rotWithShape="1">
+          <a:blip r:embed="rId20">
+            <a:extLst>
+              <a:ext uri="{28A0092B-C50C-407E-A947-70E740481C1C}">
+                <a14:useLocalDpi xmlns:a14="http://schemas.microsoft.com/office/drawing/2010/main" val="0"/>
+              </a:ext>
+            </a:extLst>
+          </a:blip>
+          <a:srcRect l="35640"/>
+          <a:stretch/>
+        </p:blipFill>
         <p:spPr>
           <a:xfrm>
-            <a:off x="9904412" y="6172200"/>
-            <a:ext cx="1600200" cy="365125"/>
+            <a:off x="0" y="2892347"/>
+            <a:ext cx="1522412" cy="2365453"/>
           </a:xfrm>
           <a:prstGeom prst="rect">
             <a:avLst/>
           </a:prstGeom>
         </p:spPr>
-        <p:txBody>
-          <a:bodyPr vert="horz" lIns="91440" tIns="45720" rIns="91440" bIns="45720" rtlCol="0" anchor="t"/>
-          <a:lstStyle>
-            <a:lvl1pPr algn="r">
-              <a:defRPr sz="1000" b="0" i="0">
-                <a:solidFill>
-                  <a:schemeClr val="bg2">
-                    <a:lumMod val="50000"/>
-                  </a:schemeClr>
-                </a:solidFill>
-                <a:effectLst/>
-                <a:latin typeface="+mn-lt"/>
-              </a:defRPr>
-            </a:lvl1pPr>
-          </a:lstStyle>
-          <a:p>
-            <a:fld id="{C6AC5E10-40A1-4D7D-A972-6C0C62CD8A70}" type="datetimeFigureOut">
-              <a:rPr lang="en-US" smtClean="0"/>
-              <a:t>7/17/2024</a:t>
-            </a:fld>
-            <a:endParaRPr lang="en-US"/>
-          </a:p>
-        </p:txBody>
-      </p:sp>
-      <p:sp>
-        <p:nvSpPr>
-          <p:cNvPr id="5" name="Footer Placeholder 4"/>
-          <p:cNvSpPr>
-            <a:spLocks noGrp="1"/>
-          </p:cNvSpPr>
-          <p:nvPr>
-            <p:ph type="ftr" sz="quarter" idx="3"/>
-          </p:nvPr>
+      </p:pic>
+      <p:sp>
+        <p:nvSpPr>
+          <p:cNvPr id="16" name="Oval 15"/>
+          <p:cNvSpPr/>
+          <p:nvPr/>
         </p:nvSpPr>
         <p:spPr>
           <a:xfrm>
-            <a:off x="684212" y="6172200"/>
-            <a:ext cx="7543800" cy="365125"/>
+            <a:off x="8609012" y="1676400"/>
+            <a:ext cx="2819400" cy="2819400"/>
+          </a:xfrm>
+          <a:prstGeom prst="ellipse">
+            <a:avLst/>
+          </a:prstGeom>
+          <a:gradFill flip="none" rotWithShape="1">
+            <a:gsLst>
+              <a:gs pos="0">
+                <a:schemeClr val="bg2">
+                  <a:lumMod val="60000"/>
+                  <a:lumOff val="40000"/>
+                  <a:alpha val="7000"/>
+                </a:schemeClr>
+              </a:gs>
+              <a:gs pos="69000">
+                <a:schemeClr val="bg2">
+                  <a:lumMod val="60000"/>
+                  <a:lumOff val="40000"/>
+                  <a:alpha val="0"/>
+                </a:schemeClr>
+              </a:gs>
+              <a:gs pos="36000">
+                <a:schemeClr val="bg2">
+                  <a:lumMod val="60000"/>
+                  <a:lumOff val="40000"/>
+                  <a:alpha val="6000"/>
+                </a:schemeClr>
+              </a:gs>
+            </a:gsLst>
+            <a:path path="circle">
+              <a:fillToRect l="50000" t="50000" r="50000" b="50000"/>
+            </a:path>
+            <a:tileRect/>
+          </a:gradFill>
+          <a:ln>
+            <a:noFill/>
+          </a:ln>
+          <a:effectLst/>
+        </p:spPr>
+        <p:style>
+          <a:lnRef idx="1">
+            <a:schemeClr val="accent1"/>
+          </a:lnRef>
+          <a:fillRef idx="3">
+            <a:schemeClr val="accent1"/>
+          </a:fillRef>
+          <a:effectRef idx="2">
+            <a:schemeClr val="accent1"/>
+          </a:effectRef>
+          <a:fontRef idx="minor">
+            <a:schemeClr val="lt1"/>
+          </a:fontRef>
+        </p:style>
+      </p:sp>
+      <p:pic>
+        <p:nvPicPr>
+          <p:cNvPr id="9" name="Picture 8"/>
+          <p:cNvPicPr>
+            <a:picLocks noChangeAspect="1"/>
+          </p:cNvPicPr>
+          <p:nvPr/>
+        </p:nvPicPr>
+        <p:blipFill rotWithShape="1">
+          <a:blip r:embed="rId21">
+            <a:extLst>
+              <a:ext uri="{28A0092B-C50C-407E-A947-70E740481C1C}">
+                <a14:useLocalDpi xmlns:a14="http://schemas.microsoft.com/office/drawing/2010/main" val="0"/>
+              </a:ext>
+            </a:extLst>
+          </a:blip>
+          <a:srcRect t="28813"/>
+          <a:stretch/>
+        </p:blipFill>
+        <p:spPr>
+          <a:xfrm>
+            <a:off x="7999412" y="0"/>
+            <a:ext cx="1603387" cy="1141407"/>
           </a:xfrm>
           <a:prstGeom prst="rect">
             <a:avLst/>
           </a:prstGeom>
         </p:spPr>
-        <p:txBody>
-          <a:bodyPr vert="horz" lIns="91440" tIns="45720" rIns="91440" bIns="45720" rtlCol="0" anchor="t"/>
-          <a:lstStyle>
-            <a:lvl1pPr algn="l">
-              <a:defRPr sz="1000" b="0" i="0">
-                <a:solidFill>
-                  <a:schemeClr val="bg2">
-                    <a:lumMod val="50000"/>
-                  </a:schemeClr>
-                </a:solidFill>
-                <a:effectLst/>
-                <a:latin typeface="+mn-lt"/>
-              </a:defRPr>
-            </a:lvl1pPr>
-          </a:lstStyle>
-          <a:p>
-            <a:endParaRPr lang="en-US"/>
-          </a:p>
-        </p:txBody>
-      </p:sp>
-      <p:sp>
-        <p:nvSpPr>
-          <p:cNvPr id="6" name="Slide Number Placeholder 5"/>
-          <p:cNvSpPr>
-            <a:spLocks noGrp="1"/>
-          </p:cNvSpPr>
-          <p:nvPr>
-            <p:ph type="sldNum" sz="quarter" idx="4"/>
-          </p:nvPr>
-        </p:nvSpPr>
+      </p:pic>
+      <p:pic>
+        <p:nvPicPr>
+          <p:cNvPr id="10" name="Picture 9"/>
+          <p:cNvPicPr>
+            <a:picLocks noChangeAspect="1"/>
+          </p:cNvPicPr>
+          <p:nvPr/>
+        </p:nvPicPr>
+        <p:blipFill rotWithShape="1">
+          <a:blip r:embed="rId22">
+            <a:extLst>
+              <a:ext uri="{28A0092B-C50C-407E-A947-70E740481C1C}">
+                <a14:useLocalDpi xmlns:a14="http://schemas.microsoft.com/office/drawing/2010/main" val="0"/>
+              </a:ext>
+            </a:extLst>
+          </a:blip>
+          <a:srcRect b="23320"/>
+          <a:stretch/>
+        </p:blipFill>
         <p:spPr>
           <a:xfrm>
-            <a:off x="10363200" y="5578475"/>
-            <a:ext cx="1142245" cy="669925"/>
+            <a:off x="8605878" y="6096000"/>
+            <a:ext cx="993734" cy="762000"/>
           </a:xfrm>
           <a:prstGeom prst="rect">
             <a:avLst/>
           </a:prstGeom>
         </p:spPr>
+      </p:pic>
+      <p:sp>
+        <p:nvSpPr>
+          <p:cNvPr id="14" name="Rectangle 13"/>
+          <p:cNvSpPr/>
+          <p:nvPr/>
+        </p:nvSpPr>
+        <p:spPr>
+          <a:xfrm>
+            <a:off x="10437812" y="0"/>
+            <a:ext cx="685800" cy="1143000"/>
+          </a:xfrm>
+          <a:prstGeom prst="rect">
+            <a:avLst/>
+          </a:prstGeom>
+          <a:solidFill>
+            <a:schemeClr val="accent1"/>
+          </a:solidFill>
+          <a:ln>
+            <a:noFill/>
+          </a:ln>
+        </p:spPr>
+        <p:style>
+          <a:lnRef idx="1">
+            <a:schemeClr val="accent1"/>
+          </a:lnRef>
+          <a:fillRef idx="3">
+            <a:schemeClr val="accent1"/>
+          </a:fillRef>
+          <a:effectRef idx="2">
+            <a:schemeClr val="accent1"/>
+          </a:effectRef>
+          <a:fontRef idx="minor">
+            <a:schemeClr val="lt1"/>
+          </a:fontRef>
+        </p:style>
+      </p:sp>
+      <p:sp>
+        <p:nvSpPr>
+          <p:cNvPr id="2" name="Title Placeholder 1"/>
+          <p:cNvSpPr>
+            <a:spLocks noGrp="1"/>
+          </p:cNvSpPr>
+          <p:nvPr>
+            <p:ph type="title"/>
+          </p:nvPr>
+        </p:nvSpPr>
+        <p:spPr>
+          <a:xfrm>
+            <a:off x="646111" y="452718"/>
+            <a:ext cx="9404723" cy="1400530"/>
+          </a:xfrm>
+          <a:prstGeom prst="rect">
+            <a:avLst/>
+          </a:prstGeom>
+        </p:spPr>
+        <p:txBody>
+          <a:bodyPr vert="horz" lIns="91440" tIns="45720" rIns="91440" bIns="45720" rtlCol="0" anchor="t">
+            <a:noAutofit/>
+          </a:bodyPr>
+          <a:lstStyle/>
+          <a:p>
+            <a:r>
+              <a:rPr lang="en-US"/>
+              <a:t>Click to edit Master title style</a:t>
+            </a:r>
+            <a:endParaRPr lang="en-US" dirty="0"/>
+          </a:p>
+        </p:txBody>
+      </p:sp>
+      <p:sp>
+        <p:nvSpPr>
+          <p:cNvPr id="3" name="Text Placeholder 2"/>
+          <p:cNvSpPr>
+            <a:spLocks noGrp="1"/>
+          </p:cNvSpPr>
+          <p:nvPr>
+            <p:ph type="body" idx="1"/>
+          </p:nvPr>
+        </p:nvSpPr>
+        <p:spPr>
+          <a:xfrm>
+            <a:off x="1103312" y="2052918"/>
+            <a:ext cx="8946541" cy="4195481"/>
+          </a:xfrm>
+          <a:prstGeom prst="rect">
+            <a:avLst/>
+          </a:prstGeom>
+        </p:spPr>
+        <p:txBody>
+          <a:bodyPr vert="horz" lIns="91440" tIns="45720" rIns="91440" bIns="45720" rtlCol="0">
+            <a:normAutofit/>
+          </a:bodyPr>
+          <a:lstStyle/>
+          <a:p>
+            <a:pPr lvl="0"/>
+            <a:r>
+              <a:rPr lang="en-US"/>
+              <a:t>Click to edit Master text styles</a:t>
+            </a:r>
+          </a:p>
+          <a:p>
+            <a:pPr lvl="1"/>
+            <a:r>
+              <a:rPr lang="en-US"/>
+              <a:t>Second level</a:t>
+            </a:r>
+          </a:p>
+          <a:p>
+            <a:pPr lvl="2"/>
+            <a:r>
+              <a:rPr lang="en-US"/>
+              <a:t>Third level</a:t>
+            </a:r>
+          </a:p>
+          <a:p>
+            <a:pPr lvl="3"/>
+            <a:r>
+              <a:rPr lang="en-US"/>
+              <a:t>Fourth level</a:t>
+            </a:r>
+          </a:p>
+          <a:p>
+            <a:pPr lvl="4"/>
+            <a:r>
+              <a:rPr lang="en-US"/>
+              <a:t>Fifth level</a:t>
+            </a:r>
+            <a:endParaRPr lang="en-US" dirty="0"/>
+          </a:p>
+        </p:txBody>
+      </p:sp>
+      <p:sp>
+        <p:nvSpPr>
+          <p:cNvPr id="4" name="Date Placeholder 3"/>
+          <p:cNvSpPr>
+            <a:spLocks noGrp="1"/>
+          </p:cNvSpPr>
+          <p:nvPr>
+            <p:ph type="dt" sz="half" idx="2"/>
+          </p:nvPr>
+        </p:nvSpPr>
+        <p:spPr>
+          <a:xfrm rot="5400000">
+            <a:off x="10155639" y="1790701"/>
+            <a:ext cx="990599" cy="304799"/>
+          </a:xfrm>
+          <a:prstGeom prst="rect">
+            <a:avLst/>
+          </a:prstGeom>
+        </p:spPr>
+        <p:txBody>
+          <a:bodyPr vert="horz" lIns="91440" tIns="45720" rIns="91440" bIns="45720" rtlCol="0" anchor="t"/>
+          <a:lstStyle>
+            <a:lvl1pPr algn="l">
+              <a:defRPr sz="1100" b="0" i="0">
+                <a:solidFill>
+                  <a:schemeClr val="tx1">
+                    <a:tint val="75000"/>
+                    <a:alpha val="60000"/>
+                  </a:schemeClr>
+                </a:solidFill>
+              </a:defRPr>
+            </a:lvl1pPr>
+          </a:lstStyle>
+          <a:p>
+            <a:fld id="{C6AC5E10-40A1-4D7D-A972-6C0C62CD8A70}" type="datetimeFigureOut">
+              <a:rPr lang="en-US" smtClean="0"/>
+              <a:t>7/18/2024</a:t>
+            </a:fld>
+            <a:endParaRPr lang="en-US"/>
+          </a:p>
+        </p:txBody>
+      </p:sp>
+      <p:sp>
+        <p:nvSpPr>
+          <p:cNvPr id="5" name="Footer Placeholder 4"/>
+          <p:cNvSpPr>
+            <a:spLocks noGrp="1"/>
+          </p:cNvSpPr>
+          <p:nvPr>
+            <p:ph type="ftr" sz="quarter" idx="3"/>
+          </p:nvPr>
+        </p:nvSpPr>
+        <p:spPr>
+          <a:xfrm rot="5400000">
+            <a:off x="8951573" y="3225297"/>
+            <a:ext cx="3859795" cy="304801"/>
+          </a:xfrm>
+          <a:prstGeom prst="rect">
+            <a:avLst/>
+          </a:prstGeom>
+        </p:spPr>
         <p:txBody>
           <a:bodyPr vert="horz" lIns="91440" tIns="45720" rIns="91440" bIns="45720" rtlCol="0" anchor="b"/>
           <a:lstStyle>
-            <a:lvl1pPr algn="r">
-              <a:defRPr sz="3200" b="0" i="0">
+            <a:lvl1pPr algn="l">
+              <a:defRPr sz="1100" b="0" i="0">
                 <a:solidFill>
-                  <a:schemeClr val="bg2">
-                    <a:lumMod val="50000"/>
+                  <a:schemeClr val="tx1">
+                    <a:tint val="75000"/>
+                    <a:alpha val="60000"/>
                   </a:schemeClr>
                 </a:solidFill>
-                <a:effectLst/>
-                <a:latin typeface="+mn-lt"/>
+              </a:defRPr>
+            </a:lvl1pPr>
+          </a:lstStyle>
+          <a:p>
+            <a:endParaRPr lang="en-US"/>
+          </a:p>
+        </p:txBody>
+      </p:sp>
+      <p:sp>
+        <p:nvSpPr>
+          <p:cNvPr id="6" name="Slide Number Placeholder 5"/>
+          <p:cNvSpPr>
+            <a:spLocks noGrp="1"/>
+          </p:cNvSpPr>
+          <p:nvPr>
+            <p:ph type="sldNum" sz="quarter" idx="4"/>
+          </p:nvPr>
+        </p:nvSpPr>
+        <p:spPr bwMode="gray">
+          <a:xfrm>
+            <a:off x="10352540" y="295729"/>
+            <a:ext cx="838199" cy="767687"/>
+          </a:xfrm>
+          <a:prstGeom prst="rect">
+            <a:avLst/>
+          </a:prstGeom>
+        </p:spPr>
+        <p:txBody>
+          <a:bodyPr vert="horz" lIns="91440" tIns="45720" rIns="91440" bIns="45720" rtlCol="0" anchor="b"/>
+          <a:lstStyle>
+            <a:lvl1pPr algn="ctr">
+              <a:defRPr sz="2800" b="0" i="0">
+                <a:solidFill>
+                  <a:schemeClr val="tx1">
+                    <a:tint val="75000"/>
+                  </a:schemeClr>
+                </a:solidFill>
               </a:defRPr>
             </a:lvl1pPr>
           </a:lstStyle>
@@ -4938,29 +5665,29 @@
     </p:spTree>
     <p:extLst>
       <p:ext uri="{BB962C8B-B14F-4D97-AF65-F5344CB8AC3E}">
-        <p14:creationId xmlns:p14="http://schemas.microsoft.com/office/powerpoint/2010/main" val="29014007"/>
+        <p14:creationId xmlns:p14="http://schemas.microsoft.com/office/powerpoint/2010/main" val="2297040330"/>
       </p:ext>
     </p:extLst>
   </p:cSld>
   <p:clrMap bg1="dk1" tx1="lt1" bg2="dk2" tx2="lt2" accent1="accent1" accent2="accent2" accent3="accent3" accent4="accent4" accent5="accent5" accent6="accent6" hlink="hlink" folHlink="folHlink"/>
   <p:sldLayoutIdLst>
-    <p:sldLayoutId id="2147483691" r:id="rId1"/>
-    <p:sldLayoutId id="2147483692" r:id="rId2"/>
-    <p:sldLayoutId id="2147483693" r:id="rId3"/>
-    <p:sldLayoutId id="2147483694" r:id="rId4"/>
-    <p:sldLayoutId id="2147483695" r:id="rId5"/>
-    <p:sldLayoutId id="2147483696" r:id="rId6"/>
-    <p:sldLayoutId id="2147483697" r:id="rId7"/>
-    <p:sldLayoutId id="2147483698" r:id="rId8"/>
-    <p:sldLayoutId id="2147483699" r:id="rId9"/>
-    <p:sldLayoutId id="2147483700" r:id="rId10"/>
-    <p:sldLayoutId id="2147483701" r:id="rId11"/>
-    <p:sldLayoutId id="2147483702" r:id="rId12"/>
-    <p:sldLayoutId id="2147483703" r:id="rId13"/>
-    <p:sldLayoutId id="2147483704" r:id="rId14"/>
-    <p:sldLayoutId id="2147483705" r:id="rId15"/>
-    <p:sldLayoutId id="2147483706" r:id="rId16"/>
-    <p:sldLayoutId id="2147483707" r:id="rId17"/>
+    <p:sldLayoutId id="2147483709" r:id="rId1"/>
+    <p:sldLayoutId id="2147483710" r:id="rId2"/>
+    <p:sldLayoutId id="2147483711" r:id="rId3"/>
+    <p:sldLayoutId id="2147483712" r:id="rId4"/>
+    <p:sldLayoutId id="2147483713" r:id="rId5"/>
+    <p:sldLayoutId id="2147483714" r:id="rId6"/>
+    <p:sldLayoutId id="2147483715" r:id="rId7"/>
+    <p:sldLayoutId id="2147483716" r:id="rId8"/>
+    <p:sldLayoutId id="2147483717" r:id="rId9"/>
+    <p:sldLayoutId id="2147483718" r:id="rId10"/>
+    <p:sldLayoutId id="2147483719" r:id="rId11"/>
+    <p:sldLayoutId id="2147483720" r:id="rId12"/>
+    <p:sldLayoutId id="2147483721" r:id="rId13"/>
+    <p:sldLayoutId id="2147483722" r:id="rId14"/>
+    <p:sldLayoutId id="2147483723" r:id="rId15"/>
+    <p:sldLayoutId id="2147483724" r:id="rId16"/>
+    <p:sldLayoutId id="2147483725" r:id="rId17"/>
   </p:sldLayoutIdLst>
   <p:txStyles>
     <p:titleStyle>
@@ -4969,14 +5696,10 @@
           <a:spcPct val="0"/>
         </a:spcBef>
         <a:buNone/>
-        <a:defRPr sz="3600" kern="1200" cap="all">
-          <a:ln w="3175" cmpd="sng">
-            <a:noFill/>
-          </a:ln>
+        <a:defRPr sz="4200" b="0" i="0" kern="1200">
           <a:solidFill>
-            <a:schemeClr val="tx1"/>
+            <a:schemeClr val="tx2"/>
           </a:solidFill>
-          <a:effectLst/>
           <a:latin typeface="+mj-lt"/>
           <a:ea typeface="+mj-ea"/>
           <a:cs typeface="+mj-cs"/>
@@ -5040,229 +5763,229 @@
       </a:lvl9pPr>
     </p:titleStyle>
     <p:bodyStyle>
-      <a:lvl1pPr marL="285750" indent="-285750" algn="l" defTabSz="457200" rtl="0" eaLnBrk="1" latinLnBrk="0" hangingPunct="1">
+      <a:lvl1pPr marL="342900" indent="-342900" algn="l" defTabSz="457200" rtl="0" eaLnBrk="1" latinLnBrk="0" hangingPunct="1">
         <a:spcBef>
-          <a:spcPct val="20000"/>
+          <a:spcPts val="1000"/>
         </a:spcBef>
         <a:spcAft>
-          <a:spcPts val="600"/>
+          <a:spcPts val="0"/>
         </a:spcAft>
         <a:buClr>
-          <a:schemeClr val="tx1"/>
+          <a:schemeClr val="bg2">
+            <a:lumMod val="40000"/>
+            <a:lumOff val="60000"/>
+          </a:schemeClr>
         </a:buClr>
         <a:buSzPct val="80000"/>
-        <a:buFont typeface="Wingdings 3" panose="05040102010807070707" pitchFamily="18" charset="2"/>
-        <a:buChar char=""/>
-        <a:defRPr sz="2000" kern="1200" cap="none">
+        <a:buFont typeface="Wingdings 3" charset="2"/>
+        <a:buChar char=""/>
+        <a:defRPr sz="2000" b="0" i="0" kern="1200">
           <a:solidFill>
-            <a:schemeClr val="bg2">
-              <a:lumMod val="75000"/>
-            </a:schemeClr>
+            <a:schemeClr val="tx1"/>
           </a:solidFill>
-          <a:effectLst/>
-          <a:latin typeface="+mn-lt"/>
-          <a:ea typeface="+mn-ea"/>
-          <a:cs typeface="+mn-cs"/>
+          <a:latin typeface="+mj-lt"/>
+          <a:ea typeface="+mj-ea"/>
+          <a:cs typeface="+mj-cs"/>
         </a:defRPr>
       </a:lvl1pPr>
       <a:lvl2pPr marL="742950" indent="-285750" algn="l" defTabSz="457200" rtl="0" eaLnBrk="1" latinLnBrk="0" hangingPunct="1">
         <a:spcBef>
-          <a:spcPct val="20000"/>
+          <a:spcPts val="1000"/>
         </a:spcBef>
         <a:spcAft>
-          <a:spcPts val="600"/>
+          <a:spcPts val="0"/>
         </a:spcAft>
         <a:buClr>
-          <a:schemeClr val="tx1"/>
+          <a:schemeClr val="bg2">
+            <a:lumMod val="40000"/>
+            <a:lumOff val="60000"/>
+          </a:schemeClr>
         </a:buClr>
         <a:buSzPct val="80000"/>
-        <a:buFont typeface="Wingdings 3" panose="05040102010807070707" pitchFamily="18" charset="2"/>
-        <a:buChar char=""/>
-        <a:defRPr sz="1800" kern="1200" cap="none">
+        <a:buFont typeface="Wingdings 3" charset="2"/>
+        <a:buChar char=""/>
+        <a:defRPr sz="1800" b="0" i="0" kern="1200">
           <a:solidFill>
-            <a:schemeClr val="bg2">
-              <a:lumMod val="75000"/>
-            </a:schemeClr>
+            <a:schemeClr val="tx1"/>
           </a:solidFill>
-          <a:effectLst/>
-          <a:latin typeface="+mn-lt"/>
-          <a:ea typeface="+mn-ea"/>
-          <a:cs typeface="+mn-cs"/>
+          <a:latin typeface="+mj-lt"/>
+          <a:ea typeface="+mj-ea"/>
+          <a:cs typeface="+mj-cs"/>
         </a:defRPr>
       </a:lvl2pPr>
-      <a:lvl3pPr marL="1200150" indent="-285750" algn="l" defTabSz="457200" rtl="0" eaLnBrk="1" latinLnBrk="0" hangingPunct="1">
+      <a:lvl3pPr marL="1143000" indent="-228600" algn="l" defTabSz="457200" rtl="0" eaLnBrk="1" latinLnBrk="0" hangingPunct="1">
         <a:spcBef>
-          <a:spcPct val="20000"/>
+          <a:spcPts val="1000"/>
         </a:spcBef>
         <a:spcAft>
-          <a:spcPts val="600"/>
+          <a:spcPts val="0"/>
         </a:spcAft>
         <a:buClr>
-          <a:schemeClr val="tx1"/>
+          <a:schemeClr val="bg2">
+            <a:lumMod val="40000"/>
+            <a:lumOff val="60000"/>
+          </a:schemeClr>
         </a:buClr>
         <a:buSzPct val="80000"/>
-        <a:buFont typeface="Wingdings 3" panose="05040102010807070707" pitchFamily="18" charset="2"/>
-        <a:buChar char=""/>
-        <a:defRPr sz="1600" kern="1200" cap="none">
+        <a:buFont typeface="Wingdings 3" charset="2"/>
+        <a:buChar char=""/>
+        <a:defRPr sz="1600" b="0" i="0" kern="1200">
           <a:solidFill>
-            <a:schemeClr val="bg2">
-              <a:lumMod val="75000"/>
-            </a:schemeClr>
+            <a:schemeClr val="tx1"/>
           </a:solidFill>
-          <a:effectLst/>
-          <a:latin typeface="+mn-lt"/>
-          <a:ea typeface="+mn-ea"/>
-          <a:cs typeface="+mn-cs"/>
+          <a:latin typeface="+mj-lt"/>
+          <a:ea typeface="+mj-ea"/>
+          <a:cs typeface="+mj-cs"/>
         </a:defRPr>
       </a:lvl3pPr>
-      <a:lvl4pPr marL="1543050" indent="-171450" algn="l" defTabSz="457200" rtl="0" eaLnBrk="1" latinLnBrk="0" hangingPunct="1">
+      <a:lvl4pPr marL="1600200" indent="-228600" algn="l" defTabSz="457200" rtl="0" eaLnBrk="1" latinLnBrk="0" hangingPunct="1">
         <a:spcBef>
-          <a:spcPct val="20000"/>
+          <a:spcPts val="1000"/>
         </a:spcBef>
         <a:spcAft>
-          <a:spcPts val="600"/>
+          <a:spcPts val="0"/>
         </a:spcAft>
         <a:buClr>
-          <a:schemeClr val="tx1"/>
+          <a:schemeClr val="bg2">
+            <a:lumMod val="40000"/>
+            <a:lumOff val="60000"/>
+          </a:schemeClr>
         </a:buClr>
         <a:buSzPct val="80000"/>
-        <a:buFont typeface="Wingdings 3" panose="05040102010807070707" pitchFamily="18" charset="2"/>
-        <a:buChar char=""/>
-        <a:defRPr sz="1400" kern="1200" cap="none">
+        <a:buFont typeface="Wingdings 3" charset="2"/>
+        <a:buChar char=""/>
+        <a:defRPr sz="1400" b="0" i="0" kern="1200">
           <a:solidFill>
-            <a:schemeClr val="bg2">
-              <a:lumMod val="75000"/>
-            </a:schemeClr>
+            <a:schemeClr val="tx1"/>
           </a:solidFill>
-          <a:effectLst/>
-          <a:latin typeface="+mn-lt"/>
-          <a:ea typeface="+mn-ea"/>
-          <a:cs typeface="+mn-cs"/>
+          <a:latin typeface="+mj-lt"/>
+          <a:ea typeface="+mj-ea"/>
+          <a:cs typeface="+mj-cs"/>
         </a:defRPr>
       </a:lvl4pPr>
-      <a:lvl5pPr marL="2000250" indent="-171450" algn="l" defTabSz="457200" rtl="0" eaLnBrk="1" latinLnBrk="0" hangingPunct="1">
+      <a:lvl5pPr marL="2057400" indent="-228600" algn="l" defTabSz="457200" rtl="0" eaLnBrk="1" latinLnBrk="0" hangingPunct="1">
         <a:spcBef>
-          <a:spcPct val="20000"/>
+          <a:spcPts val="1000"/>
         </a:spcBef>
         <a:spcAft>
-          <a:spcPts val="600"/>
+          <a:spcPts val="0"/>
         </a:spcAft>
         <a:buClr>
-          <a:schemeClr val="tx1"/>
+          <a:schemeClr val="bg2">
+            <a:lumMod val="40000"/>
+            <a:lumOff val="60000"/>
+          </a:schemeClr>
         </a:buClr>
         <a:buSzPct val="80000"/>
-        <a:buFont typeface="Wingdings 3" panose="05040102010807070707" pitchFamily="18" charset="2"/>
-        <a:buChar char=""/>
-        <a:defRPr sz="1400" kern="1200" cap="none">
+        <a:buFont typeface="Wingdings 3" charset="2"/>
+        <a:buChar char=""/>
+        <a:defRPr sz="1400" b="0" i="0" kern="1200">
           <a:solidFill>
-            <a:schemeClr val="bg2">
-              <a:lumMod val="75000"/>
-            </a:schemeClr>
+            <a:schemeClr val="tx1"/>
           </a:solidFill>
-          <a:effectLst/>
-          <a:latin typeface="+mn-lt"/>
-          <a:ea typeface="+mn-ea"/>
-          <a:cs typeface="+mn-cs"/>
+          <a:latin typeface="+mj-lt"/>
+          <a:ea typeface="+mj-ea"/>
+          <a:cs typeface="+mj-cs"/>
         </a:defRPr>
       </a:lvl5pPr>
-      <a:lvl6pPr marL="2514600" indent="-228600" algn="l" defTabSz="457200" rtl="0" eaLnBrk="1" latinLnBrk="0" hangingPunct="1">
+      <a:lvl6pPr marL="2506000" indent="-228600" algn="l" defTabSz="457200" rtl="0" eaLnBrk="1" latinLnBrk="0" hangingPunct="1">
         <a:spcBef>
-          <a:spcPct val="20000"/>
+          <a:spcPts val="1000"/>
         </a:spcBef>
         <a:spcAft>
-          <a:spcPts val="600"/>
+          <a:spcPts val="0"/>
         </a:spcAft>
         <a:buClr>
-          <a:schemeClr val="tx1"/>
+          <a:schemeClr val="bg2">
+            <a:lumMod val="40000"/>
+            <a:lumOff val="60000"/>
+          </a:schemeClr>
         </a:buClr>
         <a:buSzPct val="80000"/>
-        <a:buFont typeface="Wingdings 3" panose="05040102010807070707" pitchFamily="18" charset="2"/>
-        <a:buChar char=""/>
-        <a:defRPr sz="1400" kern="1200" cap="none">
+        <a:buFont typeface="Wingdings 3" charset="2"/>
+        <a:buChar char=""/>
+        <a:defRPr sz="1400" b="0" i="0" kern="1200">
           <a:solidFill>
-            <a:schemeClr val="bg2">
-              <a:lumMod val="75000"/>
-            </a:schemeClr>
+            <a:schemeClr val="tx1"/>
           </a:solidFill>
-          <a:effectLst/>
-          <a:latin typeface="+mn-lt"/>
-          <a:ea typeface="+mn-ea"/>
-          <a:cs typeface="+mn-cs"/>
+          <a:latin typeface="+mj-lt"/>
+          <a:ea typeface="+mj-ea"/>
+          <a:cs typeface="+mj-cs"/>
         </a:defRPr>
       </a:lvl6pPr>
       <a:lvl7pPr marL="2971800" indent="-228600" algn="l" defTabSz="457200" rtl="0" eaLnBrk="1" latinLnBrk="0" hangingPunct="1">
         <a:spcBef>
-          <a:spcPct val="20000"/>
+          <a:spcPts val="1000"/>
         </a:spcBef>
         <a:spcAft>
-          <a:spcPts val="600"/>
+          <a:spcPts val="0"/>
         </a:spcAft>
         <a:buClr>
-          <a:schemeClr val="tx1"/>
+          <a:schemeClr val="bg2">
+            <a:lumMod val="40000"/>
+            <a:lumOff val="60000"/>
+          </a:schemeClr>
         </a:buClr>
         <a:buSzPct val="80000"/>
-        <a:buFont typeface="Wingdings 3" panose="05040102010807070707" pitchFamily="18" charset="2"/>
-        <a:buChar char=""/>
-        <a:defRPr sz="1400" kern="1200" cap="none">
+        <a:buFont typeface="Wingdings 3" charset="2"/>
+        <a:buChar char=""/>
+        <a:defRPr sz="1400" b="0" i="0" kern="1200">
           <a:solidFill>
-            <a:schemeClr val="bg2">
-              <a:lumMod val="75000"/>
-            </a:schemeClr>
+            <a:schemeClr val="tx1"/>
           </a:solidFill>
-          <a:effectLst/>
-          <a:latin typeface="+mn-lt"/>
-          <a:ea typeface="+mn-ea"/>
-          <a:cs typeface="+mn-cs"/>
+          <a:latin typeface="+mj-lt"/>
+          <a:ea typeface="+mj-ea"/>
+          <a:cs typeface="+mj-cs"/>
         </a:defRPr>
       </a:lvl7pPr>
       <a:lvl8pPr marL="3429000" indent="-228600" algn="l" defTabSz="457200" rtl="0" eaLnBrk="1" latinLnBrk="0" hangingPunct="1">
         <a:spcBef>
-          <a:spcPct val="20000"/>
+          <a:spcPts val="1000"/>
         </a:spcBef>
         <a:spcAft>
-          <a:spcPts val="600"/>
+          <a:spcPts val="0"/>
         </a:spcAft>
         <a:buClr>
-          <a:schemeClr val="tx1"/>
+          <a:schemeClr val="bg2">
+            <a:lumMod val="40000"/>
+            <a:lumOff val="60000"/>
+          </a:schemeClr>
         </a:buClr>
         <a:buSzPct val="80000"/>
-        <a:buFont typeface="Wingdings 3" panose="05040102010807070707" pitchFamily="18" charset="2"/>
-        <a:buChar char=""/>
-        <a:defRPr sz="1400" kern="1200" cap="none">
+        <a:buFont typeface="Wingdings 3" charset="2"/>
+        <a:buChar char=""/>
+        <a:defRPr sz="1400" b="0" i="0" kern="1200">
           <a:solidFill>
-            <a:schemeClr val="bg2">
-              <a:lumMod val="75000"/>
-            </a:schemeClr>
+            <a:schemeClr val="tx1"/>
           </a:solidFill>
-          <a:effectLst/>
-          <a:latin typeface="+mn-lt"/>
-          <a:ea typeface="+mn-ea"/>
-          <a:cs typeface="+mn-cs"/>
+          <a:latin typeface="+mj-lt"/>
+          <a:ea typeface="+mj-ea"/>
+          <a:cs typeface="+mj-cs"/>
         </a:defRPr>
       </a:lvl8pPr>
       <a:lvl9pPr marL="3886200" indent="-228600" algn="l" defTabSz="457200" rtl="0" eaLnBrk="1" latinLnBrk="0" hangingPunct="1">
         <a:spcBef>
-          <a:spcPct val="20000"/>
+          <a:spcPts val="1000"/>
         </a:spcBef>
         <a:spcAft>
-          <a:spcPts val="600"/>
+          <a:spcPts val="0"/>
         </a:spcAft>
         <a:buClr>
-          <a:schemeClr val="tx1"/>
+          <a:schemeClr val="bg2">
+            <a:lumMod val="40000"/>
+            <a:lumOff val="60000"/>
+          </a:schemeClr>
         </a:buClr>
         <a:buSzPct val="80000"/>
-        <a:buFont typeface="Wingdings 3" panose="05040102010807070707" pitchFamily="18" charset="2"/>
-        <a:buChar char=""/>
-        <a:defRPr sz="1400" kern="1200" cap="none">
+        <a:buFont typeface="Wingdings 3" charset="2"/>
+        <a:buChar char=""/>
+        <a:defRPr sz="1400" b="0" i="0" kern="1200">
           <a:solidFill>
-            <a:schemeClr val="bg2">
-              <a:lumMod val="75000"/>
-            </a:schemeClr>
+            <a:schemeClr val="tx1"/>
           </a:solidFill>
-          <a:effectLst/>
-          <a:latin typeface="+mn-lt"/>
-          <a:ea typeface="+mn-ea"/>
-          <a:cs typeface="+mn-cs"/>
+          <a:latin typeface="+mj-lt"/>
+          <a:ea typeface="+mj-ea"/>
+          <a:cs typeface="+mj-cs"/>
         </a:defRPr>
       </a:lvl9pPr>
     </p:bodyStyle>
@@ -5469,10 +6192,10 @@
       </p:grpSpPr>
       <p:sp>
         <p:nvSpPr>
-          <p:cNvPr id="2" name="Title 1">
+          <p:cNvPr id="12" name="Content Placeholder 2">
             <a:extLst>
               <a:ext uri="{FF2B5EF4-FFF2-40B4-BE49-F238E27FC236}">
-                <a16:creationId xmlns:a16="http://schemas.microsoft.com/office/drawing/2014/main" id="{FB515392-9A4A-C618-AAAC-3C5D694E3050}"/>
+                <a16:creationId xmlns:a16="http://schemas.microsoft.com/office/drawing/2014/main" id="{259E4030-7F38-16F8-CEE6-7F2F183565CD}"/>
               </a:ext>
             </a:extLst>
           </p:cNvPr>
@@ -5480,50 +6203,53 @@
             <a:spLocks noGrp="1"/>
           </p:cNvSpPr>
           <p:nvPr>
-            <p:ph type="title"/>
-          </p:nvPr>
-        </p:nvSpPr>
-        <p:spPr/>
-        <p:txBody>
-          <a:bodyPr>
-            <a:normAutofit/>
-          </a:bodyPr>
+            <p:ph idx="1"/>
+          </p:nvPr>
+        </p:nvSpPr>
+        <p:spPr>
+          <a:xfrm>
+            <a:off x="785825" y="658609"/>
+            <a:ext cx="9784080" cy="5832026"/>
+          </a:xfrm>
+        </p:spPr>
+        <p:txBody>
+          <a:bodyPr/>
           <a:lstStyle/>
           <a:p>
-            <a:endParaRPr lang="en-US" sz="4400" dirty="0"/>
-          </a:p>
-        </p:txBody>
-      </p:sp>
-      <p:sp>
-        <p:nvSpPr>
-          <p:cNvPr id="3" name="Content Placeholder 2">
-            <a:extLst>
-              <a:ext uri="{FF2B5EF4-FFF2-40B4-BE49-F238E27FC236}">
-                <a16:creationId xmlns:a16="http://schemas.microsoft.com/office/drawing/2014/main" id="{F3F7EA6D-2C22-B577-622A-47E6A5EF04C8}"/>
-              </a:ext>
-            </a:extLst>
-          </p:cNvPr>
-          <p:cNvSpPr>
-            <a:spLocks noGrp="1"/>
-          </p:cNvSpPr>
-          <p:nvPr>
-            <p:ph idx="1"/>
-          </p:nvPr>
-        </p:nvSpPr>
-        <p:spPr/>
-        <p:txBody>
-          <a:bodyPr>
-            <a:normAutofit/>
-          </a:bodyPr>
-          <a:lstStyle/>
-          <a:p>
-            <a:r>
-              <a:rPr lang="en-US" sz="1100" dirty="0"/>
-              <a:t>The role of a software architect is crucial in ensuring the successful design and implementation of software systems. Here are some key duties and responsibilities typically associated with this role.</a:t>
-            </a:r>
-          </a:p>
-          <a:p>
-            <a:endParaRPr lang="en-US" sz="1100" dirty="0"/>
+            <a:r>
+              <a:rPr lang="en-US" dirty="0"/>
+              <a:t>A software architect is a highly skilled professional who plays a crucial role in the software development process and is responsible for designing, creating, and maintaining the overall structure of software systems.</a:t>
+            </a:r>
+          </a:p>
+          <a:p>
+            <a:endParaRPr lang="en-US" dirty="0"/>
+          </a:p>
+          <a:p>
+            <a:r>
+              <a:rPr lang="en-US" dirty="0"/>
+              <a:t>software developer are the one who is responsible for create software life cycle model, architecture patterns , modules</a:t>
+            </a:r>
+          </a:p>
+          <a:p>
+            <a:endParaRPr lang="en-US" dirty="0"/>
+          </a:p>
+          <a:p>
+            <a:r>
+              <a:rPr lang="en-US" dirty="0"/>
+              <a:t>software architect analyze about functional requirements and addressing potential technical risk.</a:t>
+            </a:r>
+          </a:p>
+          <a:p>
+            <a:endParaRPr lang="en-US" dirty="0"/>
+          </a:p>
+          <a:p>
+            <a:r>
+              <a:rPr lang="en-US" dirty="0"/>
+              <a:t>software architect require problem solving skills ,organization skills ,leadership and communication</a:t>
+            </a:r>
+          </a:p>
+          <a:p>
+            <a:endParaRPr lang="en-US" dirty="0"/>
           </a:p>
         </p:txBody>
       </p:sp>
@@ -5583,7 +6309,60 @@
           <a:bodyPr/>
           <a:lstStyle/>
           <a:p>
+            <a:r>
+              <a:rPr lang="en-US" dirty="0"/>
+              <a:t>Separating a projects goal into several smaller solvable problems</a:t>
+            </a:r>
+          </a:p>
+          <a:p>
             <a:endParaRPr lang="en-US" dirty="0"/>
+          </a:p>
+          <a:p>
+            <a:r>
+              <a:rPr lang="en-US" dirty="0"/>
+              <a:t>communication between dev teams when requirement changes</a:t>
+            </a:r>
+          </a:p>
+          <a:p>
+            <a:pPr marL="0" indent="0">
+              <a:buNone/>
+            </a:pPr>
+            <a:endParaRPr lang="en-US" dirty="0"/>
+          </a:p>
+          <a:p>
+            <a:r>
+              <a:rPr lang="en-US" dirty="0"/>
+              <a:t> testing segments of project code and checking for errors during quality assurance periods.</a:t>
+            </a:r>
+          </a:p>
+          <a:p>
+            <a:pPr marL="0" indent="0">
+              <a:buNone/>
+            </a:pPr>
+            <a:endParaRPr lang="en-US" dirty="0"/>
+          </a:p>
+          <a:p>
+            <a:r>
+              <a:rPr lang="en-US" dirty="0"/>
+              <a:t>	Ensuring that the software system is scalable, maintainable, and secure by making high-level design choices and setting technical standards for the project.</a:t>
+            </a:r>
+          </a:p>
+          <a:p>
+            <a:endParaRPr lang="en-US" dirty="0"/>
+          </a:p>
+          <a:p>
+            <a:r>
+              <a:rPr lang="en-US" dirty="0"/>
+              <a:t>	social responsibility avoiding addiction to the software </a:t>
+            </a:r>
+            <a:r>
+              <a:rPr lang="en-US" dirty="0" err="1"/>
+              <a:t>eg</a:t>
+            </a:r>
+            <a:r>
+              <a:rPr lang="en-US" dirty="0"/>
+              <a:t>:- YouTube and Instagram timer, privacy and data protection</a:t>
+            </a:r>
           </a:p>
         </p:txBody>
       </p:sp>
@@ -5601,9 +6380,9 @@
 </file>
 
 <file path=ppt/theme/theme1.xml><?xml version="1.0" encoding="utf-8"?>
-<a:theme xmlns:a="http://schemas.openxmlformats.org/drawingml/2006/main" name="Slice">
+<a:theme xmlns:a="http://schemas.openxmlformats.org/drawingml/2006/main" name="Ion">
   <a:themeElements>
-    <a:clrScheme name="Slice">
+    <a:clrScheme name="Ion">
       <a:dk1>
         <a:sysClr val="windowText" lastClr="000000"/>
       </a:dk1>
@@ -5611,48 +6390,83 @@
         <a:sysClr val="window" lastClr="FFFFFF"/>
       </a:lt1>
       <a:dk2>
-        <a:srgbClr val="146194"/>
+        <a:srgbClr val="1E5155"/>
       </a:dk2>
       <a:lt2>
-        <a:srgbClr val="76DBF4"/>
+        <a:srgbClr val="EBEBEB"/>
       </a:lt2>
       <a:accent1>
-        <a:srgbClr val="052F61"/>
+        <a:srgbClr val="B01513"/>
       </a:accent1>
       <a:accent2>
-        <a:srgbClr val="A50E82"/>
+        <a:srgbClr val="EA6312"/>
       </a:accent2>
       <a:accent3>
-        <a:srgbClr val="14967C"/>
+        <a:srgbClr val="E6B729"/>
       </a:accent3>
       <a:accent4>
-        <a:srgbClr val="6A9E1F"/>
+        <a:srgbClr val="6AAC90"/>
       </a:accent4>
       <a:accent5>
-        <a:srgbClr val="E87D37"/>
+        <a:srgbClr val="54849A"/>
       </a:accent5>
       <a:accent6>
-        <a:srgbClr val="C62324"/>
+        <a:srgbClr val="9E5E9B"/>
       </a:accent6>
       <a:hlink>
-        <a:srgbClr val="0D2E46"/>
+        <a:srgbClr val="58C1BA"/>
       </a:hlink>
       <a:folHlink>
-        <a:srgbClr val="356A95"/>
+        <a:srgbClr val="9DFFCB"/>
       </a:folHlink>
     </a:clrScheme>
-    <a:fontScheme name="Slice">
+    <a:fontScheme name="Ion">
       <a:majorFont>
         <a:latin typeface="Century Gothic" panose="020B0502020202020204"/>
         <a:ea typeface=""/>
         <a:cs typeface=""/>
         <a:font script="Jpan" typeface="メイリオ"/>
-        <a:font script="Hang" typeface="HY중고딕"/>
-        <a:font script="Hans" typeface="幼圆"/>
-        <a:font script="Hant" typeface="微軟正黑體"/>
-        <a:font script="Arab" typeface="Tahoma"/>
-        <a:font script="Hebr" typeface="Gisha"/>
-        <a:font script="Thai" typeface="DilleniaUPC"/>
+        <a:font script="Hang" typeface="맑은 고딕"/>
+        <a:font script="Hans" typeface="宋体"/>
+        <a:font script="Hant" typeface="新細明體"/>
+        <a:font script="Arab" typeface="Times New Roman"/>
+        <a:font script="Hebr" typeface="Times New Roman"/>
+        <a:font script="Thai" typeface="Angsana New"/>
+        <a:font script="Ethi" typeface="Nyala"/>
+        <a:font script="Beng" typeface="Vrinda"/>
+        <a:font script="Gujr" typeface="Shruti"/>
+        <a:font script="Khmr" typeface="MoolBoran"/>
+        <a:font script="Knda" typeface="Tunga"/>
+        <a:font script="Guru" typeface="Raavi"/>
+        <a:font script="Cans" typeface="Euphemia"/>
+        <a:font script="Cher" typeface="Plantagenet Cherokee"/>
+        <a:font script="Yiii" typeface="Microsoft Yi Baiti"/>
+        <a:font script="Tibt" typeface="Microsoft Himalaya"/>
+        <a:font script="Thaa" typeface="MV Boli"/>
+        <a:font script="Deva" typeface="Mangal"/>
+        <a:font script="Telu" typeface="Gautami"/>
+        <a:font script="Taml" typeface="Latha"/>
+        <a:font script="Syrc" typeface="Estrangelo Edessa"/>
+        <a:font script="Orya" typeface="Kalinga"/>
+        <a:font script="Mlym" typeface="Kartika"/>
+        <a:font script="Laoo" typeface="DokChampa"/>
+        <a:font script="Sinh" typeface="Iskoola Pota"/>
+        <a:font script="Mong" typeface="Mongolian Baiti"/>
+        <a:font script="Viet" typeface="Times New Roman"/>
+        <a:font script="Uigh" typeface="Microsoft Uighur"/>
+        <a:font script="Geor" typeface="Sylfaen"/>
+      </a:majorFont>
+      <a:minorFont>
+        <a:latin typeface="Century Gothic" panose="020B0502020202020204"/>
+        <a:ea typeface=""/>
+        <a:cs typeface=""/>
+        <a:font script="Jpan" typeface="メイリオ"/>
+        <a:font script="Hang" typeface="맑은 고딕"/>
+        <a:font script="Hans" typeface="宋体"/>
+        <a:font script="Hant" typeface="新細明體"/>
+        <a:font script="Arab" typeface="Arial"/>
+        <a:font script="Hebr" typeface="Arial"/>
+        <a:font script="Thai" typeface="Cordia New"/>
         <a:font script="Ethi" typeface="Nyala"/>
         <a:font script="Beng" typeface="Vrinda"/>
         <a:font script="Gujr" typeface="Shruti"/>
@@ -5673,47 +6487,12 @@
         <a:font script="Laoo" typeface="DokChampa"/>
         <a:font script="Sinh" typeface="Iskoola Pota"/>
         <a:font script="Mong" typeface="Mongolian Baiti"/>
-        <a:font script="Viet" typeface="Tahoma"/>
-        <a:font script="Uigh" typeface="Microsoft Uighur"/>
-        <a:font script="Geor" typeface="Sylfaen"/>
-      </a:majorFont>
-      <a:minorFont>
-        <a:latin typeface="Century Gothic" panose="020B0502020202020204"/>
-        <a:ea typeface=""/>
-        <a:cs typeface=""/>
-        <a:font script="Jpan" typeface="メイリオ"/>
-        <a:font script="Hang" typeface="HY중고딕"/>
-        <a:font script="Hans" typeface="幼圆"/>
-        <a:font script="Hant" typeface="微軟正黑體"/>
-        <a:font script="Arab" typeface="Tahoma"/>
-        <a:font script="Hebr" typeface="Gisha"/>
-        <a:font script="Thai" typeface="DilleniaUPC"/>
-        <a:font script="Ethi" typeface="Nyala"/>
-        <a:font script="Beng" typeface="Vrinda"/>
-        <a:font script="Gujr" typeface="Shruti"/>
-        <a:font script="Khmr" typeface="DaunPenh"/>
-        <a:font script="Knda" typeface="Tunga"/>
-        <a:font script="Guru" typeface="Raavi"/>
-        <a:font script="Cans" typeface="Euphemia"/>
-        <a:font script="Cher" typeface="Plantagenet Cherokee"/>
-        <a:font script="Yiii" typeface="Microsoft Yi Baiti"/>
-        <a:font script="Tibt" typeface="Microsoft Himalaya"/>
-        <a:font script="Thaa" typeface="MV Boli"/>
-        <a:font script="Deva" typeface="Mangal"/>
-        <a:font script="Telu" typeface="Gautami"/>
-        <a:font script="Taml" typeface="Latha"/>
-        <a:font script="Syrc" typeface="Estrangelo Edessa"/>
-        <a:font script="Orya" typeface="Kalinga"/>
-        <a:font script="Mlym" typeface="Kartika"/>
-        <a:font script="Laoo" typeface="DokChampa"/>
-        <a:font script="Sinh" typeface="Iskoola Pota"/>
-        <a:font script="Mong" typeface="Mongolian Baiti"/>
-        <a:font script="Viet" typeface="Tahoma"/>
+        <a:font script="Viet" typeface="Arial"/>
         <a:font script="Uigh" typeface="Microsoft Uighur"/>
         <a:font script="Geor" typeface="Sylfaen"/>
       </a:minorFont>
     </a:fontScheme>
-    <a:fmtScheme name="Slice">
+    <a:fmtScheme name="Ion">
       <a:fillStyleLst>
         <a:solidFill>
           <a:schemeClr val="phClr"/>
@@ -5722,16 +6501,15 @@
           <a:gsLst>
             <a:gs pos="0">
               <a:schemeClr val="phClr">
-                <a:tint val="62000"/>
-                <a:hueMod val="94000"/>
-                <a:satMod val="140000"/>
-                <a:lumMod val="110000"/>
+                <a:tint val="64000"/>
+                <a:lumMod val="118000"/>
               </a:schemeClr>
             </a:gs>
             <a:gs pos="100000">
               <a:schemeClr val="phClr">
-                <a:tint val="84000"/>
-                <a:satMod val="160000"/>
+                <a:tint val="92000"/>
+                <a:alpha val="100000"/>
+                <a:lumMod val="110000"/>
               </a:schemeClr>
             </a:gs>
           </a:gsLst>
@@ -5742,15 +6520,13 @@
             <a:gs pos="0">
               <a:schemeClr val="phClr">
                 <a:tint val="98000"/>
-                <a:hueMod val="94000"/>
-                <a:satMod val="130000"/>
-                <a:lumMod val="128000"/>
+                <a:lumMod val="114000"/>
               </a:schemeClr>
             </a:gs>
             <a:gs pos="100000">
               <a:schemeClr val="phClr">
-                <a:shade val="94000"/>
-                <a:lumMod val="88000"/>
+                <a:shade val="90000"/>
+                <a:lumMod val="84000"/>
               </a:schemeClr>
             </a:gs>
           </a:gsLst>
@@ -5760,19 +6536,13 @@
       <a:lnStyleLst>
         <a:ln w="9525" cap="rnd" cmpd="sng" algn="ctr">
           <a:solidFill>
-            <a:schemeClr val="phClr">
-              <a:tint val="76000"/>
-              <a:alpha val="60000"/>
-              <a:hueMod val="94000"/>
-            </a:schemeClr>
+            <a:schemeClr val="phClr"/>
           </a:solidFill>
           <a:prstDash val="solid"/>
         </a:ln>
-        <a:ln w="15875" cap="rnd" cmpd="sng" algn="ctr">
+        <a:ln w="19050" cap="rnd" cmpd="sng" algn="ctr">
           <a:solidFill>
-            <a:schemeClr val="phClr">
-              <a:hueMod val="94000"/>
-            </a:schemeClr>
+            <a:schemeClr val="phClr"/>
           </a:solidFill>
           <a:prstDash val="solid"/>
         </a:ln>
@@ -5789,18 +6559,18 @@
         </a:effectStyle>
         <a:effectStyle>
           <a:effectLst>
-            <a:innerShdw blurRad="25400" dist="12700" dir="13500000">
+            <a:outerShdw blurRad="38100" dist="25400" dir="5400000" rotWithShape="0">
               <a:srgbClr val="000000">
                 <a:alpha val="45000"/>
               </a:srgbClr>
-            </a:innerShdw>
+            </a:outerShdw>
           </a:effectLst>
         </a:effectStyle>
         <a:effectStyle>
           <a:effectLst>
-            <a:outerShdw blurRad="50800" dist="38100" dir="5400000" rotWithShape="0">
+            <a:outerShdw blurRad="63500" dist="38100" dir="5400000" rotWithShape="0">
               <a:srgbClr val="000000">
-                <a:alpha val="46000"/>
+                <a:alpha val="60000"/>
               </a:srgbClr>
             </a:outerShdw>
           </a:effectLst>
@@ -5808,10 +6578,10 @@
             <a:camera prst="orthographicFront">
               <a:rot lat="0" lon="0" rev="0"/>
             </a:camera>
-            <a:lightRig rig="threePt" dir="t"/>
+            <a:lightRig rig="threePt" dir="tl"/>
           </a:scene3d>
           <a:sp3d prstMaterial="plastic">
-            <a:bevelT w="25400" h="25400"/>
+            <a:bevelT w="0" h="0"/>
           </a:sp3d>
         </a:effectStyle>
       </a:effectStyleLst>
@@ -5821,46 +6591,47 @@
         </a:solidFill>
         <a:gradFill rotWithShape="1">
           <a:gsLst>
-            <a:gs pos="10000">
+            <a:gs pos="0">
               <a:schemeClr val="phClr">
                 <a:tint val="97000"/>
-                <a:hueMod val="92000"/>
-                <a:satMod val="169000"/>
-                <a:lumMod val="164000"/>
+                <a:hueMod val="88000"/>
+                <a:satMod val="130000"/>
+                <a:lumMod val="124000"/>
               </a:schemeClr>
             </a:gs>
             <a:gs pos="100000">
               <a:schemeClr val="phClr">
-                <a:shade val="96000"/>
-                <a:satMod val="120000"/>
-                <a:lumMod val="90000"/>
-              </a:schemeClr>
-            </a:gs>
-          </a:gsLst>
-          <a:lin ang="6120000" scaled="1"/>
-        </a:gradFill>
-        <a:gradFill rotWithShape="1">
-          <a:gsLst>
-            <a:gs pos="0">
-              <a:schemeClr val="phClr">
-                <a:tint val="97000"/>
-                <a:hueMod val="92000"/>
-                <a:satMod val="169000"/>
-                <a:lumMod val="164000"/>
-              </a:schemeClr>
-            </a:gs>
-            <a:gs pos="100000">
-              <a:schemeClr val="phClr">
-                <a:shade val="96000"/>
-                <a:satMod val="120000"/>
-                <a:lumMod val="90000"/>
+                <a:tint val="96000"/>
+                <a:shade val="88000"/>
+                <a:hueMod val="108000"/>
+                <a:satMod val="164000"/>
+                <a:lumMod val="76000"/>
               </a:schemeClr>
             </a:gs>
           </a:gsLst>
           <a:path path="circle">
-            <a:fillToRect b="100000"/>
+            <a:fillToRect l="45000" t="65000" r="125000" b="100000"/>
           </a:path>
         </a:gradFill>
+        <a:blipFill rotWithShape="1">
+          <a:blip xmlns:r="http://schemas.openxmlformats.org/officeDocument/2006/relationships" r:embed="rId1">
+            <a:duotone>
+              <a:schemeClr val="phClr">
+                <a:shade val="69000"/>
+                <a:hueMod val="108000"/>
+                <a:satMod val="164000"/>
+                <a:lumMod val="74000"/>
+              </a:schemeClr>
+              <a:schemeClr val="phClr">
+                <a:tint val="96000"/>
+                <a:hueMod val="88000"/>
+                <a:satMod val="140000"/>
+                <a:lumMod val="132000"/>
+              </a:schemeClr>
+            </a:duotone>
+          </a:blip>
+          <a:stretch/>
+        </a:blipFill>
       </a:bgFillStyleLst>
     </a:fmtScheme>
   </a:themeElements>
@@ -5868,7 +6639,7 @@
   <a:extraClrSchemeLst/>
   <a:extLst>
     <a:ext uri="{05A4C25C-085E-4340-85A3-A5531E510DB2}">
-      <thm15:themeFamily xmlns:thm15="http://schemas.microsoft.com/office/thememl/2012/main" name="Slice" id="{0507925B-6AC9-4358-8E18-C330545D08F8}" vid="{13FEC7C6-62A9-40C4-99D2-581AACACAA2F}"/>
+      <thm15:themeFamily xmlns:thm15="http://schemas.microsoft.com/office/thememl/2012/main" name="Ion" id="{B8441ADB-2E43-4AF7-B97A-BD870242C6A8}" vid="{292E63A9-BB86-4E3D-B92A-7223C6510D2E}"/>
     </a:ext>
   </a:extLst>
 </a:theme>

--- a/Nirmalan sir/software architect.pptx
+++ b/Nirmalan sir/software architect.pptx
@@ -4,10 +4,15 @@
   <p:sldMasterIdLst>
     <p:sldMasterId id="2147483708" r:id="rId1"/>
   </p:sldMasterIdLst>
+  <p:notesMasterIdLst>
+    <p:notesMasterId r:id="rId7"/>
+  </p:notesMasterIdLst>
   <p:sldIdLst>
     <p:sldId id="256" r:id="rId2"/>
     <p:sldId id="258" r:id="rId3"/>
     <p:sldId id="259" r:id="rId4"/>
+    <p:sldId id="260" r:id="rId5"/>
+    <p:sldId id="261" r:id="rId6"/>
   </p:sldIdLst>
   <p:sldSz cx="12192000" cy="6858000"/>
   <p:notesSz cx="6858000" cy="9144000"/>
@@ -124,6 +129,355 @@
     </p:extLst>
   </p:cmAuthor>
 </p:cmAuthorLst>
+</file>
+
+<file path=ppt/notesMasters/notesMaster1.xml><?xml version="1.0" encoding="utf-8"?>
+<p:notesMaster xmlns:a="http://schemas.openxmlformats.org/drawingml/2006/main" xmlns:r="http://schemas.openxmlformats.org/officeDocument/2006/relationships" xmlns:p="http://schemas.openxmlformats.org/presentationml/2006/main">
+  <p:cSld>
+    <p:bg>
+      <p:bgRef idx="1001">
+        <a:schemeClr val="bg1"/>
+      </p:bgRef>
+    </p:bg>
+    <p:spTree>
+      <p:nvGrpSpPr>
+        <p:cNvPr id="1" name=""/>
+        <p:cNvGrpSpPr/>
+        <p:nvPr/>
+      </p:nvGrpSpPr>
+      <p:grpSpPr>
+        <a:xfrm>
+          <a:off x="0" y="0"/>
+          <a:ext cx="0" cy="0"/>
+          <a:chOff x="0" y="0"/>
+          <a:chExt cx="0" cy="0"/>
+        </a:xfrm>
+      </p:grpSpPr>
+      <p:sp>
+        <p:nvSpPr>
+          <p:cNvPr id="2" name="Header Placeholder 1"/>
+          <p:cNvSpPr>
+            <a:spLocks noGrp="1"/>
+          </p:cNvSpPr>
+          <p:nvPr>
+            <p:ph type="hdr" sz="quarter"/>
+          </p:nvPr>
+        </p:nvSpPr>
+        <p:spPr>
+          <a:xfrm>
+            <a:off x="0" y="0"/>
+            <a:ext cx="2971800" cy="458788"/>
+          </a:xfrm>
+          <a:prstGeom prst="rect">
+            <a:avLst/>
+          </a:prstGeom>
+        </p:spPr>
+        <p:txBody>
+          <a:bodyPr vert="horz" lIns="91440" tIns="45720" rIns="91440" bIns="45720" rtlCol="0"/>
+          <a:lstStyle>
+            <a:lvl1pPr algn="l">
+              <a:defRPr sz="1200"/>
+            </a:lvl1pPr>
+          </a:lstStyle>
+          <a:p>
+            <a:endParaRPr lang="en-US"/>
+          </a:p>
+        </p:txBody>
+      </p:sp>
+      <p:sp>
+        <p:nvSpPr>
+          <p:cNvPr id="3" name="Date Placeholder 2"/>
+          <p:cNvSpPr>
+            <a:spLocks noGrp="1"/>
+          </p:cNvSpPr>
+          <p:nvPr>
+            <p:ph type="dt" idx="1"/>
+          </p:nvPr>
+        </p:nvSpPr>
+        <p:spPr>
+          <a:xfrm>
+            <a:off x="3884613" y="0"/>
+            <a:ext cx="2971800" cy="458788"/>
+          </a:xfrm>
+          <a:prstGeom prst="rect">
+            <a:avLst/>
+          </a:prstGeom>
+        </p:spPr>
+        <p:txBody>
+          <a:bodyPr vert="horz" lIns="91440" tIns="45720" rIns="91440" bIns="45720" rtlCol="0"/>
+          <a:lstStyle>
+            <a:lvl1pPr algn="r">
+              <a:defRPr sz="1200"/>
+            </a:lvl1pPr>
+          </a:lstStyle>
+          <a:p>
+            <a:fld id="{04776AFE-7CFA-45A4-ACC9-8F46C5553D02}" type="datetimeFigureOut">
+              <a:rPr lang="en-US" smtClean="0"/>
+              <a:t>7/18/2024</a:t>
+            </a:fld>
+            <a:endParaRPr lang="en-US"/>
+          </a:p>
+        </p:txBody>
+      </p:sp>
+      <p:sp>
+        <p:nvSpPr>
+          <p:cNvPr id="4" name="Slide Image Placeholder 3"/>
+          <p:cNvSpPr>
+            <a:spLocks noGrp="1" noRot="1" noChangeAspect="1"/>
+          </p:cNvSpPr>
+          <p:nvPr>
+            <p:ph type="sldImg" idx="2"/>
+          </p:nvPr>
+        </p:nvSpPr>
+        <p:spPr>
+          <a:xfrm>
+            <a:off x="685800" y="1143000"/>
+            <a:ext cx="5486400" cy="3086100"/>
+          </a:xfrm>
+          <a:prstGeom prst="rect">
+            <a:avLst/>
+          </a:prstGeom>
+          <a:noFill/>
+          <a:ln w="12700">
+            <a:solidFill>
+              <a:prstClr val="black"/>
+            </a:solidFill>
+          </a:ln>
+        </p:spPr>
+        <p:txBody>
+          <a:bodyPr vert="horz" lIns="91440" tIns="45720" rIns="91440" bIns="45720" rtlCol="0" anchor="ctr"/>
+          <a:lstStyle/>
+          <a:p>
+            <a:endParaRPr lang="en-US"/>
+          </a:p>
+        </p:txBody>
+      </p:sp>
+      <p:sp>
+        <p:nvSpPr>
+          <p:cNvPr id="5" name="Notes Placeholder 4"/>
+          <p:cNvSpPr>
+            <a:spLocks noGrp="1"/>
+          </p:cNvSpPr>
+          <p:nvPr>
+            <p:ph type="body" sz="quarter" idx="3"/>
+          </p:nvPr>
+        </p:nvSpPr>
+        <p:spPr>
+          <a:xfrm>
+            <a:off x="685800" y="4400550"/>
+            <a:ext cx="5486400" cy="3600450"/>
+          </a:xfrm>
+          <a:prstGeom prst="rect">
+            <a:avLst/>
+          </a:prstGeom>
+        </p:spPr>
+        <p:txBody>
+          <a:bodyPr vert="horz" lIns="91440" tIns="45720" rIns="91440" bIns="45720" rtlCol="0"/>
+          <a:lstStyle/>
+          <a:p>
+            <a:pPr lvl="0"/>
+            <a:r>
+              <a:rPr lang="en-US"/>
+              <a:t>Click to edit Master text styles</a:t>
+            </a:r>
+          </a:p>
+          <a:p>
+            <a:pPr lvl="1"/>
+            <a:r>
+              <a:rPr lang="en-US"/>
+              <a:t>Second level</a:t>
+            </a:r>
+          </a:p>
+          <a:p>
+            <a:pPr lvl="2"/>
+            <a:r>
+              <a:rPr lang="en-US"/>
+              <a:t>Third level</a:t>
+            </a:r>
+          </a:p>
+          <a:p>
+            <a:pPr lvl="3"/>
+            <a:r>
+              <a:rPr lang="en-US"/>
+              <a:t>Fourth level</a:t>
+            </a:r>
+          </a:p>
+          <a:p>
+            <a:pPr lvl="4"/>
+            <a:r>
+              <a:rPr lang="en-US"/>
+              <a:t>Fifth level</a:t>
+            </a:r>
+          </a:p>
+        </p:txBody>
+      </p:sp>
+      <p:sp>
+        <p:nvSpPr>
+          <p:cNvPr id="6" name="Footer Placeholder 5"/>
+          <p:cNvSpPr>
+            <a:spLocks noGrp="1"/>
+          </p:cNvSpPr>
+          <p:nvPr>
+            <p:ph type="ftr" sz="quarter" idx="4"/>
+          </p:nvPr>
+        </p:nvSpPr>
+        <p:spPr>
+          <a:xfrm>
+            <a:off x="0" y="8685213"/>
+            <a:ext cx="2971800" cy="458787"/>
+          </a:xfrm>
+          <a:prstGeom prst="rect">
+            <a:avLst/>
+          </a:prstGeom>
+        </p:spPr>
+        <p:txBody>
+          <a:bodyPr vert="horz" lIns="91440" tIns="45720" rIns="91440" bIns="45720" rtlCol="0" anchor="b"/>
+          <a:lstStyle>
+            <a:lvl1pPr algn="l">
+              <a:defRPr sz="1200"/>
+            </a:lvl1pPr>
+          </a:lstStyle>
+          <a:p>
+            <a:endParaRPr lang="en-US"/>
+          </a:p>
+        </p:txBody>
+      </p:sp>
+      <p:sp>
+        <p:nvSpPr>
+          <p:cNvPr id="7" name="Slide Number Placeholder 6"/>
+          <p:cNvSpPr>
+            <a:spLocks noGrp="1"/>
+          </p:cNvSpPr>
+          <p:nvPr>
+            <p:ph type="sldNum" sz="quarter" idx="5"/>
+          </p:nvPr>
+        </p:nvSpPr>
+        <p:spPr>
+          <a:xfrm>
+            <a:off x="3884613" y="8685213"/>
+            <a:ext cx="2971800" cy="458787"/>
+          </a:xfrm>
+          <a:prstGeom prst="rect">
+            <a:avLst/>
+          </a:prstGeom>
+        </p:spPr>
+        <p:txBody>
+          <a:bodyPr vert="horz" lIns="91440" tIns="45720" rIns="91440" bIns="45720" rtlCol="0" anchor="b"/>
+          <a:lstStyle>
+            <a:lvl1pPr algn="r">
+              <a:defRPr sz="1200"/>
+            </a:lvl1pPr>
+          </a:lstStyle>
+          <a:p>
+            <a:fld id="{EE81F784-F132-43FD-9340-A9B922141065}" type="slidenum">
+              <a:rPr lang="en-US" smtClean="0"/>
+              <a:t>‹#›</a:t>
+            </a:fld>
+            <a:endParaRPr lang="en-US"/>
+          </a:p>
+        </p:txBody>
+      </p:sp>
+    </p:spTree>
+    <p:extLst>
+      <p:ext uri="{BB962C8B-B14F-4D97-AF65-F5344CB8AC3E}">
+        <p14:creationId xmlns:p14="http://schemas.microsoft.com/office/powerpoint/2010/main" val="4020322659"/>
+      </p:ext>
+    </p:extLst>
+  </p:cSld>
+  <p:clrMap bg1="lt1" tx1="dk1" bg2="lt2" tx2="dk2" accent1="accent1" accent2="accent2" accent3="accent3" accent4="accent4" accent5="accent5" accent6="accent6" hlink="hlink" folHlink="folHlink"/>
+  <p:notesStyle>
+    <a:lvl1pPr marL="0" algn="l" defTabSz="914400" rtl="0" eaLnBrk="1" latinLnBrk="0" hangingPunct="1">
+      <a:defRPr sz="1200" kern="1200">
+        <a:solidFill>
+          <a:schemeClr val="tx1"/>
+        </a:solidFill>
+        <a:latin typeface="+mn-lt"/>
+        <a:ea typeface="+mn-ea"/>
+        <a:cs typeface="+mn-cs"/>
+      </a:defRPr>
+    </a:lvl1pPr>
+    <a:lvl2pPr marL="457200" algn="l" defTabSz="914400" rtl="0" eaLnBrk="1" latinLnBrk="0" hangingPunct="1">
+      <a:defRPr sz="1200" kern="1200">
+        <a:solidFill>
+          <a:schemeClr val="tx1"/>
+        </a:solidFill>
+        <a:latin typeface="+mn-lt"/>
+        <a:ea typeface="+mn-ea"/>
+        <a:cs typeface="+mn-cs"/>
+      </a:defRPr>
+    </a:lvl2pPr>
+    <a:lvl3pPr marL="914400" algn="l" defTabSz="914400" rtl="0" eaLnBrk="1" latinLnBrk="0" hangingPunct="1">
+      <a:defRPr sz="1200" kern="1200">
+        <a:solidFill>
+          <a:schemeClr val="tx1"/>
+        </a:solidFill>
+        <a:latin typeface="+mn-lt"/>
+        <a:ea typeface="+mn-ea"/>
+        <a:cs typeface="+mn-cs"/>
+      </a:defRPr>
+    </a:lvl3pPr>
+    <a:lvl4pPr marL="1371600" algn="l" defTabSz="914400" rtl="0" eaLnBrk="1" latinLnBrk="0" hangingPunct="1">
+      <a:defRPr sz="1200" kern="1200">
+        <a:solidFill>
+          <a:schemeClr val="tx1"/>
+        </a:solidFill>
+        <a:latin typeface="+mn-lt"/>
+        <a:ea typeface="+mn-ea"/>
+        <a:cs typeface="+mn-cs"/>
+      </a:defRPr>
+    </a:lvl4pPr>
+    <a:lvl5pPr marL="1828800" algn="l" defTabSz="914400" rtl="0" eaLnBrk="1" latinLnBrk="0" hangingPunct="1">
+      <a:defRPr sz="1200" kern="1200">
+        <a:solidFill>
+          <a:schemeClr val="tx1"/>
+        </a:solidFill>
+        <a:latin typeface="+mn-lt"/>
+        <a:ea typeface="+mn-ea"/>
+        <a:cs typeface="+mn-cs"/>
+      </a:defRPr>
+    </a:lvl5pPr>
+    <a:lvl6pPr marL="2286000" algn="l" defTabSz="914400" rtl="0" eaLnBrk="1" latinLnBrk="0" hangingPunct="1">
+      <a:defRPr sz="1200" kern="1200">
+        <a:solidFill>
+          <a:schemeClr val="tx1"/>
+        </a:solidFill>
+        <a:latin typeface="+mn-lt"/>
+        <a:ea typeface="+mn-ea"/>
+        <a:cs typeface="+mn-cs"/>
+      </a:defRPr>
+    </a:lvl6pPr>
+    <a:lvl7pPr marL="2743200" algn="l" defTabSz="914400" rtl="0" eaLnBrk="1" latinLnBrk="0" hangingPunct="1">
+      <a:defRPr sz="1200" kern="1200">
+        <a:solidFill>
+          <a:schemeClr val="tx1"/>
+        </a:solidFill>
+        <a:latin typeface="+mn-lt"/>
+        <a:ea typeface="+mn-ea"/>
+        <a:cs typeface="+mn-cs"/>
+      </a:defRPr>
+    </a:lvl7pPr>
+    <a:lvl8pPr marL="3200400" algn="l" defTabSz="914400" rtl="0" eaLnBrk="1" latinLnBrk="0" hangingPunct="1">
+      <a:defRPr sz="1200" kern="1200">
+        <a:solidFill>
+          <a:schemeClr val="tx1"/>
+        </a:solidFill>
+        <a:latin typeface="+mn-lt"/>
+        <a:ea typeface="+mn-ea"/>
+        <a:cs typeface="+mn-cs"/>
+      </a:defRPr>
+    </a:lvl8pPr>
+    <a:lvl9pPr marL="3657600" algn="l" defTabSz="914400" rtl="0" eaLnBrk="1" latinLnBrk="0" hangingPunct="1">
+      <a:defRPr sz="1200" kern="1200">
+        <a:solidFill>
+          <a:schemeClr val="tx1"/>
+        </a:solidFill>
+        <a:latin typeface="+mn-lt"/>
+        <a:ea typeface="+mn-ea"/>
+        <a:cs typeface="+mn-cs"/>
+      </a:defRPr>
+    </a:lvl9pPr>
+  </p:notesStyle>
+</p:notesMaster>
 </file>
 
 <file path=ppt/slideLayouts/slideLayout1.xml><?xml version="1.0" encoding="utf-8"?>
@@ -6129,8 +6483,12 @@
           <a:lstStyle/>
           <a:p>
             <a:r>
+              <a:rPr lang="en-US" dirty="0"/>
+              <a:t>S</a:t>
+            </a:r>
+            <a:r>
               <a:rPr lang="en-US" sz="7200" dirty="0"/>
-              <a:t>software architect</a:t>
+              <a:t>oftware Architect</a:t>
             </a:r>
           </a:p>
         </p:txBody>
@@ -6208,12 +6566,14 @@
         </p:nvSpPr>
         <p:spPr>
           <a:xfrm>
-            <a:off x="785825" y="658609"/>
-            <a:ext cx="9784080" cy="5832026"/>
+            <a:off x="785825" y="1730944"/>
+            <a:ext cx="9784080" cy="4485372"/>
           </a:xfrm>
         </p:spPr>
         <p:txBody>
-          <a:bodyPr/>
+          <a:bodyPr>
+            <a:normAutofit lnSpcReduction="10000"/>
+          </a:bodyPr>
           <a:lstStyle/>
           <a:p>
             <a:r>
@@ -6250,6 +6610,41 @@
           </a:p>
           <a:p>
             <a:endParaRPr lang="en-US" dirty="0"/>
+          </a:p>
+        </p:txBody>
+      </p:sp>
+      <p:sp>
+        <p:nvSpPr>
+          <p:cNvPr id="2" name="TextBox 1">
+            <a:extLst>
+              <a:ext uri="{FF2B5EF4-FFF2-40B4-BE49-F238E27FC236}">
+                <a16:creationId xmlns:a16="http://schemas.microsoft.com/office/drawing/2014/main" id="{668F6B38-C5F7-C090-9593-202FC1CF5F40}"/>
+              </a:ext>
+            </a:extLst>
+          </p:cNvPr>
+          <p:cNvSpPr txBox="1"/>
+          <p:nvPr/>
+        </p:nvSpPr>
+        <p:spPr>
+          <a:xfrm>
+            <a:off x="785825" y="641684"/>
+            <a:ext cx="9017212" cy="584775"/>
+          </a:xfrm>
+          <a:prstGeom prst="rect">
+            <a:avLst/>
+          </a:prstGeom>
+          <a:noFill/>
+        </p:spPr>
+        <p:txBody>
+          <a:bodyPr wrap="none" rtlCol="0">
+            <a:spAutoFit/>
+          </a:bodyPr>
+          <a:lstStyle/>
+          <a:p>
+            <a:r>
+              <a:rPr lang="en-US" sz="3200" b="1" dirty="0"/>
+              <a:t>Duty and Responsibility of Software Architect</a:t>
+            </a:r>
           </a:p>
         </p:txBody>
       </p:sp>
@@ -6301,7 +6696,7 @@
         </p:nvSpPr>
         <p:spPr>
           <a:xfrm>
-            <a:off x="1202919" y="385894"/>
+            <a:off x="1203960" y="512987"/>
             <a:ext cx="9784080" cy="5832026"/>
           </a:xfrm>
         </p:spPr>
@@ -6370,6 +6765,448 @@
     <p:extLst>
       <p:ext uri="{BB962C8B-B14F-4D97-AF65-F5344CB8AC3E}">
         <p14:creationId xmlns:p14="http://schemas.microsoft.com/office/powerpoint/2010/main" val="101691103"/>
+      </p:ext>
+    </p:extLst>
+  </p:cSld>
+  <p:clrMapOvr>
+    <a:masterClrMapping/>
+  </p:clrMapOvr>
+</p:sld>
+</file>
+
+<file path=ppt/slides/slide4.xml><?xml version="1.0" encoding="utf-8"?>
+<p:sld xmlns:a="http://schemas.openxmlformats.org/drawingml/2006/main" xmlns:r="http://schemas.openxmlformats.org/officeDocument/2006/relationships" xmlns:p="http://schemas.openxmlformats.org/presentationml/2006/main">
+  <p:cSld>
+    <p:spTree>
+      <p:nvGrpSpPr>
+        <p:cNvPr id="1" name=""/>
+        <p:cNvGrpSpPr/>
+        <p:nvPr/>
+      </p:nvGrpSpPr>
+      <p:grpSpPr>
+        <a:xfrm>
+          <a:off x="0" y="0"/>
+          <a:ext cx="0" cy="0"/>
+          <a:chOff x="0" y="0"/>
+          <a:chExt cx="0" cy="0"/>
+        </a:xfrm>
+      </p:grpSpPr>
+      <p:sp>
+        <p:nvSpPr>
+          <p:cNvPr id="2" name="Title 1">
+            <a:extLst>
+              <a:ext uri="{FF2B5EF4-FFF2-40B4-BE49-F238E27FC236}">
+                <a16:creationId xmlns:a16="http://schemas.microsoft.com/office/drawing/2014/main" id="{5FDD9A5E-963E-E11B-0A69-7E08737CA543}"/>
+              </a:ext>
+            </a:extLst>
+          </p:cNvPr>
+          <p:cNvSpPr>
+            <a:spLocks noGrp="1"/>
+          </p:cNvSpPr>
+          <p:nvPr>
+            <p:ph type="title"/>
+          </p:nvPr>
+        </p:nvSpPr>
+        <p:spPr>
+          <a:xfrm>
+            <a:off x="3371055" y="388550"/>
+            <a:ext cx="5449889" cy="766482"/>
+          </a:xfrm>
+        </p:spPr>
+        <p:txBody>
+          <a:bodyPr/>
+          <a:lstStyle/>
+          <a:p>
+            <a:r>
+              <a:rPr lang="en-US" sz="3200" b="1" dirty="0"/>
+              <a:t>Role of Software Architect</a:t>
+            </a:r>
+          </a:p>
+        </p:txBody>
+      </p:sp>
+      <p:sp>
+        <p:nvSpPr>
+          <p:cNvPr id="4" name="Rectangle 1">
+            <a:extLst>
+              <a:ext uri="{FF2B5EF4-FFF2-40B4-BE49-F238E27FC236}">
+                <a16:creationId xmlns:a16="http://schemas.microsoft.com/office/drawing/2014/main" id="{36A331D7-7393-F7AB-E016-A3BC97ABDE3C}"/>
+              </a:ext>
+            </a:extLst>
+          </p:cNvPr>
+          <p:cNvSpPr>
+            <a:spLocks noGrp="1" noChangeArrowheads="1"/>
+          </p:cNvSpPr>
+          <p:nvPr>
+            <p:ph idx="1"/>
+          </p:nvPr>
+        </p:nvSpPr>
+        <p:spPr bwMode="auto">
+          <a:xfrm>
+            <a:off x="786062" y="1382286"/>
+            <a:ext cx="10619874" cy="4093428"/>
+          </a:xfrm>
+          <a:prstGeom prst="rect">
+            <a:avLst/>
+          </a:prstGeom>
+          <a:noFill/>
+          <a:ln>
+            <a:noFill/>
+          </a:ln>
+          <a:effectLst/>
+          <a:extLst>
+            <a:ext uri="{909E8E84-426E-40DD-AFC4-6F175D3DCCD1}">
+              <a14:hiddenFill xmlns:a14="http://schemas.microsoft.com/office/drawing/2010/main">
+                <a:solidFill>
+                  <a:schemeClr val="accent1"/>
+                </a:solidFill>
+              </a14:hiddenFill>
+            </a:ext>
+            <a:ext uri="{91240B29-F687-4F45-9708-019B960494DF}">
+              <a14:hiddenLine xmlns:a14="http://schemas.microsoft.com/office/drawing/2010/main" w="9525">
+                <a:solidFill>
+                  <a:schemeClr val="tx1"/>
+                </a:solidFill>
+                <a:miter lim="800000"/>
+                <a:headEnd/>
+                <a:tailEnd/>
+              </a14:hiddenLine>
+            </a:ext>
+            <a:ext uri="{AF507438-7753-43E0-B8FC-AC1667EBCBE1}">
+              <a14:hiddenEffects xmlns:a14="http://schemas.microsoft.com/office/drawing/2010/main">
+                <a:effectLst>
+                  <a:outerShdw dist="35921" dir="2700000" algn="ctr" rotWithShape="0">
+                    <a:schemeClr val="bg2"/>
+                  </a:outerShdw>
+                </a:effectLst>
+              </a14:hiddenEffects>
+            </a:ext>
+          </a:extLst>
+        </p:spPr>
+        <p:txBody>
+          <a:bodyPr vert="horz" wrap="square" lIns="91440" tIns="45720" rIns="91440" bIns="45720" numCol="1" anchor="ctr" anchorCtr="0" compatLnSpc="1">
+            <a:prstTxWarp prst="textNoShape">
+              <a:avLst/>
+            </a:prstTxWarp>
+            <a:spAutoFit/>
+          </a:bodyPr>
+          <a:lstStyle/>
+          <a:p>
+            <a:pPr marL="0" marR="0" lvl="0" indent="0" algn="l" defTabSz="914400" rtl="0" eaLnBrk="0" fontAlgn="base" latinLnBrk="0" hangingPunct="0">
+              <a:lnSpc>
+                <a:spcPct val="100000"/>
+              </a:lnSpc>
+              <a:spcBef>
+                <a:spcPct val="0"/>
+              </a:spcBef>
+              <a:spcAft>
+                <a:spcPct val="0"/>
+              </a:spcAft>
+              <a:buClrTx/>
+              <a:buSzTx/>
+              <a:buFontTx/>
+              <a:buChar char="•"/>
+              <a:tabLst/>
+            </a:pPr>
+            <a:r>
+              <a:rPr lang="en-US" b="1" dirty="0"/>
+              <a:t>Technical leader:</a:t>
+            </a:r>
+            <a:r>
+              <a:rPr lang="en-US" dirty="0"/>
+              <a:t> A software architect provides technical leadership to the development team</a:t>
+            </a:r>
+          </a:p>
+          <a:p>
+            <a:pPr marL="0" marR="0" lvl="0" indent="0" algn="l" defTabSz="914400" rtl="0" eaLnBrk="0" fontAlgn="base" latinLnBrk="0" hangingPunct="0">
+              <a:lnSpc>
+                <a:spcPct val="100000"/>
+              </a:lnSpc>
+              <a:spcBef>
+                <a:spcPct val="0"/>
+              </a:spcBef>
+              <a:spcAft>
+                <a:spcPct val="0"/>
+              </a:spcAft>
+              <a:buClrTx/>
+              <a:buSzTx/>
+              <a:buFontTx/>
+              <a:buChar char="•"/>
+              <a:tabLst/>
+            </a:pPr>
+            <a:r>
+              <a:rPr lang="en-US" b="1" dirty="0"/>
+              <a:t>System designer:</a:t>
+            </a:r>
+            <a:r>
+              <a:rPr lang="en-US" dirty="0"/>
+              <a:t> One of the primary roles of a software architect is to design the overall structure of the software system.</a:t>
+            </a:r>
+          </a:p>
+          <a:p>
+            <a:pPr marL="0" marR="0" lvl="0" indent="0" algn="l" defTabSz="914400" rtl="0" eaLnBrk="0" fontAlgn="base" latinLnBrk="0" hangingPunct="0">
+              <a:lnSpc>
+                <a:spcPct val="100000"/>
+              </a:lnSpc>
+              <a:spcBef>
+                <a:spcPct val="0"/>
+              </a:spcBef>
+              <a:spcAft>
+                <a:spcPct val="0"/>
+              </a:spcAft>
+              <a:buClrTx/>
+              <a:buSzTx/>
+              <a:buFontTx/>
+              <a:buChar char="•"/>
+              <a:tabLst/>
+            </a:pPr>
+            <a:r>
+              <a:rPr lang="en-US" b="1" dirty="0"/>
+              <a:t>Decision maker:</a:t>
+            </a:r>
+            <a:r>
+              <a:rPr lang="en-US" dirty="0"/>
+              <a:t> A software architect is responsible for making high-level design choices and setting technical standards for the project.</a:t>
+            </a:r>
+          </a:p>
+          <a:p>
+            <a:pPr marL="0" marR="0" lvl="0" indent="0" algn="l" defTabSz="914400" rtl="0" eaLnBrk="0" fontAlgn="base" latinLnBrk="0" hangingPunct="0">
+              <a:lnSpc>
+                <a:spcPct val="100000"/>
+              </a:lnSpc>
+              <a:spcBef>
+                <a:spcPct val="0"/>
+              </a:spcBef>
+              <a:spcAft>
+                <a:spcPct val="0"/>
+              </a:spcAft>
+              <a:buClrTx/>
+              <a:buSzTx/>
+              <a:buFontTx/>
+              <a:buChar char="•"/>
+              <a:tabLst/>
+            </a:pPr>
+            <a:r>
+              <a:rPr lang="en-US" b="1" dirty="0"/>
+              <a:t>Collaborator:</a:t>
+            </a:r>
+            <a:r>
+              <a:rPr lang="en-US" dirty="0"/>
+              <a:t> A software architect works closely with various stakeholders and software developers, to ensure that the software architecture aligns with the project's goals and requirements.</a:t>
+            </a:r>
+          </a:p>
+          <a:p>
+            <a:pPr marL="0" marR="0" lvl="0" indent="0" algn="l" defTabSz="914400" rtl="0" eaLnBrk="0" fontAlgn="base" latinLnBrk="0" hangingPunct="0">
+              <a:lnSpc>
+                <a:spcPct val="100000"/>
+              </a:lnSpc>
+              <a:spcBef>
+                <a:spcPct val="0"/>
+              </a:spcBef>
+              <a:spcAft>
+                <a:spcPct val="0"/>
+              </a:spcAft>
+              <a:buClrTx/>
+              <a:buSzTx/>
+              <a:buFontTx/>
+              <a:buChar char="•"/>
+              <a:tabLst/>
+            </a:pPr>
+            <a:r>
+              <a:rPr lang="en-US" b="1" dirty="0"/>
+              <a:t>Risk assessor:</a:t>
+            </a:r>
+            <a:r>
+              <a:rPr lang="en-US" dirty="0"/>
+              <a:t> Identifying and addressing potential technical risks and challenges is a crucial role of a software architect.</a:t>
+            </a:r>
+          </a:p>
+          <a:p>
+            <a:pPr marL="0" marR="0" lvl="0" indent="0" algn="l" defTabSz="914400" rtl="0" eaLnBrk="0" fontAlgn="base" latinLnBrk="0" hangingPunct="0">
+              <a:lnSpc>
+                <a:spcPct val="100000"/>
+              </a:lnSpc>
+              <a:spcBef>
+                <a:spcPct val="0"/>
+              </a:spcBef>
+              <a:spcAft>
+                <a:spcPct val="0"/>
+              </a:spcAft>
+              <a:buClrTx/>
+              <a:buSzTx/>
+              <a:buFontTx/>
+              <a:buChar char="•"/>
+              <a:tabLst/>
+            </a:pPr>
+            <a:r>
+              <a:rPr lang="en-US" b="1" dirty="0"/>
+              <a:t>Quality assurance advocate:</a:t>
+            </a:r>
+            <a:r>
+              <a:rPr lang="en-US" dirty="0"/>
+              <a:t> Ensuring the software system's quality is a software architect's key responsibility.</a:t>
+            </a:r>
+            <a:endParaRPr kumimoji="0" lang="en-US" altLang="en-US" b="0" i="0" u="none" strike="noStrike" cap="none" normalizeH="0" baseline="0" dirty="0">
+              <a:ln>
+                <a:noFill/>
+              </a:ln>
+              <a:solidFill>
+                <a:schemeClr val="tx1"/>
+              </a:solidFill>
+              <a:effectLst/>
+              <a:latin typeface="Arial" panose="020B0604020202020204" pitchFamily="34" charset="0"/>
+            </a:endParaRPr>
+          </a:p>
+        </p:txBody>
+      </p:sp>
+    </p:spTree>
+    <p:extLst>
+      <p:ext uri="{BB962C8B-B14F-4D97-AF65-F5344CB8AC3E}">
+        <p14:creationId xmlns:p14="http://schemas.microsoft.com/office/powerpoint/2010/main" val="94906770"/>
+      </p:ext>
+    </p:extLst>
+  </p:cSld>
+  <p:clrMapOvr>
+    <a:masterClrMapping/>
+  </p:clrMapOvr>
+</p:sld>
+</file>
+
+<file path=ppt/slides/slide5.xml><?xml version="1.0" encoding="utf-8"?>
+<p:sld xmlns:a="http://schemas.openxmlformats.org/drawingml/2006/main" xmlns:r="http://schemas.openxmlformats.org/officeDocument/2006/relationships" xmlns:p="http://schemas.openxmlformats.org/presentationml/2006/main">
+  <p:cSld>
+    <p:spTree>
+      <p:nvGrpSpPr>
+        <p:cNvPr id="1" name=""/>
+        <p:cNvGrpSpPr/>
+        <p:nvPr/>
+      </p:nvGrpSpPr>
+      <p:grpSpPr>
+        <a:xfrm>
+          <a:off x="0" y="0"/>
+          <a:ext cx="0" cy="0"/>
+          <a:chOff x="0" y="0"/>
+          <a:chExt cx="0" cy="0"/>
+        </a:xfrm>
+      </p:grpSpPr>
+      <p:sp>
+        <p:nvSpPr>
+          <p:cNvPr id="2" name="Title 1">
+            <a:extLst>
+              <a:ext uri="{FF2B5EF4-FFF2-40B4-BE49-F238E27FC236}">
+                <a16:creationId xmlns:a16="http://schemas.microsoft.com/office/drawing/2014/main" id="{E7997097-50BE-341E-2A65-83931769CCB3}"/>
+              </a:ext>
+            </a:extLst>
+          </p:cNvPr>
+          <p:cNvSpPr>
+            <a:spLocks noGrp="1"/>
+          </p:cNvSpPr>
+          <p:nvPr>
+            <p:ph type="title"/>
+          </p:nvPr>
+        </p:nvSpPr>
+        <p:spPr>
+          <a:xfrm>
+            <a:off x="2512803" y="163961"/>
+            <a:ext cx="7166394" cy="1400530"/>
+          </a:xfrm>
+        </p:spPr>
+        <p:txBody>
+          <a:bodyPr/>
+          <a:lstStyle/>
+          <a:p>
+            <a:r>
+              <a:rPr lang="en-US" sz="4400" b="1" dirty="0" err="1"/>
+              <a:t>TimeFrame</a:t>
+            </a:r>
+            <a:r>
+              <a:rPr lang="en-US" sz="4400" b="1" dirty="0"/>
+              <a:t> of Software Architect</a:t>
+            </a:r>
+            <a:endParaRPr lang="en-US" dirty="0"/>
+          </a:p>
+        </p:txBody>
+      </p:sp>
+      <p:sp>
+        <p:nvSpPr>
+          <p:cNvPr id="3" name="Content Placeholder 2">
+            <a:extLst>
+              <a:ext uri="{FF2B5EF4-FFF2-40B4-BE49-F238E27FC236}">
+                <a16:creationId xmlns:a16="http://schemas.microsoft.com/office/drawing/2014/main" id="{D71507F8-0A2F-796E-35D7-9687FF46917D}"/>
+              </a:ext>
+            </a:extLst>
+          </p:cNvPr>
+          <p:cNvSpPr>
+            <a:spLocks noGrp="1"/>
+          </p:cNvSpPr>
+          <p:nvPr>
+            <p:ph idx="1"/>
+          </p:nvPr>
+        </p:nvSpPr>
+        <p:spPr>
+          <a:xfrm>
+            <a:off x="1295817" y="1933460"/>
+            <a:ext cx="8946541" cy="4195481"/>
+          </a:xfrm>
+        </p:spPr>
+        <p:txBody>
+          <a:bodyPr/>
+          <a:lstStyle/>
+          <a:p>
+            <a:pPr marL="0" indent="0">
+              <a:buNone/>
+            </a:pPr>
+            <a:r>
+              <a:rPr lang="en-US" b="1" dirty="0"/>
+              <a:t>Prioritization</a:t>
+            </a:r>
+          </a:p>
+          <a:p>
+            <a:pPr marL="0" indent="0">
+              <a:buNone/>
+            </a:pPr>
+            <a:r>
+              <a:rPr lang="en-US" dirty="0"/>
+              <a:t>identify critical tasks :- Focus on tasks that are critical to the project’s success.</a:t>
+            </a:r>
+          </a:p>
+          <a:p>
+            <a:pPr marL="0" indent="0">
+              <a:buNone/>
+            </a:pPr>
+            <a:r>
+              <a:rPr lang="en-US" dirty="0"/>
+              <a:t>Allocate resources:- Ensure the right resources are available for </a:t>
+            </a:r>
+            <a:r>
+              <a:rPr lang="en-US" dirty="0" err="1"/>
+              <a:t>hight</a:t>
+            </a:r>
+            <a:r>
+              <a:rPr lang="en-US" dirty="0"/>
+              <a:t>-priority tasks.</a:t>
+            </a:r>
+          </a:p>
+          <a:p>
+            <a:pPr marL="0" indent="0">
+              <a:buNone/>
+            </a:pPr>
+            <a:r>
+              <a:rPr lang="en-US" dirty="0"/>
+              <a:t>Risks Management :- identify potential risks early and develop mitigation strategies.</a:t>
+            </a:r>
+          </a:p>
+          <a:p>
+            <a:pPr marL="0" indent="0">
+              <a:buNone/>
+            </a:pPr>
+            <a:endParaRPr lang="en-US" dirty="0"/>
+          </a:p>
+        </p:txBody>
+      </p:sp>
+    </p:spTree>
+    <p:extLst>
+      <p:ext uri="{BB962C8B-B14F-4D97-AF65-F5344CB8AC3E}">
+        <p14:creationId xmlns:p14="http://schemas.microsoft.com/office/powerpoint/2010/main" val="179524259"/>
       </p:ext>
     </p:extLst>
   </p:cSld>
@@ -6643,4 +7480,299 @@
     </a:ext>
   </a:extLst>
 </a:theme>
+</file>
+
+<file path=ppt/theme/theme2.xml><?xml version="1.0" encoding="utf-8"?>
+<a:theme xmlns:a="http://schemas.openxmlformats.org/drawingml/2006/main" name="Office Theme">
+  <a:themeElements>
+    <a:clrScheme name="Office">
+      <a:dk1>
+        <a:sysClr val="windowText" lastClr="000000"/>
+      </a:dk1>
+      <a:lt1>
+        <a:sysClr val="window" lastClr="FFFFFF"/>
+      </a:lt1>
+      <a:dk2>
+        <a:srgbClr val="44546A"/>
+      </a:dk2>
+      <a:lt2>
+        <a:srgbClr val="E7E6E6"/>
+      </a:lt2>
+      <a:accent1>
+        <a:srgbClr val="4472C4"/>
+      </a:accent1>
+      <a:accent2>
+        <a:srgbClr val="ED7D31"/>
+      </a:accent2>
+      <a:accent3>
+        <a:srgbClr val="A5A5A5"/>
+      </a:accent3>
+      <a:accent4>
+        <a:srgbClr val="FFC000"/>
+      </a:accent4>
+      <a:accent5>
+        <a:srgbClr val="5B9BD5"/>
+      </a:accent5>
+      <a:accent6>
+        <a:srgbClr val="70AD47"/>
+      </a:accent6>
+      <a:hlink>
+        <a:srgbClr val="0563C1"/>
+      </a:hlink>
+      <a:folHlink>
+        <a:srgbClr val="954F72"/>
+      </a:folHlink>
+    </a:clrScheme>
+    <a:fontScheme name="Office">
+      <a:majorFont>
+        <a:latin typeface="Calibri Light" panose="020F0302020204030204"/>
+        <a:ea typeface=""/>
+        <a:cs typeface=""/>
+        <a:font script="Jpan" typeface="游ゴシック Light"/>
+        <a:font script="Hang" typeface="맑은 고딕"/>
+        <a:font script="Hans" typeface="等线 Light"/>
+        <a:font script="Hant" typeface="新細明體"/>
+        <a:font script="Arab" typeface="Times New Roman"/>
+        <a:font script="Hebr" typeface="Times New Roman"/>
+        <a:font script="Thai" typeface="Angsana New"/>
+        <a:font script="Ethi" typeface="Nyala"/>
+        <a:font script="Beng" typeface="Vrinda"/>
+        <a:font script="Gujr" typeface="Shruti"/>
+        <a:font script="Khmr" typeface="MoolBoran"/>
+        <a:font script="Knda" typeface="Tunga"/>
+        <a:font script="Guru" typeface="Raavi"/>
+        <a:font script="Cans" typeface="Euphemia"/>
+        <a:font script="Cher" typeface="Plantagenet Cherokee"/>
+        <a:font script="Yiii" typeface="Microsoft Yi Baiti"/>
+        <a:font script="Tibt" typeface="Microsoft Himalaya"/>
+        <a:font script="Thaa" typeface="MV Boli"/>
+        <a:font script="Deva" typeface="Mangal"/>
+        <a:font script="Telu" typeface="Gautami"/>
+        <a:font script="Taml" typeface="Latha"/>
+        <a:font script="Syrc" typeface="Estrangelo Edessa"/>
+        <a:font script="Orya" typeface="Kalinga"/>
+        <a:font script="Mlym" typeface="Kartika"/>
+        <a:font script="Laoo" typeface="DokChampa"/>
+        <a:font script="Sinh" typeface="Iskoola Pota"/>
+        <a:font script="Mong" typeface="Mongolian Baiti"/>
+        <a:font script="Viet" typeface="Times New Roman"/>
+        <a:font script="Uigh" typeface="Microsoft Uighur"/>
+        <a:font script="Geor" typeface="Sylfaen"/>
+        <a:font script="Armn" typeface="Arial"/>
+        <a:font script="Bugi" typeface="Leelawadee UI"/>
+        <a:font script="Bopo" typeface="Microsoft JhengHei"/>
+        <a:font script="Java" typeface="Javanese Text"/>
+        <a:font script="Lisu" typeface="Segoe UI"/>
+        <a:font script="Mymr" typeface="Myanmar Text"/>
+        <a:font script="Nkoo" typeface="Ebrima"/>
+        <a:font script="Olck" typeface="Nirmala UI"/>
+        <a:font script="Osma" typeface="Ebrima"/>
+        <a:font script="Phag" typeface="Phagspa"/>
+        <a:font script="Syrn" typeface="Estrangelo Edessa"/>
+        <a:font script="Syrj" typeface="Estrangelo Edessa"/>
+        <a:font script="Syre" typeface="Estrangelo Edessa"/>
+        <a:font script="Sora" typeface="Nirmala UI"/>
+        <a:font script="Tale" typeface="Microsoft Tai Le"/>
+        <a:font script="Talu" typeface="Microsoft New Tai Lue"/>
+        <a:font script="Tfng" typeface="Ebrima"/>
+      </a:majorFont>
+      <a:minorFont>
+        <a:latin typeface="Calibri" panose="020F0502020204030204"/>
+        <a:ea typeface=""/>
+        <a:cs typeface=""/>
+        <a:font script="Jpan" typeface="游ゴシック"/>
+        <a:font script="Hang" typeface="맑은 고딕"/>
+        <a:font script="Hans" typeface="等线"/>
+        <a:font script="Hant" typeface="新細明體"/>
+        <a:font script="Arab" typeface="Arial"/>
+        <a:font script="Hebr" typeface="Arial"/>
+        <a:font script="Thai" typeface="Cordia New"/>
+        <a:font script="Ethi" typeface="Nyala"/>
+        <a:font script="Beng" typeface="Vrinda"/>
+        <a:font script="Gujr" typeface="Shruti"/>
+        <a:font script="Khmr" typeface="DaunPenh"/>
+        <a:font script="Knda" typeface="Tunga"/>
+        <a:font script="Guru" typeface="Raavi"/>
+        <a:font script="Cans" typeface="Euphemia"/>
+        <a:font script="Cher" typeface="Plantagenet Cherokee"/>
+        <a:font script="Yiii" typeface="Microsoft Yi Baiti"/>
+        <a:font script="Tibt" typeface="Microsoft Himalaya"/>
+        <a:font script="Thaa" typeface="MV Boli"/>
+        <a:font script="Deva" typeface="Mangal"/>
+        <a:font script="Telu" typeface="Gautami"/>
+        <a:font script="Taml" typeface="Latha"/>
+        <a:font script="Syrc" typeface="Estrangelo Edessa"/>
+        <a:font script="Orya" typeface="Kalinga"/>
+        <a:font script="Mlym" typeface="Kartika"/>
+        <a:font script="Laoo" typeface="DokChampa"/>
+        <a:font script="Sinh" typeface="Iskoola Pota"/>
+        <a:font script="Mong" typeface="Mongolian Baiti"/>
+        <a:font script="Viet" typeface="Arial"/>
+        <a:font script="Uigh" typeface="Microsoft Uighur"/>
+        <a:font script="Geor" typeface="Sylfaen"/>
+        <a:font script="Armn" typeface="Arial"/>
+        <a:font script="Bugi" typeface="Leelawadee UI"/>
+        <a:font script="Bopo" typeface="Microsoft JhengHei"/>
+        <a:font script="Java" typeface="Javanese Text"/>
+        <a:font script="Lisu" typeface="Segoe UI"/>
+        <a:font script="Mymr" typeface="Myanmar Text"/>
+        <a:font script="Nkoo" typeface="Ebrima"/>
+        <a:font script="Olck" typeface="Nirmala UI"/>
+        <a:font script="Osma" typeface="Ebrima"/>
+        <a:font script="Phag" typeface="Phagspa"/>
+        <a:font script="Syrn" typeface="Estrangelo Edessa"/>
+        <a:font script="Syrj" typeface="Estrangelo Edessa"/>
+        <a:font script="Syre" typeface="Estrangelo Edessa"/>
+        <a:font script="Sora" typeface="Nirmala UI"/>
+        <a:font script="Tale" typeface="Microsoft Tai Le"/>
+        <a:font script="Talu" typeface="Microsoft New Tai Lue"/>
+        <a:font script="Tfng" typeface="Ebrima"/>
+      </a:minorFont>
+    </a:fontScheme>
+    <a:fmtScheme name="Office">
+      <a:fillStyleLst>
+        <a:solidFill>
+          <a:schemeClr val="phClr"/>
+        </a:solidFill>
+        <a:gradFill rotWithShape="1">
+          <a:gsLst>
+            <a:gs pos="0">
+              <a:schemeClr val="phClr">
+                <a:lumMod val="110000"/>
+                <a:satMod val="105000"/>
+                <a:tint val="67000"/>
+              </a:schemeClr>
+            </a:gs>
+            <a:gs pos="50000">
+              <a:schemeClr val="phClr">
+                <a:lumMod val="105000"/>
+                <a:satMod val="103000"/>
+                <a:tint val="73000"/>
+              </a:schemeClr>
+            </a:gs>
+            <a:gs pos="100000">
+              <a:schemeClr val="phClr">
+                <a:lumMod val="105000"/>
+                <a:satMod val="109000"/>
+                <a:tint val="81000"/>
+              </a:schemeClr>
+            </a:gs>
+          </a:gsLst>
+          <a:lin ang="5400000" scaled="0"/>
+        </a:gradFill>
+        <a:gradFill rotWithShape="1">
+          <a:gsLst>
+            <a:gs pos="0">
+              <a:schemeClr val="phClr">
+                <a:satMod val="103000"/>
+                <a:lumMod val="102000"/>
+                <a:tint val="94000"/>
+              </a:schemeClr>
+            </a:gs>
+            <a:gs pos="50000">
+              <a:schemeClr val="phClr">
+                <a:satMod val="110000"/>
+                <a:lumMod val="100000"/>
+                <a:shade val="100000"/>
+              </a:schemeClr>
+            </a:gs>
+            <a:gs pos="100000">
+              <a:schemeClr val="phClr">
+                <a:lumMod val="99000"/>
+                <a:satMod val="120000"/>
+                <a:shade val="78000"/>
+              </a:schemeClr>
+            </a:gs>
+          </a:gsLst>
+          <a:lin ang="5400000" scaled="0"/>
+        </a:gradFill>
+      </a:fillStyleLst>
+      <a:lnStyleLst>
+        <a:ln w="6350" cap="flat" cmpd="sng" algn="ctr">
+          <a:solidFill>
+            <a:schemeClr val="phClr"/>
+          </a:solidFill>
+          <a:prstDash val="solid"/>
+          <a:miter lim="800000"/>
+        </a:ln>
+        <a:ln w="12700" cap="flat" cmpd="sng" algn="ctr">
+          <a:solidFill>
+            <a:schemeClr val="phClr"/>
+          </a:solidFill>
+          <a:prstDash val="solid"/>
+          <a:miter lim="800000"/>
+        </a:ln>
+        <a:ln w="19050" cap="flat" cmpd="sng" algn="ctr">
+          <a:solidFill>
+            <a:schemeClr val="phClr"/>
+          </a:solidFill>
+          <a:prstDash val="solid"/>
+          <a:miter lim="800000"/>
+        </a:ln>
+      </a:lnStyleLst>
+      <a:effectStyleLst>
+        <a:effectStyle>
+          <a:effectLst/>
+        </a:effectStyle>
+        <a:effectStyle>
+          <a:effectLst/>
+        </a:effectStyle>
+        <a:effectStyle>
+          <a:effectLst>
+            <a:outerShdw blurRad="57150" dist="19050" dir="5400000" algn="ctr" rotWithShape="0">
+              <a:srgbClr val="000000">
+                <a:alpha val="63000"/>
+              </a:srgbClr>
+            </a:outerShdw>
+          </a:effectLst>
+        </a:effectStyle>
+      </a:effectStyleLst>
+      <a:bgFillStyleLst>
+        <a:solidFill>
+          <a:schemeClr val="phClr"/>
+        </a:solidFill>
+        <a:solidFill>
+          <a:schemeClr val="phClr">
+            <a:tint val="95000"/>
+            <a:satMod val="170000"/>
+          </a:schemeClr>
+        </a:solidFill>
+        <a:gradFill rotWithShape="1">
+          <a:gsLst>
+            <a:gs pos="0">
+              <a:schemeClr val="phClr">
+                <a:tint val="93000"/>
+                <a:satMod val="150000"/>
+                <a:shade val="98000"/>
+                <a:lumMod val="102000"/>
+              </a:schemeClr>
+            </a:gs>
+            <a:gs pos="50000">
+              <a:schemeClr val="phClr">
+                <a:tint val="98000"/>
+                <a:satMod val="130000"/>
+                <a:shade val="90000"/>
+                <a:lumMod val="103000"/>
+              </a:schemeClr>
+            </a:gs>
+            <a:gs pos="100000">
+              <a:schemeClr val="phClr">
+                <a:shade val="63000"/>
+                <a:satMod val="120000"/>
+              </a:schemeClr>
+            </a:gs>
+          </a:gsLst>
+          <a:lin ang="5400000" scaled="0"/>
+        </a:gradFill>
+      </a:bgFillStyleLst>
+    </a:fmtScheme>
+  </a:themeElements>
+  <a:objectDefaults/>
+  <a:extraClrSchemeLst/>
+  <a:extLst>
+    <a:ext uri="{05A4C25C-085E-4340-85A3-A5531E510DB2}">
+      <thm15:themeFamily xmlns:thm15="http://schemas.microsoft.com/office/thememl/2012/main" name="Office Theme" id="{62F939B6-93AF-4DB8-9C6B-D6C7DFDC589F}" vid="{4A3C46E8-61CC-4603-A589-7422A47A8E4A}"/>
+    </a:ext>
+  </a:extLst>
+</a:theme>
 </file>